--- a/images/Image_In_ppt.pptx
+++ b/images/Image_In_ppt.pptx
@@ -6,23 +6,22 @@
   </p:sldMasterIdLst>
   <p:sldIdLst>
     <p:sldId id="258" r:id="rId2"/>
-    <p:sldId id="275" r:id="rId3"/>
+    <p:sldId id="277" r:id="rId3"/>
     <p:sldId id="257" r:id="rId4"/>
-    <p:sldId id="260" r:id="rId5"/>
-    <p:sldId id="261" r:id="rId6"/>
-    <p:sldId id="262" r:id="rId7"/>
-    <p:sldId id="263" r:id="rId8"/>
-    <p:sldId id="264" r:id="rId9"/>
-    <p:sldId id="265" r:id="rId10"/>
-    <p:sldId id="266" r:id="rId11"/>
-    <p:sldId id="274" r:id="rId12"/>
-    <p:sldId id="270" r:id="rId13"/>
-    <p:sldId id="267" r:id="rId14"/>
-    <p:sldId id="268" r:id="rId15"/>
-    <p:sldId id="271" r:id="rId16"/>
-    <p:sldId id="272" r:id="rId17"/>
-    <p:sldId id="276" r:id="rId18"/>
-    <p:sldId id="259" r:id="rId19"/>
+    <p:sldId id="278" r:id="rId5"/>
+    <p:sldId id="262" r:id="rId6"/>
+    <p:sldId id="263" r:id="rId7"/>
+    <p:sldId id="264" r:id="rId8"/>
+    <p:sldId id="265" r:id="rId9"/>
+    <p:sldId id="266" r:id="rId10"/>
+    <p:sldId id="274" r:id="rId11"/>
+    <p:sldId id="270" r:id="rId12"/>
+    <p:sldId id="267" r:id="rId13"/>
+    <p:sldId id="268" r:id="rId14"/>
+    <p:sldId id="271" r:id="rId15"/>
+    <p:sldId id="272" r:id="rId16"/>
+    <p:sldId id="276" r:id="rId17"/>
+    <p:sldId id="259" r:id="rId18"/>
   </p:sldIdLst>
   <p:sldSz cx="12192000" cy="6858000"/>
   <p:notesSz cx="6858000" cy="9144000"/>
@@ -278,7 +277,7 @@
           <a:p>
             <a:fld id="{6AD9268C-4043-4F47-9E5A-AF01BC7E8A5E}" type="datetimeFigureOut">
               <a:rPr lang="en-SG" smtClean="0"/>
-              <a:t>27/10/2022</a:t>
+              <a:t>28/10/2022</a:t>
             </a:fld>
             <a:endParaRPr lang="en-SG"/>
           </a:p>
@@ -478,7 +477,7 @@
           <a:p>
             <a:fld id="{6AD9268C-4043-4F47-9E5A-AF01BC7E8A5E}" type="datetimeFigureOut">
               <a:rPr lang="en-SG" smtClean="0"/>
-              <a:t>27/10/2022</a:t>
+              <a:t>28/10/2022</a:t>
             </a:fld>
             <a:endParaRPr lang="en-SG"/>
           </a:p>
@@ -688,7 +687,7 @@
           <a:p>
             <a:fld id="{6AD9268C-4043-4F47-9E5A-AF01BC7E8A5E}" type="datetimeFigureOut">
               <a:rPr lang="en-SG" smtClean="0"/>
-              <a:t>27/10/2022</a:t>
+              <a:t>28/10/2022</a:t>
             </a:fld>
             <a:endParaRPr lang="en-SG"/>
           </a:p>
@@ -888,7 +887,7 @@
           <a:p>
             <a:fld id="{6AD9268C-4043-4F47-9E5A-AF01BC7E8A5E}" type="datetimeFigureOut">
               <a:rPr lang="en-SG" smtClean="0"/>
-              <a:t>27/10/2022</a:t>
+              <a:t>28/10/2022</a:t>
             </a:fld>
             <a:endParaRPr lang="en-SG"/>
           </a:p>
@@ -1164,7 +1163,7 @@
           <a:p>
             <a:fld id="{6AD9268C-4043-4F47-9E5A-AF01BC7E8A5E}" type="datetimeFigureOut">
               <a:rPr lang="en-SG" smtClean="0"/>
-              <a:t>27/10/2022</a:t>
+              <a:t>28/10/2022</a:t>
             </a:fld>
             <a:endParaRPr lang="en-SG"/>
           </a:p>
@@ -1432,7 +1431,7 @@
           <a:p>
             <a:fld id="{6AD9268C-4043-4F47-9E5A-AF01BC7E8A5E}" type="datetimeFigureOut">
               <a:rPr lang="en-SG" smtClean="0"/>
-              <a:t>27/10/2022</a:t>
+              <a:t>28/10/2022</a:t>
             </a:fld>
             <a:endParaRPr lang="en-SG"/>
           </a:p>
@@ -1847,7 +1846,7 @@
           <a:p>
             <a:fld id="{6AD9268C-4043-4F47-9E5A-AF01BC7E8A5E}" type="datetimeFigureOut">
               <a:rPr lang="en-SG" smtClean="0"/>
-              <a:t>27/10/2022</a:t>
+              <a:t>28/10/2022</a:t>
             </a:fld>
             <a:endParaRPr lang="en-SG"/>
           </a:p>
@@ -1989,7 +1988,7 @@
           <a:p>
             <a:fld id="{6AD9268C-4043-4F47-9E5A-AF01BC7E8A5E}" type="datetimeFigureOut">
               <a:rPr lang="en-SG" smtClean="0"/>
-              <a:t>27/10/2022</a:t>
+              <a:t>28/10/2022</a:t>
             </a:fld>
             <a:endParaRPr lang="en-SG"/>
           </a:p>
@@ -2102,7 +2101,7 @@
           <a:p>
             <a:fld id="{6AD9268C-4043-4F47-9E5A-AF01BC7E8A5E}" type="datetimeFigureOut">
               <a:rPr lang="en-SG" smtClean="0"/>
-              <a:t>27/10/2022</a:t>
+              <a:t>28/10/2022</a:t>
             </a:fld>
             <a:endParaRPr lang="en-SG"/>
           </a:p>
@@ -2415,7 +2414,7 @@
           <a:p>
             <a:fld id="{6AD9268C-4043-4F47-9E5A-AF01BC7E8A5E}" type="datetimeFigureOut">
               <a:rPr lang="en-SG" smtClean="0"/>
-              <a:t>27/10/2022</a:t>
+              <a:t>28/10/2022</a:t>
             </a:fld>
             <a:endParaRPr lang="en-SG"/>
           </a:p>
@@ -2704,7 +2703,7 @@
           <a:p>
             <a:fld id="{6AD9268C-4043-4F47-9E5A-AF01BC7E8A5E}" type="datetimeFigureOut">
               <a:rPr lang="en-SG" smtClean="0"/>
-              <a:t>27/10/2022</a:t>
+              <a:t>28/10/2022</a:t>
             </a:fld>
             <a:endParaRPr lang="en-SG"/>
           </a:p>
@@ -2947,7 +2946,7 @@
           <a:p>
             <a:fld id="{6AD9268C-4043-4F47-9E5A-AF01BC7E8A5E}" type="datetimeFigureOut">
               <a:rPr lang="en-SG" smtClean="0"/>
-              <a:t>27/10/2022</a:t>
+              <a:t>28/10/2022</a:t>
             </a:fld>
             <a:endParaRPr lang="en-SG"/>
           </a:p>
@@ -3486,328 +3485,6 @@
           <a:chExt cx="0" cy="0"/>
         </a:xfrm>
       </p:grpSpPr>
-      <p:sp>
-        <p:nvSpPr>
-          <p:cNvPr id="2" name="Title 1">
-            <a:extLst>
-              <a:ext uri="{FF2B5EF4-FFF2-40B4-BE49-F238E27FC236}">
-                <a16:creationId xmlns:a16="http://schemas.microsoft.com/office/drawing/2014/main" id="{FE839F3C-1493-4CF8-97F3-F2BED1A85040}"/>
-              </a:ext>
-            </a:extLst>
-          </p:cNvPr>
-          <p:cNvSpPr>
-            <a:spLocks noGrp="1"/>
-          </p:cNvSpPr>
-          <p:nvPr>
-            <p:ph type="title"/>
-          </p:nvPr>
-        </p:nvSpPr>
-        <p:spPr>
-          <a:xfrm>
-            <a:off x="838200" y="365125"/>
-            <a:ext cx="10515600" cy="1325563"/>
-          </a:xfrm>
-        </p:spPr>
-        <p:txBody>
-          <a:bodyPr/>
-          <a:lstStyle/>
-          <a:p>
-            <a:r>
-              <a:rPr lang="en-SG" dirty="0"/>
-              <a:t>Motivation for using </a:t>
-            </a:r>
-            <a:r>
-              <a:rPr lang="en-SG" dirty="0" err="1"/>
-              <a:t>Plotly</a:t>
-            </a:r>
-            <a:r>
-              <a:rPr lang="en-SG" dirty="0"/>
-              <a:t> and </a:t>
-            </a:r>
-            <a:r>
-              <a:rPr lang="en-SG" dirty="0" err="1"/>
-              <a:t>Trelliscopejs</a:t>
-            </a:r>
-            <a:r>
-              <a:rPr lang="en-SG" dirty="0"/>
-              <a:t> </a:t>
-            </a:r>
-          </a:p>
-        </p:txBody>
-      </p:sp>
-      <p:pic>
-        <p:nvPicPr>
-          <p:cNvPr id="6" name="Picture 5">
-            <a:extLst>
-              <a:ext uri="{FF2B5EF4-FFF2-40B4-BE49-F238E27FC236}">
-                <a16:creationId xmlns:a16="http://schemas.microsoft.com/office/drawing/2014/main" id="{C3A5A9DA-9F89-4395-8AC1-AA0889484D5E}"/>
-              </a:ext>
-            </a:extLst>
-          </p:cNvPr>
-          <p:cNvPicPr>
-            <a:picLocks noChangeAspect="1"/>
-          </p:cNvPicPr>
-          <p:nvPr/>
-        </p:nvPicPr>
-        <p:blipFill>
-          <a:blip r:embed="rId2"/>
-          <a:stretch>
-            <a:fillRect/>
-          </a:stretch>
-        </p:blipFill>
-        <p:spPr>
-          <a:xfrm>
-            <a:off x="6096000" y="3805032"/>
-            <a:ext cx="4771619" cy="1071659"/>
-          </a:xfrm>
-          <a:prstGeom prst="rect">
-            <a:avLst/>
-          </a:prstGeom>
-        </p:spPr>
-      </p:pic>
-      <p:pic>
-        <p:nvPicPr>
-          <p:cNvPr id="7" name="Picture 6">
-            <a:extLst>
-              <a:ext uri="{FF2B5EF4-FFF2-40B4-BE49-F238E27FC236}">
-                <a16:creationId xmlns:a16="http://schemas.microsoft.com/office/drawing/2014/main" id="{1E7BA09E-3CAD-4812-865C-6CAC515BF3CE}"/>
-              </a:ext>
-            </a:extLst>
-          </p:cNvPr>
-          <p:cNvPicPr>
-            <a:picLocks noChangeAspect="1"/>
-          </p:cNvPicPr>
-          <p:nvPr/>
-        </p:nvPicPr>
-        <p:blipFill rotWithShape="1">
-          <a:blip r:embed="rId3"/>
-          <a:srcRect t="13773"/>
-          <a:stretch/>
-        </p:blipFill>
-        <p:spPr>
-          <a:xfrm>
-            <a:off x="6139296" y="6114177"/>
-            <a:ext cx="4728323" cy="183469"/>
-          </a:xfrm>
-          <a:prstGeom prst="rect">
-            <a:avLst/>
-          </a:prstGeom>
-        </p:spPr>
-      </p:pic>
-      <p:pic>
-        <p:nvPicPr>
-          <p:cNvPr id="1026" name="Picture 2" descr="https://hafen.github.io/trelliscopejs/reference/figures/logo.png">
-            <a:extLst>
-              <a:ext uri="{FF2B5EF4-FFF2-40B4-BE49-F238E27FC236}">
-                <a16:creationId xmlns:a16="http://schemas.microsoft.com/office/drawing/2014/main" id="{FAB45369-F847-4D88-8638-67597D69B804}"/>
-              </a:ext>
-            </a:extLst>
-          </p:cNvPr>
-          <p:cNvPicPr>
-            <a:picLocks noChangeAspect="1" noChangeArrowheads="1"/>
-          </p:cNvPicPr>
-          <p:nvPr/>
-        </p:nvPicPr>
-        <p:blipFill>
-          <a:blip r:embed="rId4">
-            <a:extLst>
-              <a:ext uri="{28A0092B-C50C-407E-A947-70E740481C1C}">
-                <a14:useLocalDpi xmlns:a14="http://schemas.microsoft.com/office/drawing/2010/main" val="0"/>
-              </a:ext>
-            </a:extLst>
-          </a:blip>
-          <a:srcRect/>
-          <a:stretch>
-            <a:fillRect/>
-          </a:stretch>
-        </p:blipFill>
-        <p:spPr bwMode="auto">
-          <a:xfrm>
-            <a:off x="9275906" y="1562378"/>
-            <a:ext cx="889687" cy="1034095"/>
-          </a:xfrm>
-          <a:prstGeom prst="rect">
-            <a:avLst/>
-          </a:prstGeom>
-          <a:noFill/>
-          <a:extLst>
-            <a:ext uri="{909E8E84-426E-40DD-AFC4-6F175D3DCCD1}">
-              <a14:hiddenFill xmlns:a14="http://schemas.microsoft.com/office/drawing/2010/main">
-                <a:solidFill>
-                  <a:srgbClr val="FFFFFF"/>
-                </a:solidFill>
-              </a14:hiddenFill>
-            </a:ext>
-          </a:extLst>
-        </p:spPr>
-      </p:pic>
-      <p:pic>
-        <p:nvPicPr>
-          <p:cNvPr id="1028" name="Picture 4" descr="File:Plotly logo for digital final (6).png">
-            <a:extLst>
-              <a:ext uri="{FF2B5EF4-FFF2-40B4-BE49-F238E27FC236}">
-                <a16:creationId xmlns:a16="http://schemas.microsoft.com/office/drawing/2014/main" id="{DB95B450-861C-480E-B6CB-3F3DF3E7A71A}"/>
-              </a:ext>
-            </a:extLst>
-          </p:cNvPr>
-          <p:cNvPicPr>
-            <a:picLocks noChangeAspect="1" noChangeArrowheads="1"/>
-          </p:cNvPicPr>
-          <p:nvPr/>
-        </p:nvPicPr>
-        <p:blipFill rotWithShape="1">
-          <a:blip r:embed="rId5">
-            <a:extLst>
-              <a:ext uri="{28A0092B-C50C-407E-A947-70E740481C1C}">
-                <a14:useLocalDpi xmlns:a14="http://schemas.microsoft.com/office/drawing/2010/main" val="0"/>
-              </a:ext>
-            </a:extLst>
-          </a:blip>
-          <a:srcRect l="5532" t="28940" r="5911" b="27095"/>
-          <a:stretch/>
-        </p:blipFill>
-        <p:spPr bwMode="auto">
-          <a:xfrm>
-            <a:off x="6390474" y="1562378"/>
-            <a:ext cx="2586914" cy="963233"/>
-          </a:xfrm>
-          <a:prstGeom prst="rect">
-            <a:avLst/>
-          </a:prstGeom>
-          <a:noFill/>
-          <a:extLst>
-            <a:ext uri="{909E8E84-426E-40DD-AFC4-6F175D3DCCD1}">
-              <a14:hiddenFill xmlns:a14="http://schemas.microsoft.com/office/drawing/2010/main">
-                <a:solidFill>
-                  <a:srgbClr val="FFFFFF"/>
-                </a:solidFill>
-              </a14:hiddenFill>
-            </a:ext>
-          </a:extLst>
-        </p:spPr>
-      </p:pic>
-      <p:sp>
-        <p:nvSpPr>
-          <p:cNvPr id="10" name="Arrow: Right 9">
-            <a:extLst>
-              <a:ext uri="{FF2B5EF4-FFF2-40B4-BE49-F238E27FC236}">
-                <a16:creationId xmlns:a16="http://schemas.microsoft.com/office/drawing/2014/main" id="{3338BCA3-70EE-44CD-B10A-543B7D39CA40}"/>
-              </a:ext>
-            </a:extLst>
-          </p:cNvPr>
-          <p:cNvSpPr/>
-          <p:nvPr/>
-        </p:nvSpPr>
-        <p:spPr>
-          <a:xfrm rot="5400000">
-            <a:off x="8013050" y="5382155"/>
-            <a:ext cx="1015481" cy="194220"/>
-          </a:xfrm>
-          <a:prstGeom prst="rightArrow">
-            <a:avLst/>
-          </a:prstGeom>
-        </p:spPr>
-        <p:style>
-          <a:lnRef idx="2">
-            <a:schemeClr val="dk1">
-              <a:shade val="50000"/>
-            </a:schemeClr>
-          </a:lnRef>
-          <a:fillRef idx="1">
-            <a:schemeClr val="dk1"/>
-          </a:fillRef>
-          <a:effectRef idx="0">
-            <a:schemeClr val="dk1"/>
-          </a:effectRef>
-          <a:fontRef idx="minor">
-            <a:schemeClr val="lt1"/>
-          </a:fontRef>
-        </p:style>
-        <p:txBody>
-          <a:bodyPr rtlCol="0" anchor="ctr"/>
-          <a:lstStyle/>
-          <a:p>
-            <a:pPr algn="ctr"/>
-            <a:endParaRPr lang="en-SG"/>
-          </a:p>
-        </p:txBody>
-      </p:sp>
-      <p:sp>
-        <p:nvSpPr>
-          <p:cNvPr id="14" name="Arrow: Right 13">
-            <a:extLst>
-              <a:ext uri="{FF2B5EF4-FFF2-40B4-BE49-F238E27FC236}">
-                <a16:creationId xmlns:a16="http://schemas.microsoft.com/office/drawing/2014/main" id="{34953C13-8F7D-4DD6-9741-0C188D22A33E}"/>
-              </a:ext>
-            </a:extLst>
-          </p:cNvPr>
-          <p:cNvSpPr/>
-          <p:nvPr/>
-        </p:nvSpPr>
-        <p:spPr>
-          <a:xfrm rot="5400000">
-            <a:off x="8003525" y="3044674"/>
-            <a:ext cx="1015481" cy="194220"/>
-          </a:xfrm>
-          <a:prstGeom prst="rightArrow">
-            <a:avLst/>
-          </a:prstGeom>
-        </p:spPr>
-        <p:style>
-          <a:lnRef idx="2">
-            <a:schemeClr val="dk1">
-              <a:shade val="50000"/>
-            </a:schemeClr>
-          </a:lnRef>
-          <a:fillRef idx="1">
-            <a:schemeClr val="dk1"/>
-          </a:fillRef>
-          <a:effectRef idx="0">
-            <a:schemeClr val="dk1"/>
-          </a:effectRef>
-          <a:fontRef idx="minor">
-            <a:schemeClr val="lt1"/>
-          </a:fontRef>
-        </p:style>
-        <p:txBody>
-          <a:bodyPr rtlCol="0" anchor="ctr"/>
-          <a:lstStyle/>
-          <a:p>
-            <a:pPr algn="ctr"/>
-            <a:endParaRPr lang="en-SG"/>
-          </a:p>
-        </p:txBody>
-      </p:sp>
-    </p:spTree>
-    <p:extLst>
-      <p:ext uri="{BB962C8B-B14F-4D97-AF65-F5344CB8AC3E}">
-        <p14:creationId xmlns:p14="http://schemas.microsoft.com/office/powerpoint/2010/main" val="1553705019"/>
-      </p:ext>
-    </p:extLst>
-  </p:cSld>
-  <p:clrMapOvr>
-    <a:masterClrMapping/>
-  </p:clrMapOvr>
-</p:sld>
-</file>
-
-<file path=ppt/slides/slide11.xml><?xml version="1.0" encoding="utf-8"?>
-<p:sld xmlns:a="http://schemas.openxmlformats.org/drawingml/2006/main" xmlns:r="http://schemas.openxmlformats.org/officeDocument/2006/relationships" xmlns:p="http://schemas.openxmlformats.org/presentationml/2006/main">
-  <p:cSld>
-    <p:spTree>
-      <p:nvGrpSpPr>
-        <p:cNvPr id="1" name=""/>
-        <p:cNvGrpSpPr/>
-        <p:nvPr/>
-      </p:nvGrpSpPr>
-      <p:grpSpPr>
-        <a:xfrm>
-          <a:off x="0" y="0"/>
-          <a:ext cx="0" cy="0"/>
-          <a:chOff x="0" y="0"/>
-          <a:chExt cx="0" cy="0"/>
-        </a:xfrm>
-      </p:grpSpPr>
       <p:grpSp>
         <p:nvGrpSpPr>
           <p:cNvPr id="9" name="Group 8">
@@ -3962,7 +3639,7 @@
 </p:sld>
 </file>
 
-<file path=ppt/slides/slide12.xml><?xml version="1.0" encoding="utf-8"?>
+<file path=ppt/slides/slide11.xml><?xml version="1.0" encoding="utf-8"?>
 <p:sld xmlns:a="http://schemas.openxmlformats.org/drawingml/2006/main" xmlns:r="http://schemas.openxmlformats.org/officeDocument/2006/relationships" xmlns:p="http://schemas.openxmlformats.org/presentationml/2006/main">
   <p:cSld>
     <p:spTree>
@@ -4428,7 +4105,7 @@
 </p:sld>
 </file>
 
-<file path=ppt/slides/slide13.xml><?xml version="1.0" encoding="utf-8"?>
+<file path=ppt/slides/slide12.xml><?xml version="1.0" encoding="utf-8"?>
 <p:sld xmlns:a="http://schemas.openxmlformats.org/drawingml/2006/main" xmlns:r="http://schemas.openxmlformats.org/officeDocument/2006/relationships" xmlns:p="http://schemas.openxmlformats.org/presentationml/2006/main">
   <p:cSld>
     <p:spTree>
@@ -4625,7 +4302,7 @@
 </p:sld>
 </file>
 
-<file path=ppt/slides/slide14.xml><?xml version="1.0" encoding="utf-8"?>
+<file path=ppt/slides/slide13.xml><?xml version="1.0" encoding="utf-8"?>
 <p:sld xmlns:a="http://schemas.openxmlformats.org/drawingml/2006/main" xmlns:r="http://schemas.openxmlformats.org/officeDocument/2006/relationships" xmlns:p="http://schemas.openxmlformats.org/presentationml/2006/main">
   <p:cSld>
     <p:spTree>
@@ -4881,7 +4558,7 @@
 </p:sld>
 </file>
 
-<file path=ppt/slides/slide15.xml><?xml version="1.0" encoding="utf-8"?>
+<file path=ppt/slides/slide14.xml><?xml version="1.0" encoding="utf-8"?>
 <p:sld xmlns:a="http://schemas.openxmlformats.org/drawingml/2006/main" xmlns:r="http://schemas.openxmlformats.org/officeDocument/2006/relationships" xmlns:p="http://schemas.openxmlformats.org/presentationml/2006/main">
   <p:cSld>
     <p:spTree>
@@ -5761,7 +5438,7 @@
 </p:sld>
 </file>
 
-<file path=ppt/slides/slide16.xml><?xml version="1.0" encoding="utf-8"?>
+<file path=ppt/slides/slide15.xml><?xml version="1.0" encoding="utf-8"?>
 <p:sld xmlns:a="http://schemas.openxmlformats.org/drawingml/2006/main" xmlns:r="http://schemas.openxmlformats.org/officeDocument/2006/relationships" xmlns:p="http://schemas.openxmlformats.org/presentationml/2006/main">
   <p:cSld>
     <p:spTree>
@@ -6697,7 +6374,7 @@
 </p:sld>
 </file>
 
-<file path=ppt/slides/slide17.xml><?xml version="1.0" encoding="utf-8"?>
+<file path=ppt/slides/slide16.xml><?xml version="1.0" encoding="utf-8"?>
 <p:sld xmlns:a="http://schemas.openxmlformats.org/drawingml/2006/main" xmlns:r="http://schemas.openxmlformats.org/officeDocument/2006/relationships" xmlns:p="http://schemas.openxmlformats.org/presentationml/2006/main">
   <p:cSld>
     <p:spTree>
@@ -6960,7 +6637,7 @@
 </p:sld>
 </file>
 
-<file path=ppt/slides/slide18.xml><?xml version="1.0" encoding="utf-8"?>
+<file path=ppt/slides/slide17.xml><?xml version="1.0" encoding="utf-8"?>
 <p:sld xmlns:a="http://schemas.openxmlformats.org/drawingml/2006/main" xmlns:r="http://schemas.openxmlformats.org/officeDocument/2006/relationships" xmlns:p="http://schemas.openxmlformats.org/presentationml/2006/main">
   <p:cSld>
     <p:spTree>
@@ -7107,163 +6784,46 @@
           <a:chExt cx="0" cy="0"/>
         </a:xfrm>
       </p:grpSpPr>
-      <p:grpSp>
-        <p:nvGrpSpPr>
-          <p:cNvPr id="5" name="Group 4">
-            <a:extLst>
-              <a:ext uri="{FF2B5EF4-FFF2-40B4-BE49-F238E27FC236}">
-                <a16:creationId xmlns:a16="http://schemas.microsoft.com/office/drawing/2014/main" id="{548FEDD3-4C89-4CDA-A783-BEA0EC445785}"/>
-              </a:ext>
-            </a:extLst>
-          </p:cNvPr>
-          <p:cNvGrpSpPr/>
+      <p:pic>
+        <p:nvPicPr>
+          <p:cNvPr id="4" name="Picture 3">
+            <a:extLst>
+              <a:ext uri="{FF2B5EF4-FFF2-40B4-BE49-F238E27FC236}">
+                <a16:creationId xmlns:a16="http://schemas.microsoft.com/office/drawing/2014/main" id="{C17BAD7B-C9C0-4980-90E8-32AB9AF3874A}"/>
+              </a:ext>
+            </a:extLst>
+          </p:cNvPr>
+          <p:cNvPicPr>
+            <a:picLocks noChangeAspect="1"/>
+          </p:cNvPicPr>
           <p:nvPr/>
-        </p:nvGrpSpPr>
-        <p:grpSpPr>
+        </p:nvPicPr>
+        <p:blipFill>
+          <a:blip r:embed="rId2">
+            <a:extLst>
+              <a:ext uri="{28A0092B-C50C-407E-A947-70E740481C1C}">
+                <a14:useLocalDpi xmlns:a14="http://schemas.microsoft.com/office/drawing/2010/main" val="0"/>
+              </a:ext>
+            </a:extLst>
+          </a:blip>
+          <a:stretch>
+            <a:fillRect/>
+          </a:stretch>
+        </p:blipFill>
+        <p:spPr>
           <a:xfrm>
-            <a:off x="2472283" y="421497"/>
-            <a:ext cx="5364352" cy="5273738"/>
-            <a:chOff x="2472283" y="421497"/>
-            <a:chExt cx="5364352" cy="5273738"/>
+            <a:off x="3645989" y="1131179"/>
+            <a:ext cx="3887575" cy="3898364"/>
           </a:xfrm>
-        </p:grpSpPr>
-        <p:pic>
-          <p:nvPicPr>
-            <p:cNvPr id="9" name="Picture 8">
-              <a:extLst>
-                <a:ext uri="{FF2B5EF4-FFF2-40B4-BE49-F238E27FC236}">
-                  <a16:creationId xmlns:a16="http://schemas.microsoft.com/office/drawing/2014/main" id="{974816E0-9407-45E2-99D3-6228DDD5B0C5}"/>
-                </a:ext>
-              </a:extLst>
-            </p:cNvPr>
-            <p:cNvPicPr>
-              <a:picLocks noChangeAspect="1"/>
-            </p:cNvPicPr>
-            <p:nvPr/>
-          </p:nvPicPr>
-          <p:blipFill>
-            <a:blip r:embed="rId2">
-              <a:extLst>
-                <a:ext uri="{28A0092B-C50C-407E-A947-70E740481C1C}">
-                  <a14:useLocalDpi xmlns:a14="http://schemas.microsoft.com/office/drawing/2010/main" val="0"/>
-                </a:ext>
-              </a:extLst>
-            </a:blip>
-            <a:stretch>
-              <a:fillRect/>
-            </a:stretch>
-          </p:blipFill>
-          <p:spPr>
-            <a:xfrm>
-              <a:off x="5054171" y="421498"/>
-              <a:ext cx="2732613" cy="2250263"/>
-            </a:xfrm>
-            <a:prstGeom prst="rect">
-              <a:avLst/>
-            </a:prstGeom>
-          </p:spPr>
-        </p:pic>
-        <p:pic>
-          <p:nvPicPr>
-            <p:cNvPr id="13" name="Picture 12">
-              <a:extLst>
-                <a:ext uri="{FF2B5EF4-FFF2-40B4-BE49-F238E27FC236}">
-                  <a16:creationId xmlns:a16="http://schemas.microsoft.com/office/drawing/2014/main" id="{3054BCFD-5519-4692-A525-24C97AA346B3}"/>
-                </a:ext>
-              </a:extLst>
-            </p:cNvPr>
-            <p:cNvPicPr>
-              <a:picLocks noChangeAspect="1"/>
-            </p:cNvPicPr>
-            <p:nvPr/>
-          </p:nvPicPr>
-          <p:blipFill>
-            <a:blip r:embed="rId3">
-              <a:extLst>
-                <a:ext uri="{28A0092B-C50C-407E-A947-70E740481C1C}">
-                  <a14:useLocalDpi xmlns:a14="http://schemas.microsoft.com/office/drawing/2010/main" val="0"/>
-                </a:ext>
-              </a:extLst>
-            </a:blip>
-            <a:stretch>
-              <a:fillRect/>
-            </a:stretch>
-          </p:blipFill>
-          <p:spPr>
-            <a:xfrm>
-              <a:off x="2472283" y="421497"/>
-              <a:ext cx="2277281" cy="2283601"/>
-            </a:xfrm>
-            <a:prstGeom prst="rect">
-              <a:avLst/>
-            </a:prstGeom>
-          </p:spPr>
-        </p:pic>
-        <p:pic>
-          <p:nvPicPr>
-            <p:cNvPr id="17" name="Picture 16">
-              <a:extLst>
-                <a:ext uri="{FF2B5EF4-FFF2-40B4-BE49-F238E27FC236}">
-                  <a16:creationId xmlns:a16="http://schemas.microsoft.com/office/drawing/2014/main" id="{CA2F8DCE-FF3C-4B7B-A298-B1D12B7DB826}"/>
-                </a:ext>
-              </a:extLst>
-            </p:cNvPr>
-            <p:cNvPicPr>
-              <a:picLocks noChangeAspect="1"/>
-            </p:cNvPicPr>
-            <p:nvPr/>
-          </p:nvPicPr>
-          <p:blipFill>
-            <a:blip r:embed="rId4"/>
-            <a:stretch>
-              <a:fillRect/>
-            </a:stretch>
-          </p:blipFill>
-          <p:spPr>
-            <a:xfrm>
-              <a:off x="4015250" y="2801065"/>
-              <a:ext cx="3821385" cy="2894170"/>
-            </a:xfrm>
-            <a:prstGeom prst="rect">
-              <a:avLst/>
-            </a:prstGeom>
-          </p:spPr>
-        </p:pic>
-        <p:pic>
-          <p:nvPicPr>
-            <p:cNvPr id="16" name="Picture 15">
-              <a:extLst>
-                <a:ext uri="{FF2B5EF4-FFF2-40B4-BE49-F238E27FC236}">
-                  <a16:creationId xmlns:a16="http://schemas.microsoft.com/office/drawing/2014/main" id="{AD3DE7D0-DF9C-410E-A304-73C5707F569E}"/>
-                </a:ext>
-              </a:extLst>
-            </p:cNvPr>
-            <p:cNvPicPr>
-              <a:picLocks noChangeAspect="1"/>
-            </p:cNvPicPr>
-            <p:nvPr/>
-          </p:nvPicPr>
-          <p:blipFill>
-            <a:blip r:embed="rId5"/>
-            <a:stretch>
-              <a:fillRect/>
-            </a:stretch>
-          </p:blipFill>
-          <p:spPr>
-            <a:xfrm>
-              <a:off x="2808370" y="4193382"/>
-              <a:ext cx="1593106" cy="491490"/>
-            </a:xfrm>
-            <a:prstGeom prst="rect">
-              <a:avLst/>
-            </a:prstGeom>
-          </p:spPr>
-        </p:pic>
-      </p:grpSp>
+          <a:prstGeom prst="rect">
+            <a:avLst/>
+          </a:prstGeom>
+        </p:spPr>
+      </p:pic>
     </p:spTree>
     <p:extLst>
       <p:ext uri="{BB962C8B-B14F-4D97-AF65-F5344CB8AC3E}">
-        <p14:creationId xmlns:p14="http://schemas.microsoft.com/office/powerpoint/2010/main" val="1430436731"/>
+        <p14:creationId xmlns:p14="http://schemas.microsoft.com/office/powerpoint/2010/main" val="2423353379"/>
       </p:ext>
     </p:extLst>
   </p:cSld>
@@ -8580,95 +8140,12 @@
           <a:chExt cx="0" cy="0"/>
         </a:xfrm>
       </p:grpSpPr>
-      <p:sp>
-        <p:nvSpPr>
-          <p:cNvPr id="2" name="Title 1">
-            <a:extLst>
-              <a:ext uri="{FF2B5EF4-FFF2-40B4-BE49-F238E27FC236}">
-                <a16:creationId xmlns:a16="http://schemas.microsoft.com/office/drawing/2014/main" id="{74A54903-878F-4BA3-8BAF-6DBF0E9BC971}"/>
-              </a:ext>
-            </a:extLst>
-          </p:cNvPr>
-          <p:cNvSpPr>
-            <a:spLocks noGrp="1"/>
-          </p:cNvSpPr>
-          <p:nvPr>
-            <p:ph type="title"/>
-          </p:nvPr>
-        </p:nvSpPr>
-        <p:spPr/>
-        <p:txBody>
-          <a:bodyPr/>
-          <a:lstStyle/>
-          <a:p>
-            <a:r>
-              <a:rPr lang="en-SG" dirty="0"/>
-              <a:t>Sources of “Unwanted” Peak Area Variation</a:t>
-            </a:r>
-          </a:p>
-        </p:txBody>
-      </p:sp>
-      <p:sp>
-        <p:nvSpPr>
-          <p:cNvPr id="5" name="Content Placeholder 4">
-            <a:extLst>
-              <a:ext uri="{FF2B5EF4-FFF2-40B4-BE49-F238E27FC236}">
-                <a16:creationId xmlns:a16="http://schemas.microsoft.com/office/drawing/2014/main" id="{EC4D547B-521E-4F73-975D-50ADCAA34844}"/>
-              </a:ext>
-            </a:extLst>
-          </p:cNvPr>
-          <p:cNvSpPr>
-            <a:spLocks noGrp="1"/>
-          </p:cNvSpPr>
-          <p:nvPr>
-            <p:ph idx="1"/>
-          </p:nvPr>
-        </p:nvSpPr>
-        <p:spPr>
-          <a:xfrm>
-            <a:off x="838200" y="1586970"/>
-            <a:ext cx="10515600" cy="2039627"/>
-          </a:xfrm>
-        </p:spPr>
-        <p:txBody>
-          <a:bodyPr>
-            <a:normAutofit/>
-          </a:bodyPr>
-          <a:lstStyle/>
-          <a:p>
-            <a:r>
-              <a:rPr lang="en-SG" dirty="0"/>
-              <a:t>Lipid Extraction</a:t>
-            </a:r>
-          </a:p>
-          <a:p>
-            <a:pPr lvl="1"/>
-            <a:r>
-              <a:rPr lang="en-SG" dirty="0"/>
-              <a:t>Different pipettes used to do extraction</a:t>
-            </a:r>
-          </a:p>
-          <a:p>
-            <a:r>
-              <a:rPr lang="en-SG" dirty="0"/>
-              <a:t>Lipid Measurement </a:t>
-            </a:r>
-          </a:p>
-          <a:p>
-            <a:pPr lvl="1"/>
-            <a:r>
-              <a:rPr lang="en-SG" dirty="0"/>
-              <a:t>Contaminant ions</a:t>
-            </a:r>
-          </a:p>
-        </p:txBody>
-      </p:sp>
       <p:grpSp>
         <p:nvGrpSpPr>
-          <p:cNvPr id="46" name="Group 45">
-            <a:extLst>
-              <a:ext uri="{FF2B5EF4-FFF2-40B4-BE49-F238E27FC236}">
-                <a16:creationId xmlns:a16="http://schemas.microsoft.com/office/drawing/2014/main" id="{79339A53-A91E-4D3F-98B5-4D7480385AA6}"/>
+          <p:cNvPr id="11" name="Group 10">
+            <a:extLst>
+              <a:ext uri="{FF2B5EF4-FFF2-40B4-BE49-F238E27FC236}">
+                <a16:creationId xmlns:a16="http://schemas.microsoft.com/office/drawing/2014/main" id="{5C4941DF-9102-44CD-ADA4-1C93971731A5}"/>
               </a:ext>
             </a:extLst>
           </p:cNvPr>
@@ -8677,704 +8154,23 @@
         </p:nvGrpSpPr>
         <p:grpSpPr>
           <a:xfrm>
-            <a:off x="450473" y="3665937"/>
-            <a:ext cx="11591121" cy="2813519"/>
-            <a:chOff x="450473" y="3665937"/>
-            <a:chExt cx="11591121" cy="2813519"/>
+            <a:off x="658833" y="515177"/>
+            <a:ext cx="9315978" cy="3532068"/>
+            <a:chOff x="658833" y="515177"/>
+            <a:chExt cx="9315978" cy="3532068"/>
           </a:xfrm>
         </p:grpSpPr>
-        <p:grpSp>
-          <p:nvGrpSpPr>
-            <p:cNvPr id="26" name="Group 25">
+        <p:pic>
+          <p:nvPicPr>
+            <p:cNvPr id="5" name="Picture 7" descr="https://lh6.googleusercontent.com/ph636ed22ufL3pAHTH6tDsq0Lk7Wq9Bd66AHM1UE9oFKqf-p3r3kHrJXEzEQMT5g3a_0vCd7yGRo78Cs1PwZVrCY9AkBEiurkllzRzprcgcTe7Sgo4ysRjPg19z9IhWwbSKqwj9pszzU11ws76G0riLxv2DGtfIftHX1h8XwbVRvzt_0Lfxb7Q">
               <a:extLst>
                 <a:ext uri="{FF2B5EF4-FFF2-40B4-BE49-F238E27FC236}">
-                  <a16:creationId xmlns:a16="http://schemas.microsoft.com/office/drawing/2014/main" id="{BADC161A-6CE0-4500-9953-5D6A5622132A}"/>
-                </a:ext>
-              </a:extLst>
-            </p:cNvPr>
-            <p:cNvGrpSpPr/>
-            <p:nvPr/>
-          </p:nvGrpSpPr>
-          <p:grpSpPr>
-            <a:xfrm>
-              <a:off x="567635" y="4113575"/>
-              <a:ext cx="645023" cy="1172120"/>
-              <a:chOff x="675777" y="440780"/>
-              <a:chExt cx="1012920" cy="1749881"/>
-            </a:xfrm>
-          </p:grpSpPr>
-          <p:sp>
-            <p:nvSpPr>
-              <p:cNvPr id="27" name="Freeform: Shape 26">
-                <a:extLst>
-                  <a:ext uri="{FF2B5EF4-FFF2-40B4-BE49-F238E27FC236}">
-                    <a16:creationId xmlns:a16="http://schemas.microsoft.com/office/drawing/2014/main" id="{3ACB4A67-6337-4E9E-BCC9-922797DE4934}"/>
-                  </a:ext>
-                </a:extLst>
-              </p:cNvPr>
-              <p:cNvSpPr/>
-              <p:nvPr/>
-            </p:nvSpPr>
-            <p:spPr>
-              <a:xfrm>
-                <a:off x="878434" y="1755664"/>
-                <a:ext cx="619336" cy="434997"/>
-              </a:xfrm>
-              <a:custGeom>
-                <a:avLst/>
-                <a:gdLst>
-                  <a:gd name="connsiteX0" fmla="*/ 0 w 300810"/>
-                  <a:gd name="connsiteY0" fmla="*/ 0 h 189806"/>
-                  <a:gd name="connsiteX1" fmla="*/ 300810 w 300810"/>
-                  <a:gd name="connsiteY1" fmla="*/ 0 h 189806"/>
-                  <a:gd name="connsiteX2" fmla="*/ 300810 w 300810"/>
-                  <a:gd name="connsiteY2" fmla="*/ 12870 h 189806"/>
-                  <a:gd name="connsiteX3" fmla="*/ 150405 w 300810"/>
-                  <a:gd name="connsiteY3" fmla="*/ 189806 h 189806"/>
-                  <a:gd name="connsiteX4" fmla="*/ 0 w 300810"/>
-                  <a:gd name="connsiteY4" fmla="*/ 12870 h 189806"/>
-                  <a:gd name="connsiteX5" fmla="*/ 0 w 300810"/>
-                  <a:gd name="connsiteY5" fmla="*/ 0 h 189806"/>
-                </a:gdLst>
-                <a:ahLst/>
-                <a:cxnLst>
-                  <a:cxn ang="0">
-                    <a:pos x="connsiteX0" y="connsiteY0"/>
-                  </a:cxn>
-                  <a:cxn ang="0">
-                    <a:pos x="connsiteX1" y="connsiteY1"/>
-                  </a:cxn>
-                  <a:cxn ang="0">
-                    <a:pos x="connsiteX2" y="connsiteY2"/>
-                  </a:cxn>
-                  <a:cxn ang="0">
-                    <a:pos x="connsiteX3" y="connsiteY3"/>
-                  </a:cxn>
-                  <a:cxn ang="0">
-                    <a:pos x="connsiteX4" y="connsiteY4"/>
-                  </a:cxn>
-                  <a:cxn ang="0">
-                    <a:pos x="connsiteX5" y="connsiteY5"/>
-                  </a:cxn>
-                </a:cxnLst>
-                <a:rect l="l" t="t" r="r" b="b"/>
-                <a:pathLst>
-                  <a:path w="300810" h="189806">
-                    <a:moveTo>
-                      <a:pt x="0" y="0"/>
-                    </a:moveTo>
-                    <a:lnTo>
-                      <a:pt x="300810" y="0"/>
-                    </a:lnTo>
-                    <a:lnTo>
-                      <a:pt x="300810" y="12870"/>
-                    </a:lnTo>
-                    <a:cubicBezTo>
-                      <a:pt x="300810" y="110589"/>
-                      <a:pt x="233472" y="189806"/>
-                      <a:pt x="150405" y="189806"/>
-                    </a:cubicBezTo>
-                    <a:cubicBezTo>
-                      <a:pt x="67339" y="189806"/>
-                      <a:pt x="0" y="110589"/>
-                      <a:pt x="0" y="12870"/>
-                    </a:cubicBezTo>
-                    <a:lnTo>
-                      <a:pt x="0" y="0"/>
-                    </a:lnTo>
-                    <a:close/>
-                  </a:path>
-                </a:pathLst>
-              </a:custGeom>
-              <a:solidFill>
-                <a:srgbClr val="D55E4A"/>
-              </a:solidFill>
-              <a:ln w="9525">
-                <a:noFill/>
-              </a:ln>
-            </p:spPr>
-            <p:style>
-              <a:lnRef idx="2">
-                <a:schemeClr val="accent1">
-                  <a:shade val="50000"/>
-                </a:schemeClr>
-              </a:lnRef>
-              <a:fillRef idx="1">
-                <a:schemeClr val="accent1"/>
-              </a:fillRef>
-              <a:effectRef idx="0">
-                <a:schemeClr val="accent1"/>
-              </a:effectRef>
-              <a:fontRef idx="minor">
-                <a:schemeClr val="lt1"/>
-              </a:fontRef>
-            </p:style>
-            <p:txBody>
-              <a:bodyPr rtlCol="0" anchor="ctr"/>
-              <a:lstStyle/>
-              <a:p>
-                <a:pPr algn="ctr"/>
-                <a:endParaRPr lang="en-SG" dirty="0"/>
-              </a:p>
-            </p:txBody>
-          </p:sp>
-          <p:sp>
-            <p:nvSpPr>
-              <p:cNvPr id="28" name="Rectangle: Rounded Corners 27">
-                <a:extLst>
-                  <a:ext uri="{FF2B5EF4-FFF2-40B4-BE49-F238E27FC236}">
-                    <a16:creationId xmlns:a16="http://schemas.microsoft.com/office/drawing/2014/main" id="{A71588C4-18C5-4509-9D39-5DC84FBCA9BE}"/>
-                  </a:ext>
-                </a:extLst>
-              </p:cNvPr>
-              <p:cNvSpPr/>
-              <p:nvPr/>
-            </p:nvSpPr>
-            <p:spPr>
-              <a:xfrm>
-                <a:off x="675777" y="440780"/>
-                <a:ext cx="1012920" cy="200642"/>
-              </a:xfrm>
-              <a:prstGeom prst="roundRect">
-                <a:avLst>
-                  <a:gd name="adj" fmla="val 50000"/>
-                </a:avLst>
-              </a:prstGeom>
-              <a:solidFill>
-                <a:schemeClr val="bg2"/>
-              </a:solidFill>
-              <a:ln w="19050">
-                <a:solidFill>
-                  <a:schemeClr val="tx1"/>
-                </a:solidFill>
-              </a:ln>
-            </p:spPr>
-            <p:style>
-              <a:lnRef idx="2">
-                <a:schemeClr val="accent1">
-                  <a:shade val="50000"/>
-                </a:schemeClr>
-              </a:lnRef>
-              <a:fillRef idx="1">
-                <a:schemeClr val="accent1"/>
-              </a:fillRef>
-              <a:effectRef idx="0">
-                <a:schemeClr val="accent1"/>
-              </a:effectRef>
-              <a:fontRef idx="minor">
-                <a:schemeClr val="lt1"/>
-              </a:fontRef>
-            </p:style>
-            <p:txBody>
-              <a:bodyPr rtlCol="0" anchor="ctr"/>
-              <a:lstStyle/>
-              <a:p>
-                <a:pPr algn="ctr"/>
-                <a:endParaRPr lang="en-SG" dirty="0"/>
-              </a:p>
-            </p:txBody>
-          </p:sp>
-          <p:sp>
-            <p:nvSpPr>
-              <p:cNvPr id="29" name="Rectangle 28">
-                <a:extLst>
-                  <a:ext uri="{FF2B5EF4-FFF2-40B4-BE49-F238E27FC236}">
-                    <a16:creationId xmlns:a16="http://schemas.microsoft.com/office/drawing/2014/main" id="{5C01EFB2-4BA2-4983-9E78-3F79CB661827}"/>
-                  </a:ext>
-                </a:extLst>
-              </p:cNvPr>
-              <p:cNvSpPr/>
-              <p:nvPr/>
-            </p:nvSpPr>
-            <p:spPr>
-              <a:xfrm>
-                <a:off x="878434" y="842064"/>
-                <a:ext cx="619336" cy="928316"/>
-              </a:xfrm>
-              <a:prstGeom prst="rect">
-                <a:avLst/>
-              </a:prstGeom>
-              <a:solidFill>
-                <a:srgbClr val="D55E4A"/>
-              </a:solidFill>
-              <a:ln w="9525">
-                <a:noFill/>
-              </a:ln>
-            </p:spPr>
-            <p:style>
-              <a:lnRef idx="2">
-                <a:schemeClr val="accent1">
-                  <a:shade val="50000"/>
-                </a:schemeClr>
-              </a:lnRef>
-              <a:fillRef idx="1">
-                <a:schemeClr val="accent1"/>
-              </a:fillRef>
-              <a:effectRef idx="0">
-                <a:schemeClr val="accent1"/>
-              </a:effectRef>
-              <a:fontRef idx="minor">
-                <a:schemeClr val="lt1"/>
-              </a:fontRef>
-            </p:style>
-            <p:txBody>
-              <a:bodyPr rtlCol="0" anchor="ctr"/>
-              <a:lstStyle/>
-              <a:p>
-                <a:pPr algn="ctr"/>
-                <a:endParaRPr lang="en-SG" dirty="0"/>
-              </a:p>
-            </p:txBody>
-          </p:sp>
-          <p:sp>
-            <p:nvSpPr>
-              <p:cNvPr id="30" name="Freeform: Shape 29">
-                <a:extLst>
-                  <a:ext uri="{FF2B5EF4-FFF2-40B4-BE49-F238E27FC236}">
-                    <a16:creationId xmlns:a16="http://schemas.microsoft.com/office/drawing/2014/main" id="{3E7B8FF7-714A-4A71-9742-1FF0322E270E}"/>
-                  </a:ext>
-                </a:extLst>
-              </p:cNvPr>
-              <p:cNvSpPr/>
-              <p:nvPr/>
-            </p:nvSpPr>
-            <p:spPr>
-              <a:xfrm>
-                <a:off x="869092" y="641422"/>
-                <a:ext cx="638395" cy="1549239"/>
-              </a:xfrm>
-              <a:custGeom>
-                <a:avLst/>
-                <a:gdLst>
-                  <a:gd name="connsiteX0" fmla="*/ 0 w 1030406"/>
-                  <a:gd name="connsiteY0" fmla="*/ 0 h 1821951"/>
-                  <a:gd name="connsiteX1" fmla="*/ 1030406 w 1030406"/>
-                  <a:gd name="connsiteY1" fmla="*/ 0 h 1821951"/>
-                  <a:gd name="connsiteX2" fmla="*/ 1030406 w 1030406"/>
-                  <a:gd name="connsiteY2" fmla="*/ 1306748 h 1821951"/>
-                  <a:gd name="connsiteX3" fmla="*/ 515203 w 1030406"/>
-                  <a:gd name="connsiteY3" fmla="*/ 1821951 h 1821951"/>
-                  <a:gd name="connsiteX4" fmla="*/ 0 w 1030406"/>
-                  <a:gd name="connsiteY4" fmla="*/ 1306748 h 1821951"/>
-                </a:gdLst>
-                <a:ahLst/>
-                <a:cxnLst>
-                  <a:cxn ang="0">
-                    <a:pos x="connsiteX0" y="connsiteY0"/>
-                  </a:cxn>
-                  <a:cxn ang="0">
-                    <a:pos x="connsiteX1" y="connsiteY1"/>
-                  </a:cxn>
-                  <a:cxn ang="0">
-                    <a:pos x="connsiteX2" y="connsiteY2"/>
-                  </a:cxn>
-                  <a:cxn ang="0">
-                    <a:pos x="connsiteX3" y="connsiteY3"/>
-                  </a:cxn>
-                  <a:cxn ang="0">
-                    <a:pos x="connsiteX4" y="connsiteY4"/>
-                  </a:cxn>
-                </a:cxnLst>
-                <a:rect l="l" t="t" r="r" b="b"/>
-                <a:pathLst>
-                  <a:path w="1030406" h="1821951">
-                    <a:moveTo>
-                      <a:pt x="0" y="0"/>
-                    </a:moveTo>
-                    <a:lnTo>
-                      <a:pt x="1030406" y="0"/>
-                    </a:lnTo>
-                    <a:lnTo>
-                      <a:pt x="1030406" y="1306748"/>
-                    </a:lnTo>
-                    <a:cubicBezTo>
-                      <a:pt x="1030406" y="1591287"/>
-                      <a:pt x="799742" y="1821951"/>
-                      <a:pt x="515203" y="1821951"/>
-                    </a:cubicBezTo>
-                    <a:cubicBezTo>
-                      <a:pt x="230664" y="1821951"/>
-                      <a:pt x="0" y="1591287"/>
-                      <a:pt x="0" y="1306748"/>
-                    </a:cubicBezTo>
-                    <a:close/>
-                  </a:path>
-                </a:pathLst>
-              </a:custGeom>
-              <a:noFill/>
-              <a:ln w="19050">
-                <a:solidFill>
-                  <a:schemeClr val="tx1"/>
-                </a:solidFill>
-              </a:ln>
-            </p:spPr>
-            <p:style>
-              <a:lnRef idx="2">
-                <a:schemeClr val="accent1">
-                  <a:shade val="50000"/>
-                </a:schemeClr>
-              </a:lnRef>
-              <a:fillRef idx="1">
-                <a:schemeClr val="accent1"/>
-              </a:fillRef>
-              <a:effectRef idx="0">
-                <a:schemeClr val="accent1"/>
-              </a:effectRef>
-              <a:fontRef idx="minor">
-                <a:schemeClr val="lt1"/>
-              </a:fontRef>
-            </p:style>
-            <p:txBody>
-              <a:bodyPr rtlCol="0" anchor="ctr"/>
-              <a:lstStyle/>
-              <a:p>
-                <a:pPr algn="ctr"/>
-                <a:endParaRPr lang="en-SG" dirty="0"/>
-              </a:p>
-            </p:txBody>
-          </p:sp>
-        </p:grpSp>
-        <p:sp>
-          <p:nvSpPr>
-            <p:cNvPr id="31" name="Freeform: Shape 30">
-              <a:extLst>
-                <a:ext uri="{FF2B5EF4-FFF2-40B4-BE49-F238E27FC236}">
-                  <a16:creationId xmlns:a16="http://schemas.microsoft.com/office/drawing/2014/main" id="{992ED4D3-1FFC-45B5-B852-2634EE378BD9}"/>
-                </a:ext>
-              </a:extLst>
-            </p:cNvPr>
-            <p:cNvSpPr/>
-            <p:nvPr/>
-          </p:nvSpPr>
-          <p:spPr>
-            <a:xfrm>
-              <a:off x="3789496" y="4994322"/>
-              <a:ext cx="394390" cy="291373"/>
-            </a:xfrm>
-            <a:custGeom>
-              <a:avLst/>
-              <a:gdLst>
-                <a:gd name="connsiteX0" fmla="*/ 0 w 300810"/>
-                <a:gd name="connsiteY0" fmla="*/ 0 h 189806"/>
-                <a:gd name="connsiteX1" fmla="*/ 300810 w 300810"/>
-                <a:gd name="connsiteY1" fmla="*/ 0 h 189806"/>
-                <a:gd name="connsiteX2" fmla="*/ 300810 w 300810"/>
-                <a:gd name="connsiteY2" fmla="*/ 12870 h 189806"/>
-                <a:gd name="connsiteX3" fmla="*/ 150405 w 300810"/>
-                <a:gd name="connsiteY3" fmla="*/ 189806 h 189806"/>
-                <a:gd name="connsiteX4" fmla="*/ 0 w 300810"/>
-                <a:gd name="connsiteY4" fmla="*/ 12870 h 189806"/>
-                <a:gd name="connsiteX5" fmla="*/ 0 w 300810"/>
-                <a:gd name="connsiteY5" fmla="*/ 0 h 189806"/>
-              </a:gdLst>
-              <a:ahLst/>
-              <a:cxnLst>
-                <a:cxn ang="0">
-                  <a:pos x="connsiteX0" y="connsiteY0"/>
-                </a:cxn>
-                <a:cxn ang="0">
-                  <a:pos x="connsiteX1" y="connsiteY1"/>
-                </a:cxn>
-                <a:cxn ang="0">
-                  <a:pos x="connsiteX2" y="connsiteY2"/>
-                </a:cxn>
-                <a:cxn ang="0">
-                  <a:pos x="connsiteX3" y="connsiteY3"/>
-                </a:cxn>
-                <a:cxn ang="0">
-                  <a:pos x="connsiteX4" y="connsiteY4"/>
-                </a:cxn>
-                <a:cxn ang="0">
-                  <a:pos x="connsiteX5" y="connsiteY5"/>
-                </a:cxn>
-              </a:cxnLst>
-              <a:rect l="l" t="t" r="r" b="b"/>
-              <a:pathLst>
-                <a:path w="300810" h="189806">
-                  <a:moveTo>
-                    <a:pt x="0" y="0"/>
-                  </a:moveTo>
-                  <a:lnTo>
-                    <a:pt x="300810" y="0"/>
-                  </a:lnTo>
-                  <a:lnTo>
-                    <a:pt x="300810" y="12870"/>
-                  </a:lnTo>
-                  <a:cubicBezTo>
-                    <a:pt x="300810" y="110589"/>
-                    <a:pt x="233472" y="189806"/>
-                    <a:pt x="150405" y="189806"/>
-                  </a:cubicBezTo>
-                  <a:cubicBezTo>
-                    <a:pt x="67339" y="189806"/>
-                    <a:pt x="0" y="110589"/>
-                    <a:pt x="0" y="12870"/>
-                  </a:cubicBezTo>
-                  <a:lnTo>
-                    <a:pt x="0" y="0"/>
-                  </a:lnTo>
-                  <a:close/>
-                </a:path>
-              </a:pathLst>
-            </a:custGeom>
-            <a:solidFill>
-              <a:srgbClr val="FFCC66"/>
-            </a:solidFill>
-            <a:ln w="9525">
-              <a:noFill/>
-            </a:ln>
-          </p:spPr>
-          <p:style>
-            <a:lnRef idx="2">
-              <a:schemeClr val="accent1">
-                <a:shade val="50000"/>
-              </a:schemeClr>
-            </a:lnRef>
-            <a:fillRef idx="1">
-              <a:schemeClr val="accent1"/>
-            </a:fillRef>
-            <a:effectRef idx="0">
-              <a:schemeClr val="accent1"/>
-            </a:effectRef>
-            <a:fontRef idx="minor">
-              <a:schemeClr val="lt1"/>
-            </a:fontRef>
-          </p:style>
-          <p:txBody>
-            <a:bodyPr rtlCol="0" anchor="ctr"/>
-            <a:lstStyle/>
-            <a:p>
-              <a:pPr algn="ctr"/>
-              <a:endParaRPr lang="en-SG" dirty="0"/>
-            </a:p>
-          </p:txBody>
-        </p:sp>
-        <p:sp>
-          <p:nvSpPr>
-            <p:cNvPr id="32" name="Rectangle: Rounded Corners 31">
-              <a:extLst>
-                <a:ext uri="{FF2B5EF4-FFF2-40B4-BE49-F238E27FC236}">
-                  <a16:creationId xmlns:a16="http://schemas.microsoft.com/office/drawing/2014/main" id="{14C60ACB-F268-4746-BDC6-B9F4EF5FEFAC}"/>
-                </a:ext>
-              </a:extLst>
-            </p:cNvPr>
-            <p:cNvSpPr/>
-            <p:nvPr/>
-          </p:nvSpPr>
-          <p:spPr>
-            <a:xfrm>
-              <a:off x="3660445" y="4113575"/>
-              <a:ext cx="645023" cy="134396"/>
-            </a:xfrm>
-            <a:prstGeom prst="roundRect">
-              <a:avLst>
-                <a:gd name="adj" fmla="val 50000"/>
-              </a:avLst>
-            </a:prstGeom>
-            <a:solidFill>
-              <a:schemeClr val="bg2"/>
-            </a:solidFill>
-            <a:ln w="19050">
-              <a:solidFill>
-                <a:schemeClr val="tx1"/>
-              </a:solidFill>
-            </a:ln>
-          </p:spPr>
-          <p:style>
-            <a:lnRef idx="2">
-              <a:schemeClr val="accent1">
-                <a:shade val="50000"/>
-              </a:schemeClr>
-            </a:lnRef>
-            <a:fillRef idx="1">
-              <a:schemeClr val="accent1"/>
-            </a:fillRef>
-            <a:effectRef idx="0">
-              <a:schemeClr val="accent1"/>
-            </a:effectRef>
-            <a:fontRef idx="minor">
-              <a:schemeClr val="lt1"/>
-            </a:fontRef>
-          </p:style>
-          <p:txBody>
-            <a:bodyPr rtlCol="0" anchor="ctr"/>
-            <a:lstStyle/>
-            <a:p>
-              <a:pPr algn="ctr"/>
-              <a:endParaRPr lang="en-SG" dirty="0"/>
-            </a:p>
-          </p:txBody>
-        </p:sp>
-        <p:sp>
-          <p:nvSpPr>
-            <p:cNvPr id="33" name="Rectangle 32">
-              <a:extLst>
-                <a:ext uri="{FF2B5EF4-FFF2-40B4-BE49-F238E27FC236}">
-                  <a16:creationId xmlns:a16="http://schemas.microsoft.com/office/drawing/2014/main" id="{35E413BB-51A8-43DA-AC80-149CC59C6E10}"/>
-                </a:ext>
-              </a:extLst>
-            </p:cNvPr>
-            <p:cNvSpPr/>
-            <p:nvPr/>
-          </p:nvSpPr>
-          <p:spPr>
-            <a:xfrm>
-              <a:off x="3789496" y="4382366"/>
-              <a:ext cx="394390" cy="621812"/>
-            </a:xfrm>
-            <a:prstGeom prst="rect">
-              <a:avLst/>
-            </a:prstGeom>
-            <a:solidFill>
-              <a:srgbClr val="FFCC66"/>
-            </a:solidFill>
-            <a:ln w="9525">
-              <a:noFill/>
-            </a:ln>
-          </p:spPr>
-          <p:style>
-            <a:lnRef idx="2">
-              <a:schemeClr val="accent1">
-                <a:shade val="50000"/>
-              </a:schemeClr>
-            </a:lnRef>
-            <a:fillRef idx="1">
-              <a:schemeClr val="accent1"/>
-            </a:fillRef>
-            <a:effectRef idx="0">
-              <a:schemeClr val="accent1"/>
-            </a:effectRef>
-            <a:fontRef idx="minor">
-              <a:schemeClr val="lt1"/>
-            </a:fontRef>
-          </p:style>
-          <p:txBody>
-            <a:bodyPr rtlCol="0" anchor="ctr"/>
-            <a:lstStyle/>
-            <a:p>
-              <a:pPr algn="ctr"/>
-              <a:endParaRPr lang="en-SG" dirty="0"/>
-            </a:p>
-          </p:txBody>
-        </p:sp>
-        <p:sp>
-          <p:nvSpPr>
-            <p:cNvPr id="34" name="Freeform: Shape 33">
-              <a:extLst>
-                <a:ext uri="{FF2B5EF4-FFF2-40B4-BE49-F238E27FC236}">
-                  <a16:creationId xmlns:a16="http://schemas.microsoft.com/office/drawing/2014/main" id="{099E169A-56DD-4B2D-B267-393F1F7A7BF9}"/>
-                </a:ext>
-              </a:extLst>
-            </p:cNvPr>
-            <p:cNvSpPr/>
-            <p:nvPr/>
-          </p:nvSpPr>
-          <p:spPr>
-            <a:xfrm>
-              <a:off x="3783547" y="4247971"/>
-              <a:ext cx="406527" cy="1037724"/>
-            </a:xfrm>
-            <a:custGeom>
-              <a:avLst/>
-              <a:gdLst>
-                <a:gd name="connsiteX0" fmla="*/ 0 w 1030406"/>
-                <a:gd name="connsiteY0" fmla="*/ 0 h 1821951"/>
-                <a:gd name="connsiteX1" fmla="*/ 1030406 w 1030406"/>
-                <a:gd name="connsiteY1" fmla="*/ 0 h 1821951"/>
-                <a:gd name="connsiteX2" fmla="*/ 1030406 w 1030406"/>
-                <a:gd name="connsiteY2" fmla="*/ 1306748 h 1821951"/>
-                <a:gd name="connsiteX3" fmla="*/ 515203 w 1030406"/>
-                <a:gd name="connsiteY3" fmla="*/ 1821951 h 1821951"/>
-                <a:gd name="connsiteX4" fmla="*/ 0 w 1030406"/>
-                <a:gd name="connsiteY4" fmla="*/ 1306748 h 1821951"/>
-              </a:gdLst>
-              <a:ahLst/>
-              <a:cxnLst>
-                <a:cxn ang="0">
-                  <a:pos x="connsiteX0" y="connsiteY0"/>
-                </a:cxn>
-                <a:cxn ang="0">
-                  <a:pos x="connsiteX1" y="connsiteY1"/>
-                </a:cxn>
-                <a:cxn ang="0">
-                  <a:pos x="connsiteX2" y="connsiteY2"/>
-                </a:cxn>
-                <a:cxn ang="0">
-                  <a:pos x="connsiteX3" y="connsiteY3"/>
-                </a:cxn>
-                <a:cxn ang="0">
-                  <a:pos x="connsiteX4" y="connsiteY4"/>
-                </a:cxn>
-              </a:cxnLst>
-              <a:rect l="l" t="t" r="r" b="b"/>
-              <a:pathLst>
-                <a:path w="1030406" h="1821951">
-                  <a:moveTo>
-                    <a:pt x="0" y="0"/>
-                  </a:moveTo>
-                  <a:lnTo>
-                    <a:pt x="1030406" y="0"/>
-                  </a:lnTo>
-                  <a:lnTo>
-                    <a:pt x="1030406" y="1306748"/>
-                  </a:lnTo>
-                  <a:cubicBezTo>
-                    <a:pt x="1030406" y="1591287"/>
-                    <a:pt x="799742" y="1821951"/>
-                    <a:pt x="515203" y="1821951"/>
-                  </a:cubicBezTo>
-                  <a:cubicBezTo>
-                    <a:pt x="230664" y="1821951"/>
-                    <a:pt x="0" y="1591287"/>
-                    <a:pt x="0" y="1306748"/>
-                  </a:cubicBezTo>
-                  <a:close/>
-                </a:path>
-              </a:pathLst>
-            </a:custGeom>
-            <a:noFill/>
-            <a:ln w="19050">
-              <a:solidFill>
-                <a:schemeClr val="tx1"/>
-              </a:solidFill>
-            </a:ln>
-          </p:spPr>
-          <p:style>
-            <a:lnRef idx="2">
-              <a:schemeClr val="accent1">
-                <a:shade val="50000"/>
-              </a:schemeClr>
-            </a:lnRef>
-            <a:fillRef idx="1">
-              <a:schemeClr val="accent1"/>
-            </a:fillRef>
-            <a:effectRef idx="0">
-              <a:schemeClr val="accent1"/>
-            </a:effectRef>
-            <a:fontRef idx="minor">
-              <a:schemeClr val="lt1"/>
-            </a:fontRef>
-          </p:style>
-          <p:txBody>
-            <a:bodyPr rtlCol="0" anchor="ctr"/>
-            <a:lstStyle/>
-            <a:p>
-              <a:pPr algn="ctr"/>
-              <a:endParaRPr lang="en-SG" dirty="0"/>
-            </a:p>
-          </p:txBody>
-        </p:sp>
-        <p:pic>
-          <p:nvPicPr>
-            <p:cNvPr id="35" name="Picture 34">
-              <a:extLst>
-                <a:ext uri="{FF2B5EF4-FFF2-40B4-BE49-F238E27FC236}">
-                  <a16:creationId xmlns:a16="http://schemas.microsoft.com/office/drawing/2014/main" id="{8693B128-F120-4702-92A9-BC5E71171F96}"/>
+                  <a16:creationId xmlns:a16="http://schemas.microsoft.com/office/drawing/2014/main" id="{9C5671ED-FB89-4D5D-9CEB-E17B017D712D}"/>
                 </a:ext>
               </a:extLst>
             </p:cNvPr>
             <p:cNvPicPr>
-              <a:picLocks noChangeAspect="1"/>
+              <a:picLocks noChangeAspect="1" noChangeArrowheads="1"/>
             </p:cNvPicPr>
             <p:nvPr/>
           </p:nvPicPr>
@@ -9386,26 +8182,131 @@
                 </a:ext>
               </a:extLst>
             </a:blip>
+            <a:srcRect/>
             <a:stretch>
               <a:fillRect/>
             </a:stretch>
           </p:blipFill>
-          <p:spPr>
+          <p:spPr bwMode="auto">
             <a:xfrm>
-              <a:off x="8012358" y="3665937"/>
-              <a:ext cx="3573379" cy="2444189"/>
+              <a:off x="658833" y="515177"/>
+              <a:ext cx="5646717" cy="3532068"/>
             </a:xfrm>
             <a:prstGeom prst="rect">
               <a:avLst/>
             </a:prstGeom>
+            <a:noFill/>
+            <a:extLst>
+              <a:ext uri="{909E8E84-426E-40DD-AFC4-6F175D3DCCD1}">
+                <a14:hiddenFill xmlns:a14="http://schemas.microsoft.com/office/drawing/2010/main">
+                  <a:solidFill>
+                    <a:srgbClr val="FFFFFF"/>
+                  </a:solidFill>
+                </a14:hiddenFill>
+              </a:ext>
+            </a:extLst>
+          </p:spPr>
+        </p:pic>
+        <p:pic>
+          <p:nvPicPr>
+            <p:cNvPr id="6" name="Picture 11" descr="https://lh6.googleusercontent.com/V0j8Nzxm73sZdvYptJZ5wb-Q2LicKXPTb9bq9vCdwKkrj-dBXUQuUGQJv6IcFsksII3rhAHslm3aFemb6JzUqudPKHUBtiFAj-AT3DhbTTTMS2VF4_l_NGoIePOMiEoLpE399r3nM1bBDpBxaKjfl1oxyKruAKP4mj_WM7_X6LuOnZkY9-mC5A">
+              <a:extLst>
+                <a:ext uri="{FF2B5EF4-FFF2-40B4-BE49-F238E27FC236}">
+                  <a16:creationId xmlns:a16="http://schemas.microsoft.com/office/drawing/2014/main" id="{77A58553-7ECD-4103-AF22-FEA57E14C74E}"/>
+                </a:ext>
+              </a:extLst>
+            </p:cNvPr>
+            <p:cNvPicPr>
+              <a:picLocks noChangeAspect="1" noChangeArrowheads="1"/>
+            </p:cNvPicPr>
+            <p:nvPr/>
+          </p:nvPicPr>
+          <p:blipFill>
+            <a:blip r:embed="rId3">
+              <a:extLst>
+                <a:ext uri="{28A0092B-C50C-407E-A947-70E740481C1C}">
+                  <a14:useLocalDpi xmlns:a14="http://schemas.microsoft.com/office/drawing/2010/main" val="0"/>
+                </a:ext>
+              </a:extLst>
+            </a:blip>
+            <a:srcRect/>
+            <a:stretch>
+              <a:fillRect/>
+            </a:stretch>
+          </p:blipFill>
+          <p:spPr bwMode="auto">
+            <a:xfrm>
+              <a:off x="1810983" y="926453"/>
+              <a:ext cx="3331380" cy="732310"/>
+            </a:xfrm>
+            <a:prstGeom prst="rect">
+              <a:avLst/>
+            </a:prstGeom>
+            <a:noFill/>
+            <a:extLst>
+              <a:ext uri="{909E8E84-426E-40DD-AFC4-6F175D3DCCD1}">
+                <a14:hiddenFill xmlns:a14="http://schemas.microsoft.com/office/drawing/2010/main">
+                  <a:solidFill>
+                    <a:srgbClr val="FFFFFF"/>
+                  </a:solidFill>
+                </a14:hiddenFill>
+              </a:ext>
+            </a:extLst>
+          </p:spPr>
+        </p:pic>
+        <p:pic>
+          <p:nvPicPr>
+            <p:cNvPr id="8" name="Picture 2" descr="https://upload.wikimedia.org/wikipedia/commons/thumb/6/6c/PDF_icon.svg/420px-PDF_icon.svg.png">
+              <a:extLst>
+                <a:ext uri="{FF2B5EF4-FFF2-40B4-BE49-F238E27FC236}">
+                  <a16:creationId xmlns:a16="http://schemas.microsoft.com/office/drawing/2014/main" id="{3EA2D5CC-83B1-4189-949B-99CF5898EDB8}"/>
+                </a:ext>
+              </a:extLst>
+            </p:cNvPr>
+            <p:cNvPicPr>
+              <a:picLocks noChangeAspect="1" noChangeArrowheads="1"/>
+            </p:cNvPicPr>
+            <p:nvPr/>
+          </p:nvPicPr>
+          <p:blipFill>
+            <a:blip r:embed="rId4">
+              <a:extLst>
+                <a:ext uri="{28A0092B-C50C-407E-A947-70E740481C1C}">
+                  <a14:useLocalDpi xmlns:a14="http://schemas.microsoft.com/office/drawing/2010/main" val="0"/>
+                </a:ext>
+              </a:extLst>
+            </a:blip>
+            <a:srcRect/>
+            <a:stretch>
+              <a:fillRect/>
+            </a:stretch>
+          </p:blipFill>
+          <p:spPr bwMode="auto">
+            <a:xfrm>
+              <a:off x="8232139" y="1197644"/>
+              <a:ext cx="1742672" cy="1991625"/>
+            </a:xfrm>
+            <a:prstGeom prst="rect">
+              <a:avLst/>
+            </a:prstGeom>
+            <a:noFill/>
+            <a:extLst>
+              <a:ext uri="{909E8E84-426E-40DD-AFC4-6F175D3DCCD1}">
+                <a14:hiddenFill xmlns:a14="http://schemas.microsoft.com/office/drawing/2010/main">
+                  <a:solidFill>
+                    <a:srgbClr val="FFFFFF"/>
+                  </a:solidFill>
+                </a14:hiddenFill>
+              </a:ext>
+            </a:extLst>
           </p:spPr>
         </p:pic>
         <p:sp>
           <p:nvSpPr>
-            <p:cNvPr id="36" name="Arrow: Right 35">
+            <p:cNvPr id="9" name="Arrow: Right 8">
               <a:extLst>
                 <a:ext uri="{FF2B5EF4-FFF2-40B4-BE49-F238E27FC236}">
-                  <a16:creationId xmlns:a16="http://schemas.microsoft.com/office/drawing/2014/main" id="{038E8A5A-CC23-459A-A3BE-61234300574B}"/>
+                  <a16:creationId xmlns:a16="http://schemas.microsoft.com/office/drawing/2014/main" id="{1E9CEFAC-4555-4244-9C4F-A6CDB1C0E89A}"/>
                 </a:ext>
               </a:extLst>
             </p:cNvPr>
@@ -9414,8 +8315,8 @@
           </p:nvSpPr>
           <p:spPr>
             <a:xfrm>
-              <a:off x="1525905" y="4566285"/>
-              <a:ext cx="1914525" cy="209550"/>
+              <a:off x="6694429" y="1987074"/>
+              <a:ext cx="1015481" cy="431816"/>
             </a:xfrm>
             <a:prstGeom prst="rightArrow">
               <a:avLst/>
@@ -9446,270 +8347,11 @@
             </a:p>
           </p:txBody>
         </p:sp>
-        <p:sp>
-          <p:nvSpPr>
-            <p:cNvPr id="37" name="Arrow: Right 36">
-              <a:extLst>
-                <a:ext uri="{FF2B5EF4-FFF2-40B4-BE49-F238E27FC236}">
-                  <a16:creationId xmlns:a16="http://schemas.microsoft.com/office/drawing/2014/main" id="{FE126603-9D5F-46E7-A02C-CB60886B4AC9}"/>
-                </a:ext>
-              </a:extLst>
-            </p:cNvPr>
-            <p:cNvSpPr/>
-            <p:nvPr/>
-          </p:nvSpPr>
-          <p:spPr>
-            <a:xfrm>
-              <a:off x="4725115" y="4613910"/>
-              <a:ext cx="2993258" cy="173590"/>
-            </a:xfrm>
-            <a:prstGeom prst="rightArrow">
-              <a:avLst/>
-            </a:prstGeom>
-          </p:spPr>
-          <p:style>
-            <a:lnRef idx="2">
-              <a:schemeClr val="dk1">
-                <a:shade val="50000"/>
-              </a:schemeClr>
-            </a:lnRef>
-            <a:fillRef idx="1">
-              <a:schemeClr val="dk1"/>
-            </a:fillRef>
-            <a:effectRef idx="0">
-              <a:schemeClr val="dk1"/>
-            </a:effectRef>
-            <a:fontRef idx="minor">
-              <a:schemeClr val="lt1"/>
-            </a:fontRef>
-          </p:style>
-          <p:txBody>
-            <a:bodyPr rtlCol="0" anchor="ctr"/>
-            <a:lstStyle/>
-            <a:p>
-              <a:pPr algn="ctr"/>
-              <a:endParaRPr lang="en-SG"/>
-            </a:p>
-          </p:txBody>
-        </p:sp>
-        <p:sp>
-          <p:nvSpPr>
-            <p:cNvPr id="38" name="TextBox 37">
-              <a:extLst>
-                <a:ext uri="{FF2B5EF4-FFF2-40B4-BE49-F238E27FC236}">
-                  <a16:creationId xmlns:a16="http://schemas.microsoft.com/office/drawing/2014/main" id="{022E54A7-A356-42A6-A662-17AC7C223F28}"/>
-                </a:ext>
-              </a:extLst>
-            </p:cNvPr>
-            <p:cNvSpPr txBox="1"/>
-            <p:nvPr/>
-          </p:nvSpPr>
-          <p:spPr>
-            <a:xfrm>
-              <a:off x="1656204" y="4175738"/>
-              <a:ext cx="1710255" cy="369332"/>
-            </a:xfrm>
-            <a:prstGeom prst="rect">
-              <a:avLst/>
-            </a:prstGeom>
-            <a:noFill/>
-          </p:spPr>
-          <p:txBody>
-            <a:bodyPr wrap="square" rtlCol="0">
-              <a:spAutoFit/>
-            </a:bodyPr>
-            <a:lstStyle/>
-            <a:p>
-              <a:r>
-                <a:rPr lang="en-SG" b="1" dirty="0">
-                  <a:solidFill>
-                    <a:srgbClr val="FF0000"/>
-                  </a:solidFill>
-                </a:rPr>
-                <a:t>Lipid extraction</a:t>
-              </a:r>
-            </a:p>
-          </p:txBody>
-        </p:sp>
-        <p:sp>
-          <p:nvSpPr>
-            <p:cNvPr id="39" name="TextBox 38">
-              <a:extLst>
-                <a:ext uri="{FF2B5EF4-FFF2-40B4-BE49-F238E27FC236}">
-                  <a16:creationId xmlns:a16="http://schemas.microsoft.com/office/drawing/2014/main" id="{4B331360-9B8E-431F-8960-E802CCB9AE26}"/>
-                </a:ext>
-              </a:extLst>
-            </p:cNvPr>
-            <p:cNvSpPr txBox="1"/>
-            <p:nvPr/>
-          </p:nvSpPr>
-          <p:spPr>
-            <a:xfrm>
-              <a:off x="5199408" y="4196953"/>
-              <a:ext cx="2021365" cy="369332"/>
-            </a:xfrm>
-            <a:prstGeom prst="rect">
-              <a:avLst/>
-            </a:prstGeom>
-            <a:noFill/>
-          </p:spPr>
-          <p:txBody>
-            <a:bodyPr wrap="square" rtlCol="0">
-              <a:spAutoFit/>
-            </a:bodyPr>
-            <a:lstStyle/>
-            <a:p>
-              <a:r>
-                <a:rPr lang="en-SG" b="1" dirty="0">
-                  <a:solidFill>
-                    <a:srgbClr val="FF0000"/>
-                  </a:solidFill>
-                </a:rPr>
-                <a:t>Lipid measurement</a:t>
-              </a:r>
-            </a:p>
-          </p:txBody>
-        </p:sp>
-        <p:sp>
-          <p:nvSpPr>
-            <p:cNvPr id="40" name="TextBox 39">
-              <a:extLst>
-                <a:ext uri="{FF2B5EF4-FFF2-40B4-BE49-F238E27FC236}">
-                  <a16:creationId xmlns:a16="http://schemas.microsoft.com/office/drawing/2014/main" id="{1978CA4D-DE8C-4E49-B20E-DDC167668CC1}"/>
-                </a:ext>
-              </a:extLst>
-            </p:cNvPr>
-            <p:cNvSpPr txBox="1"/>
-            <p:nvPr/>
-          </p:nvSpPr>
-          <p:spPr>
-            <a:xfrm>
-              <a:off x="450473" y="5285695"/>
-              <a:ext cx="887057" cy="369332"/>
-            </a:xfrm>
-            <a:prstGeom prst="rect">
-              <a:avLst/>
-            </a:prstGeom>
-            <a:noFill/>
-          </p:spPr>
-          <p:txBody>
-            <a:bodyPr wrap="square" rtlCol="0">
-              <a:spAutoFit/>
-            </a:bodyPr>
-            <a:lstStyle/>
-            <a:p>
-              <a:r>
-                <a:rPr lang="en-SG" dirty="0"/>
-                <a:t>Sample</a:t>
-              </a:r>
-            </a:p>
-          </p:txBody>
-        </p:sp>
-        <p:sp>
-          <p:nvSpPr>
-            <p:cNvPr id="41" name="TextBox 40">
-              <a:extLst>
-                <a:ext uri="{FF2B5EF4-FFF2-40B4-BE49-F238E27FC236}">
-                  <a16:creationId xmlns:a16="http://schemas.microsoft.com/office/drawing/2014/main" id="{EA5A7F78-BCD7-487C-B3A4-8990ED7001DC}"/>
-                </a:ext>
-              </a:extLst>
-            </p:cNvPr>
-            <p:cNvSpPr txBox="1"/>
-            <p:nvPr/>
-          </p:nvSpPr>
-          <p:spPr>
-            <a:xfrm>
-              <a:off x="3539427" y="5285695"/>
-              <a:ext cx="887057" cy="646331"/>
-            </a:xfrm>
-            <a:prstGeom prst="rect">
-              <a:avLst/>
-            </a:prstGeom>
-            <a:noFill/>
-          </p:spPr>
-          <p:txBody>
-            <a:bodyPr wrap="square" rtlCol="0">
-              <a:spAutoFit/>
-            </a:bodyPr>
-            <a:lstStyle/>
-            <a:p>
-              <a:pPr algn="ctr"/>
-              <a:r>
-                <a:rPr lang="en-SG" dirty="0"/>
-                <a:t>Lipid Extract</a:t>
-              </a:r>
-            </a:p>
-          </p:txBody>
-        </p:sp>
-        <p:sp>
-          <p:nvSpPr>
-            <p:cNvPr id="43" name="Rectangle 42">
-              <a:extLst>
-                <a:ext uri="{FF2B5EF4-FFF2-40B4-BE49-F238E27FC236}">
-                  <a16:creationId xmlns:a16="http://schemas.microsoft.com/office/drawing/2014/main" id="{5F3C99A7-4582-47F9-B9E8-C7CA3EAA5D7E}"/>
-                </a:ext>
-              </a:extLst>
-            </p:cNvPr>
-            <p:cNvSpPr/>
-            <p:nvPr/>
-          </p:nvSpPr>
-          <p:spPr>
-            <a:xfrm>
-              <a:off x="7756510" y="6110124"/>
-              <a:ext cx="4285084" cy="369332"/>
-            </a:xfrm>
-            <a:prstGeom prst="rect">
-              <a:avLst/>
-            </a:prstGeom>
-          </p:spPr>
-          <p:txBody>
-            <a:bodyPr wrap="none">
-              <a:spAutoFit/>
-            </a:bodyPr>
-            <a:lstStyle/>
-            <a:p>
-              <a:r>
-                <a:rPr lang="en-SG" dirty="0"/>
-                <a:t>Liquid Chromatography/Mass Spectrometry</a:t>
-              </a:r>
-            </a:p>
-          </p:txBody>
-        </p:sp>
-        <p:pic>
-          <p:nvPicPr>
-            <p:cNvPr id="45" name="Picture 44">
-              <a:extLst>
-                <a:ext uri="{FF2B5EF4-FFF2-40B4-BE49-F238E27FC236}">
-                  <a16:creationId xmlns:a16="http://schemas.microsoft.com/office/drawing/2014/main" id="{4251FF96-0F64-44FE-A71A-8526F609F91A}"/>
-                </a:ext>
-              </a:extLst>
-            </p:cNvPr>
-            <p:cNvPicPr>
-              <a:picLocks noChangeAspect="1"/>
-            </p:cNvPicPr>
-            <p:nvPr/>
-          </p:nvPicPr>
-          <p:blipFill>
-            <a:blip r:embed="rId3"/>
-            <a:stretch>
-              <a:fillRect/>
-            </a:stretch>
-          </p:blipFill>
-          <p:spPr>
-            <a:xfrm>
-              <a:off x="4656112" y="4923272"/>
-              <a:ext cx="3131263" cy="407687"/>
-            </a:xfrm>
-            <a:prstGeom prst="rect">
-              <a:avLst/>
-            </a:prstGeom>
-          </p:spPr>
-        </p:pic>
       </p:grpSp>
     </p:spTree>
     <p:extLst>
       <p:ext uri="{BB962C8B-B14F-4D97-AF65-F5344CB8AC3E}">
-        <p14:creationId xmlns:p14="http://schemas.microsoft.com/office/powerpoint/2010/main" val="1591758703"/>
+        <p14:creationId xmlns:p14="http://schemas.microsoft.com/office/powerpoint/2010/main" val="1212742928"/>
       </p:ext>
     </p:extLst>
   </p:cSld>
@@ -9720,398 +8362,6 @@
 </file>
 
 <file path=ppt/slides/slide5.xml><?xml version="1.0" encoding="utf-8"?>
-<p:sld xmlns:a="http://schemas.openxmlformats.org/drawingml/2006/main" xmlns:r="http://schemas.openxmlformats.org/officeDocument/2006/relationships" xmlns:p="http://schemas.openxmlformats.org/presentationml/2006/main">
-  <p:cSld>
-    <p:spTree>
-      <p:nvGrpSpPr>
-        <p:cNvPr id="1" name=""/>
-        <p:cNvGrpSpPr/>
-        <p:nvPr/>
-      </p:nvGrpSpPr>
-      <p:grpSpPr>
-        <a:xfrm>
-          <a:off x="0" y="0"/>
-          <a:ext cx="0" cy="0"/>
-          <a:chOff x="0" y="0"/>
-          <a:chExt cx="0" cy="0"/>
-        </a:xfrm>
-      </p:grpSpPr>
-      <p:sp>
-        <p:nvSpPr>
-          <p:cNvPr id="2" name="Title 1">
-            <a:extLst>
-              <a:ext uri="{FF2B5EF4-FFF2-40B4-BE49-F238E27FC236}">
-                <a16:creationId xmlns:a16="http://schemas.microsoft.com/office/drawing/2014/main" id="{74A54903-878F-4BA3-8BAF-6DBF0E9BC971}"/>
-              </a:ext>
-            </a:extLst>
-          </p:cNvPr>
-          <p:cNvSpPr>
-            <a:spLocks noGrp="1"/>
-          </p:cNvSpPr>
-          <p:nvPr>
-            <p:ph type="title"/>
-          </p:nvPr>
-        </p:nvSpPr>
-        <p:spPr/>
-        <p:txBody>
-          <a:bodyPr/>
-          <a:lstStyle/>
-          <a:p>
-            <a:r>
-              <a:rPr lang="en-SG" dirty="0"/>
-              <a:t>Quality Control samples</a:t>
-            </a:r>
-          </a:p>
-        </p:txBody>
-      </p:sp>
-      <p:sp>
-        <p:nvSpPr>
-          <p:cNvPr id="5" name="Content Placeholder 4">
-            <a:extLst>
-              <a:ext uri="{FF2B5EF4-FFF2-40B4-BE49-F238E27FC236}">
-                <a16:creationId xmlns:a16="http://schemas.microsoft.com/office/drawing/2014/main" id="{EC4D547B-521E-4F73-975D-50ADCAA34844}"/>
-              </a:ext>
-            </a:extLst>
-          </p:cNvPr>
-          <p:cNvSpPr>
-            <a:spLocks noGrp="1"/>
-          </p:cNvSpPr>
-          <p:nvPr>
-            <p:ph idx="1"/>
-          </p:nvPr>
-        </p:nvSpPr>
-        <p:spPr>
-          <a:xfrm>
-            <a:off x="838199" y="1586971"/>
-            <a:ext cx="10515599" cy="646332"/>
-          </a:xfrm>
-        </p:spPr>
-        <p:txBody>
-          <a:bodyPr>
-            <a:normAutofit fontScale="85000" lnSpcReduction="10000"/>
-          </a:bodyPr>
-          <a:lstStyle/>
-          <a:p>
-            <a:r>
-              <a:rPr lang="en-SG" dirty="0"/>
-              <a:t>Quality control samples helps to understand severity of unwanted variation.</a:t>
-            </a:r>
-          </a:p>
-        </p:txBody>
-      </p:sp>
-      <p:sp>
-        <p:nvSpPr>
-          <p:cNvPr id="23" name="Rectangle 22">
-            <a:extLst>
-              <a:ext uri="{FF2B5EF4-FFF2-40B4-BE49-F238E27FC236}">
-                <a16:creationId xmlns:a16="http://schemas.microsoft.com/office/drawing/2014/main" id="{265131AC-60F3-4727-A363-6AE4692C794C}"/>
-              </a:ext>
-            </a:extLst>
-          </p:cNvPr>
-          <p:cNvSpPr/>
-          <p:nvPr/>
-        </p:nvSpPr>
-        <p:spPr>
-          <a:xfrm>
-            <a:off x="767694" y="5900045"/>
-            <a:ext cx="5946115" cy="369332"/>
-          </a:xfrm>
-          <a:prstGeom prst="rect">
-            <a:avLst/>
-          </a:prstGeom>
-        </p:spPr>
-        <p:txBody>
-          <a:bodyPr wrap="none">
-            <a:spAutoFit/>
-          </a:bodyPr>
-          <a:lstStyle/>
-          <a:p>
-            <a:r>
-              <a:rPr lang="en-SG" dirty="0">
-                <a:solidFill>
-                  <a:srgbClr val="495057"/>
-                </a:solidFill>
-                <a:latin typeface="system-ui"/>
-              </a:rPr>
-              <a:t> Broadhurst et al. </a:t>
-            </a:r>
-            <a:r>
-              <a:rPr lang="en-SG" u="sng" dirty="0">
-                <a:solidFill>
-                  <a:srgbClr val="2FA4E7"/>
-                </a:solidFill>
-                <a:latin typeface="system-ui"/>
-                <a:hlinkClick r:id="rId2"/>
-              </a:rPr>
-              <a:t>https://doi.org/10.1007/s11306-018-1367-3</a:t>
-            </a:r>
-            <a:endParaRPr lang="en-SG" dirty="0"/>
-          </a:p>
-        </p:txBody>
-      </p:sp>
-      <p:grpSp>
-        <p:nvGrpSpPr>
-          <p:cNvPr id="38" name="Group 37">
-            <a:extLst>
-              <a:ext uri="{FF2B5EF4-FFF2-40B4-BE49-F238E27FC236}">
-                <a16:creationId xmlns:a16="http://schemas.microsoft.com/office/drawing/2014/main" id="{7F9303F7-E8A9-4741-AD85-E9A5685B5FF7}"/>
-              </a:ext>
-            </a:extLst>
-          </p:cNvPr>
-          <p:cNvGrpSpPr/>
-          <p:nvPr/>
-        </p:nvGrpSpPr>
-        <p:grpSpPr>
-          <a:xfrm>
-            <a:off x="1170919" y="2131703"/>
-            <a:ext cx="9587886" cy="3245949"/>
-            <a:chOff x="1170919" y="2131703"/>
-            <a:chExt cx="9587886" cy="3245949"/>
-          </a:xfrm>
-        </p:grpSpPr>
-        <p:pic>
-          <p:nvPicPr>
-            <p:cNvPr id="3" name="Picture 2">
-              <a:extLst>
-                <a:ext uri="{FF2B5EF4-FFF2-40B4-BE49-F238E27FC236}">
-                  <a16:creationId xmlns:a16="http://schemas.microsoft.com/office/drawing/2014/main" id="{BD078AEC-3F62-4B62-97E8-D475C7D4F3AF}"/>
-                </a:ext>
-              </a:extLst>
-            </p:cNvPr>
-            <p:cNvPicPr>
-              <a:picLocks noChangeAspect="1"/>
-            </p:cNvPicPr>
-            <p:nvPr/>
-          </p:nvPicPr>
-          <p:blipFill>
-            <a:blip r:embed="rId3"/>
-            <a:stretch>
-              <a:fillRect/>
-            </a:stretch>
-          </p:blipFill>
-          <p:spPr>
-            <a:xfrm>
-              <a:off x="1170919" y="2527428"/>
-              <a:ext cx="6118881" cy="2141609"/>
-            </a:xfrm>
-            <a:prstGeom prst="rect">
-              <a:avLst/>
-            </a:prstGeom>
-          </p:spPr>
-        </p:pic>
-        <p:pic>
-          <p:nvPicPr>
-            <p:cNvPr id="25" name="Picture 24">
-              <a:extLst>
-                <a:ext uri="{FF2B5EF4-FFF2-40B4-BE49-F238E27FC236}">
-                  <a16:creationId xmlns:a16="http://schemas.microsoft.com/office/drawing/2014/main" id="{FBC06D9B-7A02-4D7D-94C3-049E403C862B}"/>
-                </a:ext>
-              </a:extLst>
-            </p:cNvPr>
-            <p:cNvPicPr>
-              <a:picLocks noChangeAspect="1"/>
-            </p:cNvPicPr>
-            <p:nvPr/>
-          </p:nvPicPr>
-          <p:blipFill>
-            <a:blip r:embed="rId4"/>
-            <a:stretch>
-              <a:fillRect/>
-            </a:stretch>
-          </p:blipFill>
-          <p:spPr>
-            <a:xfrm>
-              <a:off x="7821295" y="2131703"/>
-              <a:ext cx="2937510" cy="3245949"/>
-            </a:xfrm>
-            <a:prstGeom prst="rect">
-              <a:avLst/>
-            </a:prstGeom>
-          </p:spPr>
-        </p:pic>
-        <p:cxnSp>
-          <p:nvCxnSpPr>
-            <p:cNvPr id="27" name="Straight Arrow Connector 26">
-              <a:extLst>
-                <a:ext uri="{FF2B5EF4-FFF2-40B4-BE49-F238E27FC236}">
-                  <a16:creationId xmlns:a16="http://schemas.microsoft.com/office/drawing/2014/main" id="{117F4B86-5FB7-4AA9-A5BC-54836B893C84}"/>
-                </a:ext>
-              </a:extLst>
-            </p:cNvPr>
-            <p:cNvCxnSpPr>
-              <a:cxnSpLocks/>
-              <a:stCxn id="3" idx="3"/>
-            </p:cNvCxnSpPr>
-            <p:nvPr/>
-          </p:nvCxnSpPr>
-          <p:spPr>
-            <a:xfrm flipV="1">
-              <a:off x="7289800" y="2743201"/>
-              <a:ext cx="1444625" cy="855032"/>
-            </a:xfrm>
-            <a:prstGeom prst="straightConnector1">
-              <a:avLst/>
-            </a:prstGeom>
-            <a:ln w="19050">
-              <a:tailEnd type="triangle"/>
-            </a:ln>
-          </p:spPr>
-          <p:style>
-            <a:lnRef idx="1">
-              <a:schemeClr val="accent1"/>
-            </a:lnRef>
-            <a:fillRef idx="0">
-              <a:schemeClr val="accent1"/>
-            </a:fillRef>
-            <a:effectRef idx="0">
-              <a:schemeClr val="accent1"/>
-            </a:effectRef>
-            <a:fontRef idx="minor">
-              <a:schemeClr val="tx1"/>
-            </a:fontRef>
-          </p:style>
-        </p:cxnSp>
-        <p:cxnSp>
-          <p:nvCxnSpPr>
-            <p:cNvPr id="29" name="Straight Arrow Connector 28">
-              <a:extLst>
-                <a:ext uri="{FF2B5EF4-FFF2-40B4-BE49-F238E27FC236}">
-                  <a16:creationId xmlns:a16="http://schemas.microsoft.com/office/drawing/2014/main" id="{40046736-25F7-496A-9C15-B3B4B9F33CD2}"/>
-                </a:ext>
-              </a:extLst>
-            </p:cNvPr>
-            <p:cNvCxnSpPr>
-              <a:cxnSpLocks/>
-              <a:stCxn id="3" idx="3"/>
-            </p:cNvCxnSpPr>
-            <p:nvPr/>
-          </p:nvCxnSpPr>
-          <p:spPr>
-            <a:xfrm flipV="1">
-              <a:off x="7289800" y="2927493"/>
-              <a:ext cx="1444625" cy="670740"/>
-            </a:xfrm>
-            <a:prstGeom prst="straightConnector1">
-              <a:avLst/>
-            </a:prstGeom>
-            <a:ln w="19050">
-              <a:tailEnd type="triangle"/>
-            </a:ln>
-          </p:spPr>
-          <p:style>
-            <a:lnRef idx="1">
-              <a:schemeClr val="accent1"/>
-            </a:lnRef>
-            <a:fillRef idx="0">
-              <a:schemeClr val="accent1"/>
-            </a:fillRef>
-            <a:effectRef idx="0">
-              <a:schemeClr val="accent1"/>
-            </a:effectRef>
-            <a:fontRef idx="minor">
-              <a:schemeClr val="tx1"/>
-            </a:fontRef>
-          </p:style>
-        </p:cxnSp>
-        <p:cxnSp>
-          <p:nvCxnSpPr>
-            <p:cNvPr id="32" name="Straight Arrow Connector 31">
-              <a:extLst>
-                <a:ext uri="{FF2B5EF4-FFF2-40B4-BE49-F238E27FC236}">
-                  <a16:creationId xmlns:a16="http://schemas.microsoft.com/office/drawing/2014/main" id="{485CDC04-FD3B-40BB-8EFA-B7F3E07A5233}"/>
-                </a:ext>
-              </a:extLst>
-            </p:cNvPr>
-            <p:cNvCxnSpPr>
-              <a:cxnSpLocks/>
-              <a:stCxn id="3" idx="3"/>
-            </p:cNvCxnSpPr>
-            <p:nvPr/>
-          </p:nvCxnSpPr>
-          <p:spPr>
-            <a:xfrm>
-              <a:off x="7289800" y="3598233"/>
-              <a:ext cx="1368425" cy="297492"/>
-            </a:xfrm>
-            <a:prstGeom prst="straightConnector1">
-              <a:avLst/>
-            </a:prstGeom>
-            <a:ln w="19050">
-              <a:tailEnd type="triangle"/>
-            </a:ln>
-          </p:spPr>
-          <p:style>
-            <a:lnRef idx="1">
-              <a:schemeClr val="accent1"/>
-            </a:lnRef>
-            <a:fillRef idx="0">
-              <a:schemeClr val="accent1"/>
-            </a:fillRef>
-            <a:effectRef idx="0">
-              <a:schemeClr val="accent1"/>
-            </a:effectRef>
-            <a:fontRef idx="minor">
-              <a:schemeClr val="tx1"/>
-            </a:fontRef>
-          </p:style>
-        </p:cxnSp>
-        <p:cxnSp>
-          <p:nvCxnSpPr>
-            <p:cNvPr id="35" name="Straight Arrow Connector 34">
-              <a:extLst>
-                <a:ext uri="{FF2B5EF4-FFF2-40B4-BE49-F238E27FC236}">
-                  <a16:creationId xmlns:a16="http://schemas.microsoft.com/office/drawing/2014/main" id="{4566F47C-8EB0-4FD8-A8A3-01B144410471}"/>
-                </a:ext>
-              </a:extLst>
-            </p:cNvPr>
-            <p:cNvCxnSpPr>
-              <a:cxnSpLocks/>
-              <a:stCxn id="3" idx="3"/>
-            </p:cNvCxnSpPr>
-            <p:nvPr/>
-          </p:nvCxnSpPr>
-          <p:spPr>
-            <a:xfrm>
-              <a:off x="7289800" y="3598233"/>
-              <a:ext cx="1368425" cy="1354767"/>
-            </a:xfrm>
-            <a:prstGeom prst="straightConnector1">
-              <a:avLst/>
-            </a:prstGeom>
-            <a:ln w="19050">
-              <a:tailEnd type="triangle"/>
-            </a:ln>
-          </p:spPr>
-          <p:style>
-            <a:lnRef idx="1">
-              <a:schemeClr val="accent1"/>
-            </a:lnRef>
-            <a:fillRef idx="0">
-              <a:schemeClr val="accent1"/>
-            </a:fillRef>
-            <a:effectRef idx="0">
-              <a:schemeClr val="accent1"/>
-            </a:effectRef>
-            <a:fontRef idx="minor">
-              <a:schemeClr val="tx1"/>
-            </a:fontRef>
-          </p:style>
-        </p:cxnSp>
-      </p:grpSp>
-    </p:spTree>
-    <p:extLst>
-      <p:ext uri="{BB962C8B-B14F-4D97-AF65-F5344CB8AC3E}">
-        <p14:creationId xmlns:p14="http://schemas.microsoft.com/office/powerpoint/2010/main" val="2683536928"/>
-      </p:ext>
-    </p:extLst>
-  </p:cSld>
-  <p:clrMapOvr>
-    <a:masterClrMapping/>
-  </p:clrMapOvr>
-</p:sld>
-</file>
-
-<file path=ppt/slides/slide6.xml><?xml version="1.0" encoding="utf-8"?>
 <p:sld xmlns:a="http://schemas.openxmlformats.org/drawingml/2006/main" xmlns:r="http://schemas.openxmlformats.org/officeDocument/2006/relationships" xmlns:p="http://schemas.openxmlformats.org/presentationml/2006/main">
   <p:cSld>
     <p:spTree>
@@ -10910,7 +9160,7 @@
 </p:sld>
 </file>
 
-<file path=ppt/slides/slide7.xml><?xml version="1.0" encoding="utf-8"?>
+<file path=ppt/slides/slide6.xml><?xml version="1.0" encoding="utf-8"?>
 <p:sld xmlns:a="http://schemas.openxmlformats.org/drawingml/2006/main" xmlns:r="http://schemas.openxmlformats.org/officeDocument/2006/relationships" xmlns:p="http://schemas.openxmlformats.org/presentationml/2006/main">
   <p:cSld>
     <p:spTree>
@@ -11186,7 +9436,7 @@
 </p:sld>
 </file>
 
-<file path=ppt/slides/slide8.xml><?xml version="1.0" encoding="utf-8"?>
+<file path=ppt/slides/slide7.xml><?xml version="1.0" encoding="utf-8"?>
 <p:sld xmlns:a="http://schemas.openxmlformats.org/drawingml/2006/main" xmlns:r="http://schemas.openxmlformats.org/officeDocument/2006/relationships" xmlns:p="http://schemas.openxmlformats.org/presentationml/2006/main">
   <p:cSld>
     <p:spTree>
@@ -11609,7 +9859,7 @@
 </p:sld>
 </file>
 
-<file path=ppt/slides/slide9.xml><?xml version="1.0" encoding="utf-8"?>
+<file path=ppt/slides/slide8.xml><?xml version="1.0" encoding="utf-8"?>
 <p:sld xmlns:a="http://schemas.openxmlformats.org/drawingml/2006/main" xmlns:r="http://schemas.openxmlformats.org/officeDocument/2006/relationships" xmlns:p="http://schemas.openxmlformats.org/presentationml/2006/main">
   <p:cSld>
     <p:spTree>
@@ -12097,6 +10347,328 @@
     <p:extLst>
       <p:ext uri="{BB962C8B-B14F-4D97-AF65-F5344CB8AC3E}">
         <p14:creationId xmlns:p14="http://schemas.microsoft.com/office/powerpoint/2010/main" val="1756626776"/>
+      </p:ext>
+    </p:extLst>
+  </p:cSld>
+  <p:clrMapOvr>
+    <a:masterClrMapping/>
+  </p:clrMapOvr>
+</p:sld>
+</file>
+
+<file path=ppt/slides/slide9.xml><?xml version="1.0" encoding="utf-8"?>
+<p:sld xmlns:a="http://schemas.openxmlformats.org/drawingml/2006/main" xmlns:r="http://schemas.openxmlformats.org/officeDocument/2006/relationships" xmlns:p="http://schemas.openxmlformats.org/presentationml/2006/main">
+  <p:cSld>
+    <p:spTree>
+      <p:nvGrpSpPr>
+        <p:cNvPr id="1" name=""/>
+        <p:cNvGrpSpPr/>
+        <p:nvPr/>
+      </p:nvGrpSpPr>
+      <p:grpSpPr>
+        <a:xfrm>
+          <a:off x="0" y="0"/>
+          <a:ext cx="0" cy="0"/>
+          <a:chOff x="0" y="0"/>
+          <a:chExt cx="0" cy="0"/>
+        </a:xfrm>
+      </p:grpSpPr>
+      <p:sp>
+        <p:nvSpPr>
+          <p:cNvPr id="2" name="Title 1">
+            <a:extLst>
+              <a:ext uri="{FF2B5EF4-FFF2-40B4-BE49-F238E27FC236}">
+                <a16:creationId xmlns:a16="http://schemas.microsoft.com/office/drawing/2014/main" id="{FE839F3C-1493-4CF8-97F3-F2BED1A85040}"/>
+              </a:ext>
+            </a:extLst>
+          </p:cNvPr>
+          <p:cNvSpPr>
+            <a:spLocks noGrp="1"/>
+          </p:cNvSpPr>
+          <p:nvPr>
+            <p:ph type="title"/>
+          </p:nvPr>
+        </p:nvSpPr>
+        <p:spPr>
+          <a:xfrm>
+            <a:off x="838200" y="365125"/>
+            <a:ext cx="10515600" cy="1325563"/>
+          </a:xfrm>
+        </p:spPr>
+        <p:txBody>
+          <a:bodyPr/>
+          <a:lstStyle/>
+          <a:p>
+            <a:r>
+              <a:rPr lang="en-SG" dirty="0"/>
+              <a:t>Motivation for using </a:t>
+            </a:r>
+            <a:r>
+              <a:rPr lang="en-SG" dirty="0" err="1"/>
+              <a:t>Plotly</a:t>
+            </a:r>
+            <a:r>
+              <a:rPr lang="en-SG" dirty="0"/>
+              <a:t> and </a:t>
+            </a:r>
+            <a:r>
+              <a:rPr lang="en-SG" dirty="0" err="1"/>
+              <a:t>Trelliscopejs</a:t>
+            </a:r>
+            <a:r>
+              <a:rPr lang="en-SG" dirty="0"/>
+              <a:t> </a:t>
+            </a:r>
+          </a:p>
+        </p:txBody>
+      </p:sp>
+      <p:pic>
+        <p:nvPicPr>
+          <p:cNvPr id="6" name="Picture 5">
+            <a:extLst>
+              <a:ext uri="{FF2B5EF4-FFF2-40B4-BE49-F238E27FC236}">
+                <a16:creationId xmlns:a16="http://schemas.microsoft.com/office/drawing/2014/main" id="{C3A5A9DA-9F89-4395-8AC1-AA0889484D5E}"/>
+              </a:ext>
+            </a:extLst>
+          </p:cNvPr>
+          <p:cNvPicPr>
+            <a:picLocks noChangeAspect="1"/>
+          </p:cNvPicPr>
+          <p:nvPr/>
+        </p:nvPicPr>
+        <p:blipFill>
+          <a:blip r:embed="rId2"/>
+          <a:stretch>
+            <a:fillRect/>
+          </a:stretch>
+        </p:blipFill>
+        <p:spPr>
+          <a:xfrm>
+            <a:off x="6096000" y="3805032"/>
+            <a:ext cx="4771619" cy="1071659"/>
+          </a:xfrm>
+          <a:prstGeom prst="rect">
+            <a:avLst/>
+          </a:prstGeom>
+        </p:spPr>
+      </p:pic>
+      <p:pic>
+        <p:nvPicPr>
+          <p:cNvPr id="7" name="Picture 6">
+            <a:extLst>
+              <a:ext uri="{FF2B5EF4-FFF2-40B4-BE49-F238E27FC236}">
+                <a16:creationId xmlns:a16="http://schemas.microsoft.com/office/drawing/2014/main" id="{1E7BA09E-3CAD-4812-865C-6CAC515BF3CE}"/>
+              </a:ext>
+            </a:extLst>
+          </p:cNvPr>
+          <p:cNvPicPr>
+            <a:picLocks noChangeAspect="1"/>
+          </p:cNvPicPr>
+          <p:nvPr/>
+        </p:nvPicPr>
+        <p:blipFill rotWithShape="1">
+          <a:blip r:embed="rId3"/>
+          <a:srcRect t="13773"/>
+          <a:stretch/>
+        </p:blipFill>
+        <p:spPr>
+          <a:xfrm>
+            <a:off x="6139296" y="6114177"/>
+            <a:ext cx="4728323" cy="183469"/>
+          </a:xfrm>
+          <a:prstGeom prst="rect">
+            <a:avLst/>
+          </a:prstGeom>
+        </p:spPr>
+      </p:pic>
+      <p:pic>
+        <p:nvPicPr>
+          <p:cNvPr id="1026" name="Picture 2" descr="https://hafen.github.io/trelliscopejs/reference/figures/logo.png">
+            <a:extLst>
+              <a:ext uri="{FF2B5EF4-FFF2-40B4-BE49-F238E27FC236}">
+                <a16:creationId xmlns:a16="http://schemas.microsoft.com/office/drawing/2014/main" id="{FAB45369-F847-4D88-8638-67597D69B804}"/>
+              </a:ext>
+            </a:extLst>
+          </p:cNvPr>
+          <p:cNvPicPr>
+            <a:picLocks noChangeAspect="1" noChangeArrowheads="1"/>
+          </p:cNvPicPr>
+          <p:nvPr/>
+        </p:nvPicPr>
+        <p:blipFill>
+          <a:blip r:embed="rId4">
+            <a:extLst>
+              <a:ext uri="{28A0092B-C50C-407E-A947-70E740481C1C}">
+                <a14:useLocalDpi xmlns:a14="http://schemas.microsoft.com/office/drawing/2010/main" val="0"/>
+              </a:ext>
+            </a:extLst>
+          </a:blip>
+          <a:srcRect/>
+          <a:stretch>
+            <a:fillRect/>
+          </a:stretch>
+        </p:blipFill>
+        <p:spPr bwMode="auto">
+          <a:xfrm>
+            <a:off x="9275906" y="1562378"/>
+            <a:ext cx="889687" cy="1034095"/>
+          </a:xfrm>
+          <a:prstGeom prst="rect">
+            <a:avLst/>
+          </a:prstGeom>
+          <a:noFill/>
+          <a:extLst>
+            <a:ext uri="{909E8E84-426E-40DD-AFC4-6F175D3DCCD1}">
+              <a14:hiddenFill xmlns:a14="http://schemas.microsoft.com/office/drawing/2010/main">
+                <a:solidFill>
+                  <a:srgbClr val="FFFFFF"/>
+                </a:solidFill>
+              </a14:hiddenFill>
+            </a:ext>
+          </a:extLst>
+        </p:spPr>
+      </p:pic>
+      <p:pic>
+        <p:nvPicPr>
+          <p:cNvPr id="1028" name="Picture 4" descr="File:Plotly logo for digital final (6).png">
+            <a:extLst>
+              <a:ext uri="{FF2B5EF4-FFF2-40B4-BE49-F238E27FC236}">
+                <a16:creationId xmlns:a16="http://schemas.microsoft.com/office/drawing/2014/main" id="{DB95B450-861C-480E-B6CB-3F3DF3E7A71A}"/>
+              </a:ext>
+            </a:extLst>
+          </p:cNvPr>
+          <p:cNvPicPr>
+            <a:picLocks noChangeAspect="1" noChangeArrowheads="1"/>
+          </p:cNvPicPr>
+          <p:nvPr/>
+        </p:nvPicPr>
+        <p:blipFill rotWithShape="1">
+          <a:blip r:embed="rId5">
+            <a:extLst>
+              <a:ext uri="{28A0092B-C50C-407E-A947-70E740481C1C}">
+                <a14:useLocalDpi xmlns:a14="http://schemas.microsoft.com/office/drawing/2010/main" val="0"/>
+              </a:ext>
+            </a:extLst>
+          </a:blip>
+          <a:srcRect l="5532" t="28940" r="5911" b="27095"/>
+          <a:stretch/>
+        </p:blipFill>
+        <p:spPr bwMode="auto">
+          <a:xfrm>
+            <a:off x="6390474" y="1562378"/>
+            <a:ext cx="2586914" cy="963233"/>
+          </a:xfrm>
+          <a:prstGeom prst="rect">
+            <a:avLst/>
+          </a:prstGeom>
+          <a:noFill/>
+          <a:extLst>
+            <a:ext uri="{909E8E84-426E-40DD-AFC4-6F175D3DCCD1}">
+              <a14:hiddenFill xmlns:a14="http://schemas.microsoft.com/office/drawing/2010/main">
+                <a:solidFill>
+                  <a:srgbClr val="FFFFFF"/>
+                </a:solidFill>
+              </a14:hiddenFill>
+            </a:ext>
+          </a:extLst>
+        </p:spPr>
+      </p:pic>
+      <p:sp>
+        <p:nvSpPr>
+          <p:cNvPr id="10" name="Arrow: Right 9">
+            <a:extLst>
+              <a:ext uri="{FF2B5EF4-FFF2-40B4-BE49-F238E27FC236}">
+                <a16:creationId xmlns:a16="http://schemas.microsoft.com/office/drawing/2014/main" id="{3338BCA3-70EE-44CD-B10A-543B7D39CA40}"/>
+              </a:ext>
+            </a:extLst>
+          </p:cNvPr>
+          <p:cNvSpPr/>
+          <p:nvPr/>
+        </p:nvSpPr>
+        <p:spPr>
+          <a:xfrm rot="5400000">
+            <a:off x="8013050" y="5382155"/>
+            <a:ext cx="1015481" cy="194220"/>
+          </a:xfrm>
+          <a:prstGeom prst="rightArrow">
+            <a:avLst/>
+          </a:prstGeom>
+        </p:spPr>
+        <p:style>
+          <a:lnRef idx="2">
+            <a:schemeClr val="dk1">
+              <a:shade val="50000"/>
+            </a:schemeClr>
+          </a:lnRef>
+          <a:fillRef idx="1">
+            <a:schemeClr val="dk1"/>
+          </a:fillRef>
+          <a:effectRef idx="0">
+            <a:schemeClr val="dk1"/>
+          </a:effectRef>
+          <a:fontRef idx="minor">
+            <a:schemeClr val="lt1"/>
+          </a:fontRef>
+        </p:style>
+        <p:txBody>
+          <a:bodyPr rtlCol="0" anchor="ctr"/>
+          <a:lstStyle/>
+          <a:p>
+            <a:pPr algn="ctr"/>
+            <a:endParaRPr lang="en-SG"/>
+          </a:p>
+        </p:txBody>
+      </p:sp>
+      <p:sp>
+        <p:nvSpPr>
+          <p:cNvPr id="14" name="Arrow: Right 13">
+            <a:extLst>
+              <a:ext uri="{FF2B5EF4-FFF2-40B4-BE49-F238E27FC236}">
+                <a16:creationId xmlns:a16="http://schemas.microsoft.com/office/drawing/2014/main" id="{34953C13-8F7D-4DD6-9741-0C188D22A33E}"/>
+              </a:ext>
+            </a:extLst>
+          </p:cNvPr>
+          <p:cNvSpPr/>
+          <p:nvPr/>
+        </p:nvSpPr>
+        <p:spPr>
+          <a:xfrm rot="5400000">
+            <a:off x="8003525" y="3044674"/>
+            <a:ext cx="1015481" cy="194220"/>
+          </a:xfrm>
+          <a:prstGeom prst="rightArrow">
+            <a:avLst/>
+          </a:prstGeom>
+        </p:spPr>
+        <p:style>
+          <a:lnRef idx="2">
+            <a:schemeClr val="dk1">
+              <a:shade val="50000"/>
+            </a:schemeClr>
+          </a:lnRef>
+          <a:fillRef idx="1">
+            <a:schemeClr val="dk1"/>
+          </a:fillRef>
+          <a:effectRef idx="0">
+            <a:schemeClr val="dk1"/>
+          </a:effectRef>
+          <a:fontRef idx="minor">
+            <a:schemeClr val="lt1"/>
+          </a:fontRef>
+        </p:style>
+        <p:txBody>
+          <a:bodyPr rtlCol="0" anchor="ctr"/>
+          <a:lstStyle/>
+          <a:p>
+            <a:pPr algn="ctr"/>
+            <a:endParaRPr lang="en-SG"/>
+          </a:p>
+        </p:txBody>
+      </p:sp>
+    </p:spTree>
+    <p:extLst>
+      <p:ext uri="{BB962C8B-B14F-4D97-AF65-F5344CB8AC3E}">
+        <p14:creationId xmlns:p14="http://schemas.microsoft.com/office/powerpoint/2010/main" val="1553705019"/>
       </p:ext>
     </p:extLst>
   </p:cSld>

--- a/images/Image_In_ppt.pptx
+++ b/images/Image_In_ppt.pptx
@@ -9,19 +9,21 @@
     <p:sldId id="277" r:id="rId3"/>
     <p:sldId id="257" r:id="rId4"/>
     <p:sldId id="278" r:id="rId5"/>
-    <p:sldId id="262" r:id="rId6"/>
-    <p:sldId id="263" r:id="rId7"/>
-    <p:sldId id="264" r:id="rId8"/>
-    <p:sldId id="265" r:id="rId9"/>
-    <p:sldId id="266" r:id="rId10"/>
-    <p:sldId id="274" r:id="rId11"/>
-    <p:sldId id="270" r:id="rId12"/>
-    <p:sldId id="267" r:id="rId13"/>
-    <p:sldId id="268" r:id="rId14"/>
-    <p:sldId id="271" r:id="rId15"/>
-    <p:sldId id="272" r:id="rId16"/>
-    <p:sldId id="276" r:id="rId17"/>
-    <p:sldId id="259" r:id="rId18"/>
+    <p:sldId id="279" r:id="rId6"/>
+    <p:sldId id="280" r:id="rId7"/>
+    <p:sldId id="262" r:id="rId8"/>
+    <p:sldId id="263" r:id="rId9"/>
+    <p:sldId id="264" r:id="rId10"/>
+    <p:sldId id="265" r:id="rId11"/>
+    <p:sldId id="266" r:id="rId12"/>
+    <p:sldId id="274" r:id="rId13"/>
+    <p:sldId id="270" r:id="rId14"/>
+    <p:sldId id="267" r:id="rId15"/>
+    <p:sldId id="268" r:id="rId16"/>
+    <p:sldId id="271" r:id="rId17"/>
+    <p:sldId id="272" r:id="rId18"/>
+    <p:sldId id="276" r:id="rId19"/>
+    <p:sldId id="259" r:id="rId20"/>
   </p:sldIdLst>
   <p:sldSz cx="12192000" cy="6858000"/>
   <p:notesSz cx="6858000" cy="9144000"/>
@@ -3485,6 +3487,825 @@
           <a:chExt cx="0" cy="0"/>
         </a:xfrm>
       </p:grpSpPr>
+      <p:sp>
+        <p:nvSpPr>
+          <p:cNvPr id="2" name="Title 1">
+            <a:extLst>
+              <a:ext uri="{FF2B5EF4-FFF2-40B4-BE49-F238E27FC236}">
+                <a16:creationId xmlns:a16="http://schemas.microsoft.com/office/drawing/2014/main" id="{FE839F3C-1493-4CF8-97F3-F2BED1A85040}"/>
+              </a:ext>
+            </a:extLst>
+          </p:cNvPr>
+          <p:cNvSpPr>
+            <a:spLocks noGrp="1"/>
+          </p:cNvSpPr>
+          <p:nvPr>
+            <p:ph type="title"/>
+          </p:nvPr>
+        </p:nvSpPr>
+        <p:spPr/>
+        <p:txBody>
+          <a:bodyPr/>
+          <a:lstStyle/>
+          <a:p>
+            <a:r>
+              <a:rPr lang="en-SG" dirty="0"/>
+              <a:t>Motivation for using </a:t>
+            </a:r>
+            <a:r>
+              <a:rPr lang="en-SG" dirty="0" err="1"/>
+              <a:t>Plotly</a:t>
+            </a:r>
+            <a:r>
+              <a:rPr lang="en-SG" dirty="0"/>
+              <a:t> and </a:t>
+            </a:r>
+            <a:r>
+              <a:rPr lang="en-SG" dirty="0" err="1"/>
+              <a:t>Trelliscopejs</a:t>
+            </a:r>
+            <a:r>
+              <a:rPr lang="en-SG" dirty="0"/>
+              <a:t> </a:t>
+            </a:r>
+          </a:p>
+        </p:txBody>
+      </p:sp>
+      <p:sp>
+        <p:nvSpPr>
+          <p:cNvPr id="3" name="Content Placeholder 2">
+            <a:extLst>
+              <a:ext uri="{FF2B5EF4-FFF2-40B4-BE49-F238E27FC236}">
+                <a16:creationId xmlns:a16="http://schemas.microsoft.com/office/drawing/2014/main" id="{98A5F317-8348-4089-A804-EFCC3B15361D}"/>
+              </a:ext>
+            </a:extLst>
+          </p:cNvPr>
+          <p:cNvSpPr>
+            <a:spLocks noGrp="1"/>
+          </p:cNvSpPr>
+          <p:nvPr>
+            <p:ph idx="1"/>
+          </p:nvPr>
+        </p:nvSpPr>
+        <p:spPr>
+          <a:xfrm>
+            <a:off x="838200" y="1388533"/>
+            <a:ext cx="10515600" cy="970845"/>
+          </a:xfrm>
+        </p:spPr>
+        <p:txBody>
+          <a:bodyPr>
+            <a:normAutofit lnSpcReduction="10000"/>
+          </a:bodyPr>
+          <a:lstStyle/>
+          <a:p>
+            <a:r>
+              <a:rPr lang="en-SG" dirty="0"/>
+              <a:t>New QC sample types, leading to different plot type</a:t>
+            </a:r>
+          </a:p>
+          <a:p>
+            <a:r>
+              <a:rPr lang="en-SG" dirty="0"/>
+              <a:t>Leading to </a:t>
+            </a:r>
+            <a:r>
+              <a:rPr lang="en-SG" dirty="0">
+                <a:solidFill>
+                  <a:srgbClr val="FF0000"/>
+                </a:solidFill>
+              </a:rPr>
+              <a:t>multiple</a:t>
+            </a:r>
+            <a:r>
+              <a:rPr lang="en-SG" dirty="0"/>
+              <a:t> &gt; 500-pages pdf file</a:t>
+            </a:r>
+            <a:r>
+              <a:rPr lang="en-SG" dirty="0">
+                <a:solidFill>
+                  <a:srgbClr val="FF0000"/>
+                </a:solidFill>
+              </a:rPr>
+              <a:t>s</a:t>
+            </a:r>
+            <a:r>
+              <a:rPr lang="en-SG" dirty="0"/>
+              <a:t> full of plots.</a:t>
+            </a:r>
+          </a:p>
+        </p:txBody>
+      </p:sp>
+      <p:grpSp>
+        <p:nvGrpSpPr>
+          <p:cNvPr id="12" name="Group 11">
+            <a:extLst>
+              <a:ext uri="{FF2B5EF4-FFF2-40B4-BE49-F238E27FC236}">
+                <a16:creationId xmlns:a16="http://schemas.microsoft.com/office/drawing/2014/main" id="{623FC676-9A22-44A4-816D-7F57D75016CA}"/>
+              </a:ext>
+            </a:extLst>
+          </p:cNvPr>
+          <p:cNvGrpSpPr/>
+          <p:nvPr/>
+        </p:nvGrpSpPr>
+        <p:grpSpPr>
+          <a:xfrm>
+            <a:off x="3216860" y="4564448"/>
+            <a:ext cx="2525094" cy="1890880"/>
+            <a:chOff x="1504774" y="2839347"/>
+            <a:chExt cx="3778426" cy="3076030"/>
+          </a:xfrm>
+        </p:grpSpPr>
+        <p:grpSp>
+          <p:nvGrpSpPr>
+            <p:cNvPr id="5" name="Group 4">
+              <a:extLst>
+                <a:ext uri="{FF2B5EF4-FFF2-40B4-BE49-F238E27FC236}">
+                  <a16:creationId xmlns:a16="http://schemas.microsoft.com/office/drawing/2014/main" id="{2C4492DF-A518-4F1B-8F64-346B9039C6D1}"/>
+                </a:ext>
+              </a:extLst>
+            </p:cNvPr>
+            <p:cNvGrpSpPr/>
+            <p:nvPr/>
+          </p:nvGrpSpPr>
+          <p:grpSpPr>
+            <a:xfrm>
+              <a:off x="1504774" y="2839347"/>
+              <a:ext cx="3778426" cy="3076030"/>
+              <a:chOff x="7334249" y="40433"/>
+              <a:chExt cx="3963353" cy="2911047"/>
+            </a:xfrm>
+          </p:grpSpPr>
+          <p:pic>
+            <p:nvPicPr>
+              <p:cNvPr id="6" name="Picture 5">
+                <a:extLst>
+                  <a:ext uri="{FF2B5EF4-FFF2-40B4-BE49-F238E27FC236}">
+                    <a16:creationId xmlns:a16="http://schemas.microsoft.com/office/drawing/2014/main" id="{2ADA06C1-F0AE-4D32-A7ED-FC1C62D016E6}"/>
+                  </a:ext>
+                </a:extLst>
+              </p:cNvPr>
+              <p:cNvPicPr>
+                <a:picLocks noChangeAspect="1"/>
+              </p:cNvPicPr>
+              <p:nvPr/>
+            </p:nvPicPr>
+            <p:blipFill>
+              <a:blip r:embed="rId2"/>
+              <a:stretch>
+                <a:fillRect/>
+              </a:stretch>
+            </p:blipFill>
+            <p:spPr>
+              <a:xfrm>
+                <a:off x="7334249" y="309245"/>
+                <a:ext cx="3963353" cy="2642235"/>
+              </a:xfrm>
+              <a:prstGeom prst="rect">
+                <a:avLst/>
+              </a:prstGeom>
+            </p:spPr>
+          </p:pic>
+          <p:pic>
+            <p:nvPicPr>
+              <p:cNvPr id="7" name="Picture 6">
+                <a:extLst>
+                  <a:ext uri="{FF2B5EF4-FFF2-40B4-BE49-F238E27FC236}">
+                    <a16:creationId xmlns:a16="http://schemas.microsoft.com/office/drawing/2014/main" id="{FA5D2B3F-B6D8-4A23-A776-8E8198978919}"/>
+                  </a:ext>
+                </a:extLst>
+              </p:cNvPr>
+              <p:cNvPicPr>
+                <a:picLocks noChangeAspect="1"/>
+              </p:cNvPicPr>
+              <p:nvPr/>
+            </p:nvPicPr>
+            <p:blipFill>
+              <a:blip r:embed="rId3"/>
+              <a:stretch>
+                <a:fillRect/>
+              </a:stretch>
+            </p:blipFill>
+            <p:spPr>
+              <a:xfrm>
+                <a:off x="9006840" y="227186"/>
+                <a:ext cx="1348740" cy="164117"/>
+              </a:xfrm>
+              <a:prstGeom prst="rect">
+                <a:avLst/>
+              </a:prstGeom>
+            </p:spPr>
+          </p:pic>
+          <p:pic>
+            <p:nvPicPr>
+              <p:cNvPr id="8" name="Picture 7">
+                <a:extLst>
+                  <a:ext uri="{FF2B5EF4-FFF2-40B4-BE49-F238E27FC236}">
+                    <a16:creationId xmlns:a16="http://schemas.microsoft.com/office/drawing/2014/main" id="{330F1451-A7C3-4C4B-A276-702A54902BB7}"/>
+                  </a:ext>
+                </a:extLst>
+              </p:cNvPr>
+              <p:cNvPicPr>
+                <a:picLocks noChangeAspect="1"/>
+              </p:cNvPicPr>
+              <p:nvPr/>
+            </p:nvPicPr>
+            <p:blipFill>
+              <a:blip r:embed="rId4"/>
+              <a:stretch>
+                <a:fillRect/>
+              </a:stretch>
+            </p:blipFill>
+            <p:spPr>
+              <a:xfrm>
+                <a:off x="7619999" y="40433"/>
+                <a:ext cx="2000251" cy="159800"/>
+              </a:xfrm>
+              <a:prstGeom prst="rect">
+                <a:avLst/>
+              </a:prstGeom>
+            </p:spPr>
+          </p:pic>
+        </p:grpSp>
+        <p:pic>
+          <p:nvPicPr>
+            <p:cNvPr id="9" name="Picture 8">
+              <a:extLst>
+                <a:ext uri="{FF2B5EF4-FFF2-40B4-BE49-F238E27FC236}">
+                  <a16:creationId xmlns:a16="http://schemas.microsoft.com/office/drawing/2014/main" id="{730BE2F2-D677-404C-BE72-740985D15BBC}"/>
+                </a:ext>
+              </a:extLst>
+            </p:cNvPr>
+            <p:cNvPicPr>
+              <a:picLocks noChangeAspect="1"/>
+            </p:cNvPicPr>
+            <p:nvPr/>
+          </p:nvPicPr>
+          <p:blipFill>
+            <a:blip r:embed="rId5"/>
+            <a:stretch>
+              <a:fillRect/>
+            </a:stretch>
+          </p:blipFill>
+          <p:spPr>
+            <a:xfrm>
+              <a:off x="2070623" y="3426785"/>
+              <a:ext cx="2057400" cy="379379"/>
+            </a:xfrm>
+            <a:prstGeom prst="rect">
+              <a:avLst/>
+            </a:prstGeom>
+          </p:spPr>
+        </p:pic>
+      </p:grpSp>
+      <p:pic>
+        <p:nvPicPr>
+          <p:cNvPr id="15" name="Picture 14">
+            <a:extLst>
+              <a:ext uri="{FF2B5EF4-FFF2-40B4-BE49-F238E27FC236}">
+                <a16:creationId xmlns:a16="http://schemas.microsoft.com/office/drawing/2014/main" id="{D969F8F6-088E-498C-8D6F-E0957C261DB3}"/>
+              </a:ext>
+            </a:extLst>
+          </p:cNvPr>
+          <p:cNvPicPr>
+            <a:picLocks noChangeAspect="1"/>
+          </p:cNvPicPr>
+          <p:nvPr/>
+        </p:nvPicPr>
+        <p:blipFill>
+          <a:blip r:embed="rId6"/>
+          <a:stretch>
+            <a:fillRect/>
+          </a:stretch>
+        </p:blipFill>
+        <p:spPr>
+          <a:xfrm>
+            <a:off x="1106869" y="2373811"/>
+            <a:ext cx="4635085" cy="1996077"/>
+          </a:xfrm>
+          <a:prstGeom prst="rect">
+            <a:avLst/>
+          </a:prstGeom>
+        </p:spPr>
+      </p:pic>
+      <p:grpSp>
+        <p:nvGrpSpPr>
+          <p:cNvPr id="20" name="Group 19">
+            <a:extLst>
+              <a:ext uri="{FF2B5EF4-FFF2-40B4-BE49-F238E27FC236}">
+                <a16:creationId xmlns:a16="http://schemas.microsoft.com/office/drawing/2014/main" id="{8E672380-B2D9-4153-A2D2-2EF0C5B6CD6E}"/>
+              </a:ext>
+            </a:extLst>
+          </p:cNvPr>
+          <p:cNvGrpSpPr/>
+          <p:nvPr/>
+        </p:nvGrpSpPr>
+        <p:grpSpPr>
+          <a:xfrm>
+            <a:off x="984448" y="4516823"/>
+            <a:ext cx="2135657" cy="1948030"/>
+            <a:chOff x="679648" y="4669223"/>
+            <a:chExt cx="2135657" cy="1948030"/>
+          </a:xfrm>
+        </p:grpSpPr>
+        <p:grpSp>
+          <p:nvGrpSpPr>
+            <p:cNvPr id="18" name="Group 17">
+              <a:extLst>
+                <a:ext uri="{FF2B5EF4-FFF2-40B4-BE49-F238E27FC236}">
+                  <a16:creationId xmlns:a16="http://schemas.microsoft.com/office/drawing/2014/main" id="{D2DE6C4C-DA2B-42E2-8B69-D94FED6F4432}"/>
+                </a:ext>
+              </a:extLst>
+            </p:cNvPr>
+            <p:cNvGrpSpPr/>
+            <p:nvPr/>
+          </p:nvGrpSpPr>
+          <p:grpSpPr>
+            <a:xfrm>
+              <a:off x="752475" y="4669223"/>
+              <a:ext cx="2062830" cy="1948030"/>
+              <a:chOff x="6862762" y="1096855"/>
+              <a:chExt cx="5692096" cy="6086476"/>
+            </a:xfrm>
+          </p:grpSpPr>
+          <p:pic>
+            <p:nvPicPr>
+              <p:cNvPr id="16" name="Picture 15">
+                <a:extLst>
+                  <a:ext uri="{FF2B5EF4-FFF2-40B4-BE49-F238E27FC236}">
+                    <a16:creationId xmlns:a16="http://schemas.microsoft.com/office/drawing/2014/main" id="{6A485E26-9A32-4B4E-9913-9DA2FBE93C57}"/>
+                  </a:ext>
+                </a:extLst>
+              </p:cNvPr>
+              <p:cNvPicPr>
+                <a:picLocks noChangeAspect="1"/>
+              </p:cNvPicPr>
+              <p:nvPr/>
+            </p:nvPicPr>
+            <p:blipFill rotWithShape="1">
+              <a:blip r:embed="rId7"/>
+              <a:srcRect t="4014" r="8947"/>
+              <a:stretch/>
+            </p:blipFill>
+            <p:spPr>
+              <a:xfrm>
+                <a:off x="6862762" y="1096855"/>
+                <a:ext cx="823913" cy="5467350"/>
+              </a:xfrm>
+              <a:prstGeom prst="rect">
+                <a:avLst/>
+              </a:prstGeom>
+            </p:spPr>
+          </p:pic>
+          <p:pic>
+            <p:nvPicPr>
+              <p:cNvPr id="17" name="Picture 16">
+                <a:extLst>
+                  <a:ext uri="{FF2B5EF4-FFF2-40B4-BE49-F238E27FC236}">
+                    <a16:creationId xmlns:a16="http://schemas.microsoft.com/office/drawing/2014/main" id="{37AFBD7A-CD44-44C5-AF32-9C6E969F6DCB}"/>
+                  </a:ext>
+                </a:extLst>
+              </p:cNvPr>
+              <p:cNvPicPr>
+                <a:picLocks noChangeAspect="1"/>
+              </p:cNvPicPr>
+              <p:nvPr/>
+            </p:nvPicPr>
+            <p:blipFill rotWithShape="1">
+              <a:blip r:embed="rId8"/>
+              <a:srcRect l="2013" t="3626" r="1735"/>
+              <a:stretch/>
+            </p:blipFill>
+            <p:spPr>
+              <a:xfrm>
+                <a:off x="7686676" y="1106381"/>
+                <a:ext cx="4868182" cy="6076950"/>
+              </a:xfrm>
+              <a:prstGeom prst="rect">
+                <a:avLst/>
+              </a:prstGeom>
+            </p:spPr>
+          </p:pic>
+        </p:grpSp>
+        <p:pic>
+          <p:nvPicPr>
+            <p:cNvPr id="19" name="Picture 18">
+              <a:extLst>
+                <a:ext uri="{FF2B5EF4-FFF2-40B4-BE49-F238E27FC236}">
+                  <a16:creationId xmlns:a16="http://schemas.microsoft.com/office/drawing/2014/main" id="{74BF9513-E52C-471E-9024-9FB016AB72CD}"/>
+                </a:ext>
+              </a:extLst>
+            </p:cNvPr>
+            <p:cNvPicPr>
+              <a:picLocks noChangeAspect="1"/>
+            </p:cNvPicPr>
+            <p:nvPr/>
+          </p:nvPicPr>
+          <p:blipFill>
+            <a:blip r:embed="rId9"/>
+            <a:stretch>
+              <a:fillRect/>
+            </a:stretch>
+          </p:blipFill>
+          <p:spPr>
+            <a:xfrm rot="16200000">
+              <a:off x="639680" y="5398455"/>
+              <a:ext cx="170774" cy="90837"/>
+            </a:xfrm>
+            <a:prstGeom prst="rect">
+              <a:avLst/>
+            </a:prstGeom>
+          </p:spPr>
+        </p:pic>
+      </p:grpSp>
+      <p:pic>
+        <p:nvPicPr>
+          <p:cNvPr id="26" name="Picture 25">
+            <a:extLst>
+              <a:ext uri="{FF2B5EF4-FFF2-40B4-BE49-F238E27FC236}">
+                <a16:creationId xmlns:a16="http://schemas.microsoft.com/office/drawing/2014/main" id="{4E54B397-090B-4814-81C4-8D1C3E3A9A7C}"/>
+              </a:ext>
+            </a:extLst>
+          </p:cNvPr>
+          <p:cNvPicPr>
+            <a:picLocks noChangeAspect="1"/>
+          </p:cNvPicPr>
+          <p:nvPr/>
+        </p:nvPicPr>
+        <p:blipFill>
+          <a:blip r:embed="rId10">
+            <a:extLst>
+              <a:ext uri="{28A0092B-C50C-407E-A947-70E740481C1C}">
+                <a14:useLocalDpi xmlns:a14="http://schemas.microsoft.com/office/drawing/2010/main" val="0"/>
+              </a:ext>
+            </a:extLst>
+          </a:blip>
+          <a:stretch>
+            <a:fillRect/>
+          </a:stretch>
+        </p:blipFill>
+        <p:spPr>
+          <a:xfrm>
+            <a:off x="6304161" y="2530151"/>
+            <a:ext cx="4599341" cy="3679473"/>
+          </a:xfrm>
+          <a:prstGeom prst="rect">
+            <a:avLst/>
+          </a:prstGeom>
+        </p:spPr>
+      </p:pic>
+    </p:spTree>
+    <p:extLst>
+      <p:ext uri="{BB962C8B-B14F-4D97-AF65-F5344CB8AC3E}">
+        <p14:creationId xmlns:p14="http://schemas.microsoft.com/office/powerpoint/2010/main" val="1756626776"/>
+      </p:ext>
+    </p:extLst>
+  </p:cSld>
+  <p:clrMapOvr>
+    <a:masterClrMapping/>
+  </p:clrMapOvr>
+</p:sld>
+</file>
+
+<file path=ppt/slides/slide11.xml><?xml version="1.0" encoding="utf-8"?>
+<p:sld xmlns:a="http://schemas.openxmlformats.org/drawingml/2006/main" xmlns:r="http://schemas.openxmlformats.org/officeDocument/2006/relationships" xmlns:p="http://schemas.openxmlformats.org/presentationml/2006/main">
+  <p:cSld>
+    <p:spTree>
+      <p:nvGrpSpPr>
+        <p:cNvPr id="1" name=""/>
+        <p:cNvGrpSpPr/>
+        <p:nvPr/>
+      </p:nvGrpSpPr>
+      <p:grpSpPr>
+        <a:xfrm>
+          <a:off x="0" y="0"/>
+          <a:ext cx="0" cy="0"/>
+          <a:chOff x="0" y="0"/>
+          <a:chExt cx="0" cy="0"/>
+        </a:xfrm>
+      </p:grpSpPr>
+      <p:sp>
+        <p:nvSpPr>
+          <p:cNvPr id="2" name="Title 1">
+            <a:extLst>
+              <a:ext uri="{FF2B5EF4-FFF2-40B4-BE49-F238E27FC236}">
+                <a16:creationId xmlns:a16="http://schemas.microsoft.com/office/drawing/2014/main" id="{FE839F3C-1493-4CF8-97F3-F2BED1A85040}"/>
+              </a:ext>
+            </a:extLst>
+          </p:cNvPr>
+          <p:cNvSpPr>
+            <a:spLocks noGrp="1"/>
+          </p:cNvSpPr>
+          <p:nvPr>
+            <p:ph type="title"/>
+          </p:nvPr>
+        </p:nvSpPr>
+        <p:spPr>
+          <a:xfrm>
+            <a:off x="838200" y="365125"/>
+            <a:ext cx="10515600" cy="1325563"/>
+          </a:xfrm>
+        </p:spPr>
+        <p:txBody>
+          <a:bodyPr/>
+          <a:lstStyle/>
+          <a:p>
+            <a:r>
+              <a:rPr lang="en-SG" dirty="0"/>
+              <a:t>Motivation for using </a:t>
+            </a:r>
+            <a:r>
+              <a:rPr lang="en-SG" dirty="0" err="1"/>
+              <a:t>Plotly</a:t>
+            </a:r>
+            <a:r>
+              <a:rPr lang="en-SG" dirty="0"/>
+              <a:t> and </a:t>
+            </a:r>
+            <a:r>
+              <a:rPr lang="en-SG" dirty="0" err="1"/>
+              <a:t>Trelliscopejs</a:t>
+            </a:r>
+            <a:r>
+              <a:rPr lang="en-SG" dirty="0"/>
+              <a:t> </a:t>
+            </a:r>
+          </a:p>
+        </p:txBody>
+      </p:sp>
+      <p:pic>
+        <p:nvPicPr>
+          <p:cNvPr id="6" name="Picture 5">
+            <a:extLst>
+              <a:ext uri="{FF2B5EF4-FFF2-40B4-BE49-F238E27FC236}">
+                <a16:creationId xmlns:a16="http://schemas.microsoft.com/office/drawing/2014/main" id="{C3A5A9DA-9F89-4395-8AC1-AA0889484D5E}"/>
+              </a:ext>
+            </a:extLst>
+          </p:cNvPr>
+          <p:cNvPicPr>
+            <a:picLocks noChangeAspect="1"/>
+          </p:cNvPicPr>
+          <p:nvPr/>
+        </p:nvPicPr>
+        <p:blipFill>
+          <a:blip r:embed="rId2"/>
+          <a:stretch>
+            <a:fillRect/>
+          </a:stretch>
+        </p:blipFill>
+        <p:spPr>
+          <a:xfrm>
+            <a:off x="6096000" y="3805032"/>
+            <a:ext cx="4771619" cy="1071659"/>
+          </a:xfrm>
+          <a:prstGeom prst="rect">
+            <a:avLst/>
+          </a:prstGeom>
+        </p:spPr>
+      </p:pic>
+      <p:pic>
+        <p:nvPicPr>
+          <p:cNvPr id="7" name="Picture 6">
+            <a:extLst>
+              <a:ext uri="{FF2B5EF4-FFF2-40B4-BE49-F238E27FC236}">
+                <a16:creationId xmlns:a16="http://schemas.microsoft.com/office/drawing/2014/main" id="{1E7BA09E-3CAD-4812-865C-6CAC515BF3CE}"/>
+              </a:ext>
+            </a:extLst>
+          </p:cNvPr>
+          <p:cNvPicPr>
+            <a:picLocks noChangeAspect="1"/>
+          </p:cNvPicPr>
+          <p:nvPr/>
+        </p:nvPicPr>
+        <p:blipFill rotWithShape="1">
+          <a:blip r:embed="rId3"/>
+          <a:srcRect t="13773"/>
+          <a:stretch/>
+        </p:blipFill>
+        <p:spPr>
+          <a:xfrm>
+            <a:off x="6139296" y="6114177"/>
+            <a:ext cx="4728323" cy="183469"/>
+          </a:xfrm>
+          <a:prstGeom prst="rect">
+            <a:avLst/>
+          </a:prstGeom>
+        </p:spPr>
+      </p:pic>
+      <p:pic>
+        <p:nvPicPr>
+          <p:cNvPr id="1026" name="Picture 2" descr="https://hafen.github.io/trelliscopejs/reference/figures/logo.png">
+            <a:extLst>
+              <a:ext uri="{FF2B5EF4-FFF2-40B4-BE49-F238E27FC236}">
+                <a16:creationId xmlns:a16="http://schemas.microsoft.com/office/drawing/2014/main" id="{FAB45369-F847-4D88-8638-67597D69B804}"/>
+              </a:ext>
+            </a:extLst>
+          </p:cNvPr>
+          <p:cNvPicPr>
+            <a:picLocks noChangeAspect="1" noChangeArrowheads="1"/>
+          </p:cNvPicPr>
+          <p:nvPr/>
+        </p:nvPicPr>
+        <p:blipFill>
+          <a:blip r:embed="rId4">
+            <a:extLst>
+              <a:ext uri="{28A0092B-C50C-407E-A947-70E740481C1C}">
+                <a14:useLocalDpi xmlns:a14="http://schemas.microsoft.com/office/drawing/2010/main" val="0"/>
+              </a:ext>
+            </a:extLst>
+          </a:blip>
+          <a:srcRect/>
+          <a:stretch>
+            <a:fillRect/>
+          </a:stretch>
+        </p:blipFill>
+        <p:spPr bwMode="auto">
+          <a:xfrm>
+            <a:off x="9275906" y="1562378"/>
+            <a:ext cx="889687" cy="1034095"/>
+          </a:xfrm>
+          <a:prstGeom prst="rect">
+            <a:avLst/>
+          </a:prstGeom>
+          <a:noFill/>
+          <a:extLst>
+            <a:ext uri="{909E8E84-426E-40DD-AFC4-6F175D3DCCD1}">
+              <a14:hiddenFill xmlns:a14="http://schemas.microsoft.com/office/drawing/2010/main">
+                <a:solidFill>
+                  <a:srgbClr val="FFFFFF"/>
+                </a:solidFill>
+              </a14:hiddenFill>
+            </a:ext>
+          </a:extLst>
+        </p:spPr>
+      </p:pic>
+      <p:pic>
+        <p:nvPicPr>
+          <p:cNvPr id="1028" name="Picture 4" descr="File:Plotly logo for digital final (6).png">
+            <a:extLst>
+              <a:ext uri="{FF2B5EF4-FFF2-40B4-BE49-F238E27FC236}">
+                <a16:creationId xmlns:a16="http://schemas.microsoft.com/office/drawing/2014/main" id="{DB95B450-861C-480E-B6CB-3F3DF3E7A71A}"/>
+              </a:ext>
+            </a:extLst>
+          </p:cNvPr>
+          <p:cNvPicPr>
+            <a:picLocks noChangeAspect="1" noChangeArrowheads="1"/>
+          </p:cNvPicPr>
+          <p:nvPr/>
+        </p:nvPicPr>
+        <p:blipFill rotWithShape="1">
+          <a:blip r:embed="rId5">
+            <a:extLst>
+              <a:ext uri="{28A0092B-C50C-407E-A947-70E740481C1C}">
+                <a14:useLocalDpi xmlns:a14="http://schemas.microsoft.com/office/drawing/2010/main" val="0"/>
+              </a:ext>
+            </a:extLst>
+          </a:blip>
+          <a:srcRect l="5532" t="28940" r="5911" b="27095"/>
+          <a:stretch/>
+        </p:blipFill>
+        <p:spPr bwMode="auto">
+          <a:xfrm>
+            <a:off x="6390474" y="1562378"/>
+            <a:ext cx="2586914" cy="963233"/>
+          </a:xfrm>
+          <a:prstGeom prst="rect">
+            <a:avLst/>
+          </a:prstGeom>
+          <a:noFill/>
+          <a:extLst>
+            <a:ext uri="{909E8E84-426E-40DD-AFC4-6F175D3DCCD1}">
+              <a14:hiddenFill xmlns:a14="http://schemas.microsoft.com/office/drawing/2010/main">
+                <a:solidFill>
+                  <a:srgbClr val="FFFFFF"/>
+                </a:solidFill>
+              </a14:hiddenFill>
+            </a:ext>
+          </a:extLst>
+        </p:spPr>
+      </p:pic>
+      <p:sp>
+        <p:nvSpPr>
+          <p:cNvPr id="10" name="Arrow: Right 9">
+            <a:extLst>
+              <a:ext uri="{FF2B5EF4-FFF2-40B4-BE49-F238E27FC236}">
+                <a16:creationId xmlns:a16="http://schemas.microsoft.com/office/drawing/2014/main" id="{3338BCA3-70EE-44CD-B10A-543B7D39CA40}"/>
+              </a:ext>
+            </a:extLst>
+          </p:cNvPr>
+          <p:cNvSpPr/>
+          <p:nvPr/>
+        </p:nvSpPr>
+        <p:spPr>
+          <a:xfrm rot="5400000">
+            <a:off x="8013050" y="5382155"/>
+            <a:ext cx="1015481" cy="194220"/>
+          </a:xfrm>
+          <a:prstGeom prst="rightArrow">
+            <a:avLst/>
+          </a:prstGeom>
+        </p:spPr>
+        <p:style>
+          <a:lnRef idx="2">
+            <a:schemeClr val="dk1">
+              <a:shade val="50000"/>
+            </a:schemeClr>
+          </a:lnRef>
+          <a:fillRef idx="1">
+            <a:schemeClr val="dk1"/>
+          </a:fillRef>
+          <a:effectRef idx="0">
+            <a:schemeClr val="dk1"/>
+          </a:effectRef>
+          <a:fontRef idx="minor">
+            <a:schemeClr val="lt1"/>
+          </a:fontRef>
+        </p:style>
+        <p:txBody>
+          <a:bodyPr rtlCol="0" anchor="ctr"/>
+          <a:lstStyle/>
+          <a:p>
+            <a:pPr algn="ctr"/>
+            <a:endParaRPr lang="en-SG"/>
+          </a:p>
+        </p:txBody>
+      </p:sp>
+      <p:sp>
+        <p:nvSpPr>
+          <p:cNvPr id="14" name="Arrow: Right 13">
+            <a:extLst>
+              <a:ext uri="{FF2B5EF4-FFF2-40B4-BE49-F238E27FC236}">
+                <a16:creationId xmlns:a16="http://schemas.microsoft.com/office/drawing/2014/main" id="{34953C13-8F7D-4DD6-9741-0C188D22A33E}"/>
+              </a:ext>
+            </a:extLst>
+          </p:cNvPr>
+          <p:cNvSpPr/>
+          <p:nvPr/>
+        </p:nvSpPr>
+        <p:spPr>
+          <a:xfrm rot="5400000">
+            <a:off x="8003525" y="3044674"/>
+            <a:ext cx="1015481" cy="194220"/>
+          </a:xfrm>
+          <a:prstGeom prst="rightArrow">
+            <a:avLst/>
+          </a:prstGeom>
+        </p:spPr>
+        <p:style>
+          <a:lnRef idx="2">
+            <a:schemeClr val="dk1">
+              <a:shade val="50000"/>
+            </a:schemeClr>
+          </a:lnRef>
+          <a:fillRef idx="1">
+            <a:schemeClr val="dk1"/>
+          </a:fillRef>
+          <a:effectRef idx="0">
+            <a:schemeClr val="dk1"/>
+          </a:effectRef>
+          <a:fontRef idx="minor">
+            <a:schemeClr val="lt1"/>
+          </a:fontRef>
+        </p:style>
+        <p:txBody>
+          <a:bodyPr rtlCol="0" anchor="ctr"/>
+          <a:lstStyle/>
+          <a:p>
+            <a:pPr algn="ctr"/>
+            <a:endParaRPr lang="en-SG"/>
+          </a:p>
+        </p:txBody>
+      </p:sp>
+    </p:spTree>
+    <p:extLst>
+      <p:ext uri="{BB962C8B-B14F-4D97-AF65-F5344CB8AC3E}">
+        <p14:creationId xmlns:p14="http://schemas.microsoft.com/office/powerpoint/2010/main" val="1553705019"/>
+      </p:ext>
+    </p:extLst>
+  </p:cSld>
+  <p:clrMapOvr>
+    <a:masterClrMapping/>
+  </p:clrMapOvr>
+</p:sld>
+</file>
+
+<file path=ppt/slides/slide12.xml><?xml version="1.0" encoding="utf-8"?>
+<p:sld xmlns:a="http://schemas.openxmlformats.org/drawingml/2006/main" xmlns:r="http://schemas.openxmlformats.org/officeDocument/2006/relationships" xmlns:p="http://schemas.openxmlformats.org/presentationml/2006/main">
+  <p:cSld>
+    <p:spTree>
+      <p:nvGrpSpPr>
+        <p:cNvPr id="1" name=""/>
+        <p:cNvGrpSpPr/>
+        <p:nvPr/>
+      </p:nvGrpSpPr>
+      <p:grpSpPr>
+        <a:xfrm>
+          <a:off x="0" y="0"/>
+          <a:ext cx="0" cy="0"/>
+          <a:chOff x="0" y="0"/>
+          <a:chExt cx="0" cy="0"/>
+        </a:xfrm>
+      </p:grpSpPr>
       <p:grpSp>
         <p:nvGrpSpPr>
           <p:cNvPr id="9" name="Group 8">
@@ -3639,7 +4460,7 @@
 </p:sld>
 </file>
 
-<file path=ppt/slides/slide11.xml><?xml version="1.0" encoding="utf-8"?>
+<file path=ppt/slides/slide13.xml><?xml version="1.0" encoding="utf-8"?>
 <p:sld xmlns:a="http://schemas.openxmlformats.org/drawingml/2006/main" xmlns:r="http://schemas.openxmlformats.org/officeDocument/2006/relationships" xmlns:p="http://schemas.openxmlformats.org/presentationml/2006/main">
   <p:cSld>
     <p:spTree>
@@ -4105,7 +4926,7 @@
 </p:sld>
 </file>
 
-<file path=ppt/slides/slide12.xml><?xml version="1.0" encoding="utf-8"?>
+<file path=ppt/slides/slide14.xml><?xml version="1.0" encoding="utf-8"?>
 <p:sld xmlns:a="http://schemas.openxmlformats.org/drawingml/2006/main" xmlns:r="http://schemas.openxmlformats.org/officeDocument/2006/relationships" xmlns:p="http://schemas.openxmlformats.org/presentationml/2006/main">
   <p:cSld>
     <p:spTree>
@@ -4302,7 +5123,7 @@
 </p:sld>
 </file>
 
-<file path=ppt/slides/slide13.xml><?xml version="1.0" encoding="utf-8"?>
+<file path=ppt/slides/slide15.xml><?xml version="1.0" encoding="utf-8"?>
 <p:sld xmlns:a="http://schemas.openxmlformats.org/drawingml/2006/main" xmlns:r="http://schemas.openxmlformats.org/officeDocument/2006/relationships" xmlns:p="http://schemas.openxmlformats.org/presentationml/2006/main">
   <p:cSld>
     <p:spTree>
@@ -4558,7 +5379,7 @@
 </p:sld>
 </file>
 
-<file path=ppt/slides/slide14.xml><?xml version="1.0" encoding="utf-8"?>
+<file path=ppt/slides/slide16.xml><?xml version="1.0" encoding="utf-8"?>
 <p:sld xmlns:a="http://schemas.openxmlformats.org/drawingml/2006/main" xmlns:r="http://schemas.openxmlformats.org/officeDocument/2006/relationships" xmlns:p="http://schemas.openxmlformats.org/presentationml/2006/main">
   <p:cSld>
     <p:spTree>
@@ -5438,7 +6259,7 @@
 </p:sld>
 </file>
 
-<file path=ppt/slides/slide15.xml><?xml version="1.0" encoding="utf-8"?>
+<file path=ppt/slides/slide17.xml><?xml version="1.0" encoding="utf-8"?>
 <p:sld xmlns:a="http://schemas.openxmlformats.org/drawingml/2006/main" xmlns:r="http://schemas.openxmlformats.org/officeDocument/2006/relationships" xmlns:p="http://schemas.openxmlformats.org/presentationml/2006/main">
   <p:cSld>
     <p:spTree>
@@ -6374,7 +7195,7 @@
 </p:sld>
 </file>
 
-<file path=ppt/slides/slide16.xml><?xml version="1.0" encoding="utf-8"?>
+<file path=ppt/slides/slide18.xml><?xml version="1.0" encoding="utf-8"?>
 <p:sld xmlns:a="http://schemas.openxmlformats.org/drawingml/2006/main" xmlns:r="http://schemas.openxmlformats.org/officeDocument/2006/relationships" xmlns:p="http://schemas.openxmlformats.org/presentationml/2006/main">
   <p:cSld>
     <p:spTree>
@@ -6637,7 +7458,7 @@
 </p:sld>
 </file>
 
-<file path=ppt/slides/slide17.xml><?xml version="1.0" encoding="utf-8"?>
+<file path=ppt/slides/slide19.xml><?xml version="1.0" encoding="utf-8"?>
 <p:sld xmlns:a="http://schemas.openxmlformats.org/drawingml/2006/main" xmlns:r="http://schemas.openxmlformats.org/officeDocument/2006/relationships" xmlns:p="http://schemas.openxmlformats.org/presentationml/2006/main">
   <p:cSld>
     <p:spTree>
@@ -8378,6 +9199,883 @@
           <a:chExt cx="0" cy="0"/>
         </a:xfrm>
       </p:grpSpPr>
+      <p:grpSp>
+        <p:nvGrpSpPr>
+          <p:cNvPr id="3" name="Group 2">
+            <a:extLst>
+              <a:ext uri="{FF2B5EF4-FFF2-40B4-BE49-F238E27FC236}">
+                <a16:creationId xmlns:a16="http://schemas.microsoft.com/office/drawing/2014/main" id="{29F68805-C90C-4A44-A50D-30A1A41300F5}"/>
+              </a:ext>
+            </a:extLst>
+          </p:cNvPr>
+          <p:cNvGrpSpPr/>
+          <p:nvPr/>
+        </p:nvGrpSpPr>
+        <p:grpSpPr>
+          <a:xfrm>
+            <a:off x="222416" y="411268"/>
+            <a:ext cx="12192727" cy="3151948"/>
+            <a:chOff x="222416" y="411268"/>
+            <a:chExt cx="12192727" cy="3151948"/>
+          </a:xfrm>
+        </p:grpSpPr>
+        <p:grpSp>
+          <p:nvGrpSpPr>
+            <p:cNvPr id="2" name="Group 1">
+              <a:extLst>
+                <a:ext uri="{FF2B5EF4-FFF2-40B4-BE49-F238E27FC236}">
+                  <a16:creationId xmlns:a16="http://schemas.microsoft.com/office/drawing/2014/main" id="{AA583C77-6CB3-4530-AD29-6BE5D02F32B7}"/>
+                </a:ext>
+              </a:extLst>
+            </p:cNvPr>
+            <p:cNvGrpSpPr/>
+            <p:nvPr/>
+          </p:nvGrpSpPr>
+          <p:grpSpPr>
+            <a:xfrm>
+              <a:off x="222416" y="411268"/>
+              <a:ext cx="4970442" cy="3151948"/>
+              <a:chOff x="658833" y="515177"/>
+              <a:chExt cx="5646717" cy="3532068"/>
+            </a:xfrm>
+          </p:grpSpPr>
+          <p:pic>
+            <p:nvPicPr>
+              <p:cNvPr id="5" name="Picture 7" descr="https://lh6.googleusercontent.com/ph636ed22ufL3pAHTH6tDsq0Lk7Wq9Bd66AHM1UE9oFKqf-p3r3kHrJXEzEQMT5g3a_0vCd7yGRo78Cs1PwZVrCY9AkBEiurkllzRzprcgcTe7Sgo4ysRjPg19z9IhWwbSKqwj9pszzU11ws76G0riLxv2DGtfIftHX1h8XwbVRvzt_0Lfxb7Q">
+                <a:extLst>
+                  <a:ext uri="{FF2B5EF4-FFF2-40B4-BE49-F238E27FC236}">
+                    <a16:creationId xmlns:a16="http://schemas.microsoft.com/office/drawing/2014/main" id="{9C5671ED-FB89-4D5D-9CEB-E17B017D712D}"/>
+                  </a:ext>
+                </a:extLst>
+              </p:cNvPr>
+              <p:cNvPicPr>
+                <a:picLocks noChangeAspect="1" noChangeArrowheads="1"/>
+              </p:cNvPicPr>
+              <p:nvPr/>
+            </p:nvPicPr>
+            <p:blipFill>
+              <a:blip r:embed="rId2">
+                <a:extLst>
+                  <a:ext uri="{28A0092B-C50C-407E-A947-70E740481C1C}">
+                    <a14:useLocalDpi xmlns:a14="http://schemas.microsoft.com/office/drawing/2010/main" val="0"/>
+                  </a:ext>
+                </a:extLst>
+              </a:blip>
+              <a:srcRect/>
+              <a:stretch>
+                <a:fillRect/>
+              </a:stretch>
+            </p:blipFill>
+            <p:spPr bwMode="auto">
+              <a:xfrm>
+                <a:off x="658833" y="515177"/>
+                <a:ext cx="5646717" cy="3532068"/>
+              </a:xfrm>
+              <a:prstGeom prst="rect">
+                <a:avLst/>
+              </a:prstGeom>
+              <a:noFill/>
+              <a:extLst>
+                <a:ext uri="{909E8E84-426E-40DD-AFC4-6F175D3DCCD1}">
+                  <a14:hiddenFill xmlns:a14="http://schemas.microsoft.com/office/drawing/2010/main">
+                    <a:solidFill>
+                      <a:srgbClr val="FFFFFF"/>
+                    </a:solidFill>
+                  </a14:hiddenFill>
+                </a:ext>
+              </a:extLst>
+            </p:spPr>
+          </p:pic>
+          <p:pic>
+            <p:nvPicPr>
+              <p:cNvPr id="6" name="Picture 11" descr="https://lh6.googleusercontent.com/V0j8Nzxm73sZdvYptJZ5wb-Q2LicKXPTb9bq9vCdwKkrj-dBXUQuUGQJv6IcFsksII3rhAHslm3aFemb6JzUqudPKHUBtiFAj-AT3DhbTTTMS2VF4_l_NGoIePOMiEoLpE399r3nM1bBDpBxaKjfl1oxyKruAKP4mj_WM7_X6LuOnZkY9-mC5A">
+                <a:extLst>
+                  <a:ext uri="{FF2B5EF4-FFF2-40B4-BE49-F238E27FC236}">
+                    <a16:creationId xmlns:a16="http://schemas.microsoft.com/office/drawing/2014/main" id="{77A58553-7ECD-4103-AF22-FEA57E14C74E}"/>
+                  </a:ext>
+                </a:extLst>
+              </p:cNvPr>
+              <p:cNvPicPr>
+                <a:picLocks noChangeAspect="1" noChangeArrowheads="1"/>
+              </p:cNvPicPr>
+              <p:nvPr/>
+            </p:nvPicPr>
+            <p:blipFill>
+              <a:blip r:embed="rId3">
+                <a:extLst>
+                  <a:ext uri="{28A0092B-C50C-407E-A947-70E740481C1C}">
+                    <a14:useLocalDpi xmlns:a14="http://schemas.microsoft.com/office/drawing/2010/main" val="0"/>
+                  </a:ext>
+                </a:extLst>
+              </a:blip>
+              <a:srcRect/>
+              <a:stretch>
+                <a:fillRect/>
+              </a:stretch>
+            </p:blipFill>
+            <p:spPr bwMode="auto">
+              <a:xfrm>
+                <a:off x="1810983" y="926453"/>
+                <a:ext cx="3331380" cy="732310"/>
+              </a:xfrm>
+              <a:prstGeom prst="rect">
+                <a:avLst/>
+              </a:prstGeom>
+              <a:noFill/>
+              <a:extLst>
+                <a:ext uri="{909E8E84-426E-40DD-AFC4-6F175D3DCCD1}">
+                  <a14:hiddenFill xmlns:a14="http://schemas.microsoft.com/office/drawing/2010/main">
+                    <a:solidFill>
+                      <a:srgbClr val="FFFFFF"/>
+                    </a:solidFill>
+                  </a14:hiddenFill>
+                </a:ext>
+              </a:extLst>
+            </p:spPr>
+          </p:pic>
+        </p:grpSp>
+        <p:pic>
+          <p:nvPicPr>
+            <p:cNvPr id="8" name="Picture 2" descr="https://upload.wikimedia.org/wikipedia/commons/thumb/6/6c/PDF_icon.svg/420px-PDF_icon.svg.png">
+              <a:extLst>
+                <a:ext uri="{FF2B5EF4-FFF2-40B4-BE49-F238E27FC236}">
+                  <a16:creationId xmlns:a16="http://schemas.microsoft.com/office/drawing/2014/main" id="{3EA2D5CC-83B1-4189-949B-99CF5898EDB8}"/>
+                </a:ext>
+              </a:extLst>
+            </p:cNvPr>
+            <p:cNvPicPr>
+              <a:picLocks noChangeAspect="1" noChangeArrowheads="1"/>
+            </p:cNvPicPr>
+            <p:nvPr/>
+          </p:nvPicPr>
+          <p:blipFill>
+            <a:blip r:embed="rId4">
+              <a:extLst>
+                <a:ext uri="{28A0092B-C50C-407E-A947-70E740481C1C}">
+                  <a14:useLocalDpi xmlns:a14="http://schemas.microsoft.com/office/drawing/2010/main" val="0"/>
+                </a:ext>
+              </a:extLst>
+            </a:blip>
+            <a:srcRect/>
+            <a:stretch>
+              <a:fillRect/>
+            </a:stretch>
+          </p:blipFill>
+          <p:spPr bwMode="auto">
+            <a:xfrm>
+              <a:off x="6850204" y="922048"/>
+              <a:ext cx="1486250" cy="1698572"/>
+            </a:xfrm>
+            <a:prstGeom prst="rect">
+              <a:avLst/>
+            </a:prstGeom>
+            <a:noFill/>
+            <a:extLst>
+              <a:ext uri="{909E8E84-426E-40DD-AFC4-6F175D3DCCD1}">
+                <a14:hiddenFill xmlns:a14="http://schemas.microsoft.com/office/drawing/2010/main">
+                  <a:solidFill>
+                    <a:srgbClr val="FFFFFF"/>
+                  </a:solidFill>
+                </a14:hiddenFill>
+              </a:ext>
+            </a:extLst>
+          </p:spPr>
+        </p:pic>
+        <p:sp>
+          <p:nvSpPr>
+            <p:cNvPr id="9" name="Arrow: Right 8">
+              <a:extLst>
+                <a:ext uri="{FF2B5EF4-FFF2-40B4-BE49-F238E27FC236}">
+                  <a16:creationId xmlns:a16="http://schemas.microsoft.com/office/drawing/2014/main" id="{1E9CEFAC-4555-4244-9C4F-A6CDB1C0E89A}"/>
+                </a:ext>
+              </a:extLst>
+            </p:cNvPr>
+            <p:cNvSpPr/>
+            <p:nvPr/>
+          </p:nvSpPr>
+          <p:spPr>
+            <a:xfrm>
+              <a:off x="5478808" y="1771334"/>
+              <a:ext cx="1015481" cy="431816"/>
+            </a:xfrm>
+            <a:prstGeom prst="rightArrow">
+              <a:avLst/>
+            </a:prstGeom>
+          </p:spPr>
+          <p:style>
+            <a:lnRef idx="2">
+              <a:schemeClr val="dk1">
+                <a:shade val="50000"/>
+              </a:schemeClr>
+            </a:lnRef>
+            <a:fillRef idx="1">
+              <a:schemeClr val="dk1"/>
+            </a:fillRef>
+            <a:effectRef idx="0">
+              <a:schemeClr val="dk1"/>
+            </a:effectRef>
+            <a:fontRef idx="minor">
+              <a:schemeClr val="lt1"/>
+            </a:fontRef>
+          </p:style>
+          <p:txBody>
+            <a:bodyPr rtlCol="0" anchor="ctr"/>
+            <a:lstStyle/>
+            <a:p>
+              <a:pPr algn="ctr"/>
+              <a:endParaRPr lang="en-SG"/>
+            </a:p>
+          </p:txBody>
+        </p:sp>
+        <p:sp>
+          <p:nvSpPr>
+            <p:cNvPr id="7" name="TextBox 6">
+              <a:extLst>
+                <a:ext uri="{FF2B5EF4-FFF2-40B4-BE49-F238E27FC236}">
+                  <a16:creationId xmlns:a16="http://schemas.microsoft.com/office/drawing/2014/main" id="{5AEC58B3-6ACD-4A91-B1F3-F5AE8B87A1A7}"/>
+                </a:ext>
+              </a:extLst>
+            </p:cNvPr>
+            <p:cNvSpPr txBox="1"/>
+            <p:nvPr/>
+          </p:nvSpPr>
+          <p:spPr>
+            <a:xfrm>
+              <a:off x="4834210" y="1450832"/>
+              <a:ext cx="2152650" cy="369332"/>
+            </a:xfrm>
+            <a:prstGeom prst="rect">
+              <a:avLst/>
+            </a:prstGeom>
+            <a:noFill/>
+          </p:spPr>
+          <p:txBody>
+            <a:bodyPr wrap="square" rtlCol="0">
+              <a:spAutoFit/>
+            </a:bodyPr>
+            <a:lstStyle/>
+            <a:p>
+              <a:pPr algn="ctr"/>
+              <a:r>
+                <a:rPr lang="en-SG" dirty="0"/>
+                <a:t>&gt; 500</a:t>
+              </a:r>
+            </a:p>
+          </p:txBody>
+        </p:sp>
+        <p:sp>
+          <p:nvSpPr>
+            <p:cNvPr id="10" name="TextBox 9">
+              <a:extLst>
+                <a:ext uri="{FF2B5EF4-FFF2-40B4-BE49-F238E27FC236}">
+                  <a16:creationId xmlns:a16="http://schemas.microsoft.com/office/drawing/2014/main" id="{F6CE2D67-B537-446A-803C-2FB4D2F28308}"/>
+                </a:ext>
+              </a:extLst>
+            </p:cNvPr>
+            <p:cNvSpPr txBox="1"/>
+            <p:nvPr/>
+          </p:nvSpPr>
+          <p:spPr>
+            <a:xfrm>
+              <a:off x="6514072" y="2836182"/>
+              <a:ext cx="2152650" cy="369332"/>
+            </a:xfrm>
+            <a:prstGeom prst="rect">
+              <a:avLst/>
+            </a:prstGeom>
+            <a:noFill/>
+          </p:spPr>
+          <p:txBody>
+            <a:bodyPr wrap="square" rtlCol="0">
+              <a:spAutoFit/>
+            </a:bodyPr>
+            <a:lstStyle/>
+            <a:p>
+              <a:pPr algn="ctr"/>
+              <a:r>
+                <a:rPr lang="en-SG" dirty="0"/>
+                <a:t>&gt; 500 Pages</a:t>
+              </a:r>
+            </a:p>
+          </p:txBody>
+        </p:sp>
+        <p:pic>
+          <p:nvPicPr>
+            <p:cNvPr id="12" name="Picture 11">
+              <a:extLst>
+                <a:ext uri="{FF2B5EF4-FFF2-40B4-BE49-F238E27FC236}">
+                  <a16:creationId xmlns:a16="http://schemas.microsoft.com/office/drawing/2014/main" id="{C97D5B28-5258-40B3-9CCE-9D66738AC3E6}"/>
+                </a:ext>
+              </a:extLst>
+            </p:cNvPr>
+            <p:cNvPicPr>
+              <a:picLocks noChangeAspect="1"/>
+            </p:cNvPicPr>
+            <p:nvPr/>
+          </p:nvPicPr>
+          <p:blipFill>
+            <a:blip r:embed="rId5">
+              <a:extLst>
+                <a:ext uri="{28A0092B-C50C-407E-A947-70E740481C1C}">
+                  <a14:useLocalDpi xmlns:a14="http://schemas.microsoft.com/office/drawing/2010/main" val="0"/>
+                </a:ext>
+              </a:extLst>
+            </a:blip>
+            <a:stretch>
+              <a:fillRect/>
+            </a:stretch>
+          </p:blipFill>
+          <p:spPr>
+            <a:xfrm>
+              <a:off x="8924253" y="532379"/>
+              <a:ext cx="3490890" cy="2792712"/>
+            </a:xfrm>
+            <a:prstGeom prst="rect">
+              <a:avLst/>
+            </a:prstGeom>
+          </p:spPr>
+        </p:pic>
+      </p:grpSp>
+    </p:spTree>
+    <p:extLst>
+      <p:ext uri="{BB962C8B-B14F-4D97-AF65-F5344CB8AC3E}">
+        <p14:creationId xmlns:p14="http://schemas.microsoft.com/office/powerpoint/2010/main" val="2433756614"/>
+      </p:ext>
+    </p:extLst>
+  </p:cSld>
+  <p:clrMapOvr>
+    <a:masterClrMapping/>
+  </p:clrMapOvr>
+</p:sld>
+</file>
+
+<file path=ppt/slides/slide6.xml><?xml version="1.0" encoding="utf-8"?>
+<p:sld xmlns:a="http://schemas.openxmlformats.org/drawingml/2006/main" xmlns:r="http://schemas.openxmlformats.org/officeDocument/2006/relationships" xmlns:p="http://schemas.openxmlformats.org/presentationml/2006/main">
+  <p:cSld>
+    <p:spTree>
+      <p:nvGrpSpPr>
+        <p:cNvPr id="1" name=""/>
+        <p:cNvGrpSpPr/>
+        <p:nvPr/>
+      </p:nvGrpSpPr>
+      <p:grpSpPr>
+        <a:xfrm>
+          <a:off x="0" y="0"/>
+          <a:ext cx="0" cy="0"/>
+          <a:chOff x="0" y="0"/>
+          <a:chExt cx="0" cy="0"/>
+        </a:xfrm>
+      </p:grpSpPr>
+      <p:grpSp>
+        <p:nvGrpSpPr>
+          <p:cNvPr id="20" name="Group 19">
+            <a:extLst>
+              <a:ext uri="{FF2B5EF4-FFF2-40B4-BE49-F238E27FC236}">
+                <a16:creationId xmlns:a16="http://schemas.microsoft.com/office/drawing/2014/main" id="{2CC7FCFF-152E-4273-BA73-49E36FA79526}"/>
+              </a:ext>
+            </a:extLst>
+          </p:cNvPr>
+          <p:cNvGrpSpPr/>
+          <p:nvPr/>
+        </p:nvGrpSpPr>
+        <p:grpSpPr>
+          <a:xfrm>
+            <a:off x="2124058" y="197478"/>
+            <a:ext cx="4536516" cy="4977196"/>
+            <a:chOff x="2124057" y="197477"/>
+            <a:chExt cx="5390235" cy="5865043"/>
+          </a:xfrm>
+        </p:grpSpPr>
+        <p:grpSp>
+          <p:nvGrpSpPr>
+            <p:cNvPr id="4" name="Group 3">
+              <a:extLst>
+                <a:ext uri="{FF2B5EF4-FFF2-40B4-BE49-F238E27FC236}">
+                  <a16:creationId xmlns:a16="http://schemas.microsoft.com/office/drawing/2014/main" id="{2EE7DFD8-1008-44BA-B496-7438ABFF8917}"/>
+                </a:ext>
+              </a:extLst>
+            </p:cNvPr>
+            <p:cNvGrpSpPr/>
+            <p:nvPr/>
+          </p:nvGrpSpPr>
+          <p:grpSpPr>
+            <a:xfrm>
+              <a:off x="2204437" y="197477"/>
+              <a:ext cx="5038028" cy="3075659"/>
+              <a:chOff x="140235" y="1542825"/>
+              <a:chExt cx="5306508" cy="3330057"/>
+            </a:xfrm>
+          </p:grpSpPr>
+          <p:pic>
+            <p:nvPicPr>
+              <p:cNvPr id="5" name="Picture 7" descr="https://lh6.googleusercontent.com/ph636ed22ufL3pAHTH6tDsq0Lk7Wq9Bd66AHM1UE9oFKqf-p3r3kHrJXEzEQMT5g3a_0vCd7yGRo78Cs1PwZVrCY9AkBEiurkllzRzprcgcTe7Sgo4ysRjPg19z9IhWwbSKqwj9pszzU11ws76G0riLxv2DGtfIftHX1h8XwbVRvzt_0Lfxb7Q">
+                <a:extLst>
+                  <a:ext uri="{FF2B5EF4-FFF2-40B4-BE49-F238E27FC236}">
+                    <a16:creationId xmlns:a16="http://schemas.microsoft.com/office/drawing/2014/main" id="{2CE52C83-B32C-4516-AE36-6118215FA499}"/>
+                  </a:ext>
+                </a:extLst>
+              </p:cNvPr>
+              <p:cNvPicPr>
+                <a:picLocks noChangeAspect="1" noChangeArrowheads="1"/>
+              </p:cNvPicPr>
+              <p:nvPr/>
+            </p:nvPicPr>
+            <p:blipFill>
+              <a:blip r:embed="rId2">
+                <a:extLst>
+                  <a:ext uri="{28A0092B-C50C-407E-A947-70E740481C1C}">
+                    <a14:useLocalDpi xmlns:a14="http://schemas.microsoft.com/office/drawing/2010/main" val="0"/>
+                  </a:ext>
+                </a:extLst>
+              </a:blip>
+              <a:srcRect/>
+              <a:stretch>
+                <a:fillRect/>
+              </a:stretch>
+            </p:blipFill>
+            <p:spPr bwMode="auto">
+              <a:xfrm>
+                <a:off x="140235" y="1542825"/>
+                <a:ext cx="5306508" cy="3330057"/>
+              </a:xfrm>
+              <a:prstGeom prst="rect">
+                <a:avLst/>
+              </a:prstGeom>
+              <a:noFill/>
+              <a:extLst>
+                <a:ext uri="{909E8E84-426E-40DD-AFC4-6F175D3DCCD1}">
+                  <a14:hiddenFill xmlns:a14="http://schemas.microsoft.com/office/drawing/2010/main">
+                    <a:solidFill>
+                      <a:srgbClr val="FFFFFF"/>
+                    </a:solidFill>
+                  </a14:hiddenFill>
+                </a:ext>
+              </a:extLst>
+            </p:spPr>
+          </p:pic>
+          <p:pic>
+            <p:nvPicPr>
+              <p:cNvPr id="6" name="Picture 11" descr="https://lh6.googleusercontent.com/V0j8Nzxm73sZdvYptJZ5wb-Q2LicKXPTb9bq9vCdwKkrj-dBXUQuUGQJv6IcFsksII3rhAHslm3aFemb6JzUqudPKHUBtiFAj-AT3DhbTTTMS2VF4_l_NGoIePOMiEoLpE399r3nM1bBDpBxaKjfl1oxyKruAKP4mj_WM7_X6LuOnZkY9-mC5A">
+                <a:extLst>
+                  <a:ext uri="{FF2B5EF4-FFF2-40B4-BE49-F238E27FC236}">
+                    <a16:creationId xmlns:a16="http://schemas.microsoft.com/office/drawing/2014/main" id="{ACFD07C3-747A-4CF4-8244-715E6ABAB323}"/>
+                  </a:ext>
+                </a:extLst>
+              </p:cNvPr>
+              <p:cNvPicPr>
+                <a:picLocks noChangeAspect="1" noChangeArrowheads="1"/>
+              </p:cNvPicPr>
+              <p:nvPr/>
+            </p:nvPicPr>
+            <p:blipFill>
+              <a:blip r:embed="rId3">
+                <a:extLst>
+                  <a:ext uri="{28A0092B-C50C-407E-A947-70E740481C1C}">
+                    <a14:useLocalDpi xmlns:a14="http://schemas.microsoft.com/office/drawing/2010/main" val="0"/>
+                  </a:ext>
+                </a:extLst>
+              </a:blip>
+              <a:srcRect/>
+              <a:stretch>
+                <a:fillRect/>
+              </a:stretch>
+            </p:blipFill>
+            <p:spPr bwMode="auto">
+              <a:xfrm>
+                <a:off x="1222969" y="1930579"/>
+                <a:ext cx="3130668" cy="690427"/>
+              </a:xfrm>
+              <a:prstGeom prst="rect">
+                <a:avLst/>
+              </a:prstGeom>
+              <a:noFill/>
+              <a:extLst>
+                <a:ext uri="{909E8E84-426E-40DD-AFC4-6F175D3DCCD1}">
+                  <a14:hiddenFill xmlns:a14="http://schemas.microsoft.com/office/drawing/2010/main">
+                    <a:solidFill>
+                      <a:srgbClr val="FFFFFF"/>
+                    </a:solidFill>
+                  </a14:hiddenFill>
+                </a:ext>
+              </a:extLst>
+            </p:spPr>
+          </p:pic>
+          <p:sp>
+            <p:nvSpPr>
+              <p:cNvPr id="7" name="Rectangle 6">
+                <a:extLst>
+                  <a:ext uri="{FF2B5EF4-FFF2-40B4-BE49-F238E27FC236}">
+                    <a16:creationId xmlns:a16="http://schemas.microsoft.com/office/drawing/2014/main" id="{AD13535D-15F6-474C-A44A-23095C878444}"/>
+                  </a:ext>
+                </a:extLst>
+              </p:cNvPr>
+              <p:cNvSpPr/>
+              <p:nvPr/>
+            </p:nvSpPr>
+            <p:spPr>
+              <a:xfrm>
+                <a:off x="3202970" y="4358303"/>
+                <a:ext cx="614149" cy="218365"/>
+              </a:xfrm>
+              <a:prstGeom prst="rect">
+                <a:avLst/>
+              </a:prstGeom>
+              <a:noFill/>
+              <a:ln w="28575">
+                <a:solidFill>
+                  <a:srgbClr val="FF0000"/>
+                </a:solidFill>
+              </a:ln>
+            </p:spPr>
+            <p:style>
+              <a:lnRef idx="2">
+                <a:schemeClr val="accent1">
+                  <a:shade val="50000"/>
+                </a:schemeClr>
+              </a:lnRef>
+              <a:fillRef idx="1">
+                <a:schemeClr val="accent1"/>
+              </a:fillRef>
+              <a:effectRef idx="0">
+                <a:schemeClr val="accent1"/>
+              </a:effectRef>
+              <a:fontRef idx="minor">
+                <a:schemeClr val="lt1"/>
+              </a:fontRef>
+            </p:style>
+            <p:txBody>
+              <a:bodyPr rtlCol="0" anchor="ctr"/>
+              <a:lstStyle/>
+              <a:p>
+                <a:pPr algn="ctr"/>
+                <a:endParaRPr lang="en-SG"/>
+              </a:p>
+            </p:txBody>
+          </p:sp>
+        </p:grpSp>
+        <p:grpSp>
+          <p:nvGrpSpPr>
+            <p:cNvPr id="8" name="Group 7">
+              <a:extLst>
+                <a:ext uri="{FF2B5EF4-FFF2-40B4-BE49-F238E27FC236}">
+                  <a16:creationId xmlns:a16="http://schemas.microsoft.com/office/drawing/2014/main" id="{F31D193D-6504-404D-865F-5AF1D57BBDD2}"/>
+                </a:ext>
+              </a:extLst>
+            </p:cNvPr>
+            <p:cNvGrpSpPr/>
+            <p:nvPr/>
+          </p:nvGrpSpPr>
+          <p:grpSpPr>
+            <a:xfrm>
+              <a:off x="2124057" y="3418609"/>
+              <a:ext cx="2696265" cy="2643911"/>
+              <a:chOff x="679648" y="4669223"/>
+              <a:chExt cx="2135657" cy="1948030"/>
+            </a:xfrm>
+          </p:grpSpPr>
+          <p:grpSp>
+            <p:nvGrpSpPr>
+              <p:cNvPr id="9" name="Group 8">
+                <a:extLst>
+                  <a:ext uri="{FF2B5EF4-FFF2-40B4-BE49-F238E27FC236}">
+                    <a16:creationId xmlns:a16="http://schemas.microsoft.com/office/drawing/2014/main" id="{BB89DBA5-E0D5-442F-8B91-70664E7FE8D2}"/>
+                  </a:ext>
+                </a:extLst>
+              </p:cNvPr>
+              <p:cNvGrpSpPr/>
+              <p:nvPr/>
+            </p:nvGrpSpPr>
+            <p:grpSpPr>
+              <a:xfrm>
+                <a:off x="752475" y="4669223"/>
+                <a:ext cx="2062830" cy="1948030"/>
+                <a:chOff x="6862762" y="1096855"/>
+                <a:chExt cx="5692096" cy="6086476"/>
+              </a:xfrm>
+            </p:grpSpPr>
+            <p:pic>
+              <p:nvPicPr>
+                <p:cNvPr id="11" name="Picture 10">
+                  <a:extLst>
+                    <a:ext uri="{FF2B5EF4-FFF2-40B4-BE49-F238E27FC236}">
+                      <a16:creationId xmlns:a16="http://schemas.microsoft.com/office/drawing/2014/main" id="{30589953-C47C-4F77-A2DA-0E3EEEC075A2}"/>
+                    </a:ext>
+                  </a:extLst>
+                </p:cNvPr>
+                <p:cNvPicPr>
+                  <a:picLocks noChangeAspect="1"/>
+                </p:cNvPicPr>
+                <p:nvPr/>
+              </p:nvPicPr>
+              <p:blipFill rotWithShape="1">
+                <a:blip r:embed="rId4"/>
+                <a:srcRect t="4014" r="8947"/>
+                <a:stretch/>
+              </p:blipFill>
+              <p:spPr>
+                <a:xfrm>
+                  <a:off x="6862762" y="1096855"/>
+                  <a:ext cx="823913" cy="5467350"/>
+                </a:xfrm>
+                <a:prstGeom prst="rect">
+                  <a:avLst/>
+                </a:prstGeom>
+              </p:spPr>
+            </p:pic>
+            <p:pic>
+              <p:nvPicPr>
+                <p:cNvPr id="12" name="Picture 11">
+                  <a:extLst>
+                    <a:ext uri="{FF2B5EF4-FFF2-40B4-BE49-F238E27FC236}">
+                      <a16:creationId xmlns:a16="http://schemas.microsoft.com/office/drawing/2014/main" id="{8284D545-65E9-4AF2-BD39-2BA95FB327EC}"/>
+                    </a:ext>
+                  </a:extLst>
+                </p:cNvPr>
+                <p:cNvPicPr>
+                  <a:picLocks noChangeAspect="1"/>
+                </p:cNvPicPr>
+                <p:nvPr/>
+              </p:nvPicPr>
+              <p:blipFill rotWithShape="1">
+                <a:blip r:embed="rId5"/>
+                <a:srcRect l="2013" t="3626" r="1735"/>
+                <a:stretch/>
+              </p:blipFill>
+              <p:spPr>
+                <a:xfrm>
+                  <a:off x="7686676" y="1106381"/>
+                  <a:ext cx="4868182" cy="6076950"/>
+                </a:xfrm>
+                <a:prstGeom prst="rect">
+                  <a:avLst/>
+                </a:prstGeom>
+              </p:spPr>
+            </p:pic>
+          </p:grpSp>
+          <p:pic>
+            <p:nvPicPr>
+              <p:cNvPr id="10" name="Picture 9">
+                <a:extLst>
+                  <a:ext uri="{FF2B5EF4-FFF2-40B4-BE49-F238E27FC236}">
+                    <a16:creationId xmlns:a16="http://schemas.microsoft.com/office/drawing/2014/main" id="{5ACD60A2-E616-43BC-9BC8-6F1F699956C9}"/>
+                  </a:ext>
+                </a:extLst>
+              </p:cNvPr>
+              <p:cNvPicPr>
+                <a:picLocks noChangeAspect="1"/>
+              </p:cNvPicPr>
+              <p:nvPr/>
+            </p:nvPicPr>
+            <p:blipFill>
+              <a:blip r:embed="rId6"/>
+              <a:stretch>
+                <a:fillRect/>
+              </a:stretch>
+            </p:blipFill>
+            <p:spPr>
+              <a:xfrm rot="16200000">
+                <a:off x="639680" y="5398455"/>
+                <a:ext cx="170774" cy="90837"/>
+              </a:xfrm>
+              <a:prstGeom prst="rect">
+                <a:avLst/>
+              </a:prstGeom>
+            </p:spPr>
+          </p:pic>
+        </p:grpSp>
+        <p:grpSp>
+          <p:nvGrpSpPr>
+            <p:cNvPr id="13" name="Group 12">
+              <a:extLst>
+                <a:ext uri="{FF2B5EF4-FFF2-40B4-BE49-F238E27FC236}">
+                  <a16:creationId xmlns:a16="http://schemas.microsoft.com/office/drawing/2014/main" id="{361E57C1-349A-4881-9AE5-4C0D787EF354}"/>
+                </a:ext>
+              </a:extLst>
+            </p:cNvPr>
+            <p:cNvGrpSpPr/>
+            <p:nvPr/>
+          </p:nvGrpSpPr>
+          <p:grpSpPr>
+            <a:xfrm>
+              <a:off x="5051160" y="3620877"/>
+              <a:ext cx="2463132" cy="2005444"/>
+              <a:chOff x="1504774" y="2839347"/>
+              <a:chExt cx="3778426" cy="3076030"/>
+            </a:xfrm>
+          </p:grpSpPr>
+          <p:grpSp>
+            <p:nvGrpSpPr>
+              <p:cNvPr id="14" name="Group 13">
+                <a:extLst>
+                  <a:ext uri="{FF2B5EF4-FFF2-40B4-BE49-F238E27FC236}">
+                    <a16:creationId xmlns:a16="http://schemas.microsoft.com/office/drawing/2014/main" id="{A8C2B367-902F-48BA-84ED-B6C9EC5E9D9B}"/>
+                  </a:ext>
+                </a:extLst>
+              </p:cNvPr>
+              <p:cNvGrpSpPr/>
+              <p:nvPr/>
+            </p:nvGrpSpPr>
+            <p:grpSpPr>
+              <a:xfrm>
+                <a:off x="1504774" y="2839347"/>
+                <a:ext cx="3778426" cy="3076030"/>
+                <a:chOff x="7334249" y="40433"/>
+                <a:chExt cx="3963353" cy="2911047"/>
+              </a:xfrm>
+            </p:grpSpPr>
+            <p:pic>
+              <p:nvPicPr>
+                <p:cNvPr id="16" name="Picture 15">
+                  <a:extLst>
+                    <a:ext uri="{FF2B5EF4-FFF2-40B4-BE49-F238E27FC236}">
+                      <a16:creationId xmlns:a16="http://schemas.microsoft.com/office/drawing/2014/main" id="{BA801B41-18E8-42F7-A283-AA06754CAA88}"/>
+                    </a:ext>
+                  </a:extLst>
+                </p:cNvPr>
+                <p:cNvPicPr>
+                  <a:picLocks noChangeAspect="1"/>
+                </p:cNvPicPr>
+                <p:nvPr/>
+              </p:nvPicPr>
+              <p:blipFill>
+                <a:blip r:embed="rId7"/>
+                <a:stretch>
+                  <a:fillRect/>
+                </a:stretch>
+              </p:blipFill>
+              <p:spPr>
+                <a:xfrm>
+                  <a:off x="7334249" y="309245"/>
+                  <a:ext cx="3963353" cy="2642235"/>
+                </a:xfrm>
+                <a:prstGeom prst="rect">
+                  <a:avLst/>
+                </a:prstGeom>
+              </p:spPr>
+            </p:pic>
+            <p:pic>
+              <p:nvPicPr>
+                <p:cNvPr id="17" name="Picture 16">
+                  <a:extLst>
+                    <a:ext uri="{FF2B5EF4-FFF2-40B4-BE49-F238E27FC236}">
+                      <a16:creationId xmlns:a16="http://schemas.microsoft.com/office/drawing/2014/main" id="{C7984670-998D-4434-B3F0-BAC261CBFCBC}"/>
+                    </a:ext>
+                  </a:extLst>
+                </p:cNvPr>
+                <p:cNvPicPr>
+                  <a:picLocks noChangeAspect="1"/>
+                </p:cNvPicPr>
+                <p:nvPr/>
+              </p:nvPicPr>
+              <p:blipFill>
+                <a:blip r:embed="rId8"/>
+                <a:stretch>
+                  <a:fillRect/>
+                </a:stretch>
+              </p:blipFill>
+              <p:spPr>
+                <a:xfrm>
+                  <a:off x="9006840" y="227186"/>
+                  <a:ext cx="1348740" cy="164117"/>
+                </a:xfrm>
+                <a:prstGeom prst="rect">
+                  <a:avLst/>
+                </a:prstGeom>
+              </p:spPr>
+            </p:pic>
+            <p:pic>
+              <p:nvPicPr>
+                <p:cNvPr id="18" name="Picture 17">
+                  <a:extLst>
+                    <a:ext uri="{FF2B5EF4-FFF2-40B4-BE49-F238E27FC236}">
+                      <a16:creationId xmlns:a16="http://schemas.microsoft.com/office/drawing/2014/main" id="{94266925-360C-40AA-9DA3-28F01DB55B1D}"/>
+                    </a:ext>
+                  </a:extLst>
+                </p:cNvPr>
+                <p:cNvPicPr>
+                  <a:picLocks noChangeAspect="1"/>
+                </p:cNvPicPr>
+                <p:nvPr/>
+              </p:nvPicPr>
+              <p:blipFill>
+                <a:blip r:embed="rId9"/>
+                <a:stretch>
+                  <a:fillRect/>
+                </a:stretch>
+              </p:blipFill>
+              <p:spPr>
+                <a:xfrm>
+                  <a:off x="7619999" y="40433"/>
+                  <a:ext cx="2000251" cy="159800"/>
+                </a:xfrm>
+                <a:prstGeom prst="rect">
+                  <a:avLst/>
+                </a:prstGeom>
+              </p:spPr>
+            </p:pic>
+          </p:grpSp>
+          <p:pic>
+            <p:nvPicPr>
+              <p:cNvPr id="15" name="Picture 14">
+                <a:extLst>
+                  <a:ext uri="{FF2B5EF4-FFF2-40B4-BE49-F238E27FC236}">
+                    <a16:creationId xmlns:a16="http://schemas.microsoft.com/office/drawing/2014/main" id="{92132F12-1147-49CD-9A59-EC928467D465}"/>
+                  </a:ext>
+                </a:extLst>
+              </p:cNvPr>
+              <p:cNvPicPr>
+                <a:picLocks noChangeAspect="1"/>
+              </p:cNvPicPr>
+              <p:nvPr/>
+            </p:nvPicPr>
+            <p:blipFill>
+              <a:blip r:embed="rId10"/>
+              <a:stretch>
+                <a:fillRect/>
+              </a:stretch>
+            </p:blipFill>
+            <p:spPr>
+              <a:xfrm>
+                <a:off x="2070623" y="3426785"/>
+                <a:ext cx="2057400" cy="379379"/>
+              </a:xfrm>
+              <a:prstGeom prst="rect">
+                <a:avLst/>
+              </a:prstGeom>
+            </p:spPr>
+          </p:pic>
+        </p:grpSp>
+      </p:grpSp>
+    </p:spTree>
+    <p:extLst>
+      <p:ext uri="{BB962C8B-B14F-4D97-AF65-F5344CB8AC3E}">
+        <p14:creationId xmlns:p14="http://schemas.microsoft.com/office/powerpoint/2010/main" val="2390094387"/>
+      </p:ext>
+    </p:extLst>
+  </p:cSld>
+  <p:clrMapOvr>
+    <a:masterClrMapping/>
+  </p:clrMapOvr>
+</p:sld>
+</file>
+
+<file path=ppt/slides/slide7.xml><?xml version="1.0" encoding="utf-8"?>
+<p:sld xmlns:a="http://schemas.openxmlformats.org/drawingml/2006/main" xmlns:r="http://schemas.openxmlformats.org/officeDocument/2006/relationships" xmlns:p="http://schemas.openxmlformats.org/presentationml/2006/main">
+  <p:cSld>
+    <p:spTree>
+      <p:nvGrpSpPr>
+        <p:cNvPr id="1" name=""/>
+        <p:cNvGrpSpPr/>
+        <p:nvPr/>
+      </p:nvGrpSpPr>
+      <p:grpSpPr>
+        <a:xfrm>
+          <a:off x="0" y="0"/>
+          <a:ext cx="0" cy="0"/>
+          <a:chOff x="0" y="0"/>
+          <a:chExt cx="0" cy="0"/>
+        </a:xfrm>
+      </p:grpSpPr>
       <p:sp>
         <p:nvSpPr>
           <p:cNvPr id="2" name="Title 1">
@@ -9160,7 +10858,7 @@
 </p:sld>
 </file>
 
-<file path=ppt/slides/slide6.xml><?xml version="1.0" encoding="utf-8"?>
+<file path=ppt/slides/slide8.xml><?xml version="1.0" encoding="utf-8"?>
 <p:sld xmlns:a="http://schemas.openxmlformats.org/drawingml/2006/main" xmlns:r="http://schemas.openxmlformats.org/officeDocument/2006/relationships" xmlns:p="http://schemas.openxmlformats.org/presentationml/2006/main">
   <p:cSld>
     <p:spTree>
@@ -9436,7 +11134,7 @@
 </p:sld>
 </file>
 
-<file path=ppt/slides/slide7.xml><?xml version="1.0" encoding="utf-8"?>
+<file path=ppt/slides/slide9.xml><?xml version="1.0" encoding="utf-8"?>
 <p:sld xmlns:a="http://schemas.openxmlformats.org/drawingml/2006/main" xmlns:r="http://schemas.openxmlformats.org/officeDocument/2006/relationships" xmlns:p="http://schemas.openxmlformats.org/presentationml/2006/main">
   <p:cSld>
     <p:spTree>
@@ -9859,825 +11557,6 @@
 </p:sld>
 </file>
 
-<file path=ppt/slides/slide8.xml><?xml version="1.0" encoding="utf-8"?>
-<p:sld xmlns:a="http://schemas.openxmlformats.org/drawingml/2006/main" xmlns:r="http://schemas.openxmlformats.org/officeDocument/2006/relationships" xmlns:p="http://schemas.openxmlformats.org/presentationml/2006/main">
-  <p:cSld>
-    <p:spTree>
-      <p:nvGrpSpPr>
-        <p:cNvPr id="1" name=""/>
-        <p:cNvGrpSpPr/>
-        <p:nvPr/>
-      </p:nvGrpSpPr>
-      <p:grpSpPr>
-        <a:xfrm>
-          <a:off x="0" y="0"/>
-          <a:ext cx="0" cy="0"/>
-          <a:chOff x="0" y="0"/>
-          <a:chExt cx="0" cy="0"/>
-        </a:xfrm>
-      </p:grpSpPr>
-      <p:sp>
-        <p:nvSpPr>
-          <p:cNvPr id="2" name="Title 1">
-            <a:extLst>
-              <a:ext uri="{FF2B5EF4-FFF2-40B4-BE49-F238E27FC236}">
-                <a16:creationId xmlns:a16="http://schemas.microsoft.com/office/drawing/2014/main" id="{FE839F3C-1493-4CF8-97F3-F2BED1A85040}"/>
-              </a:ext>
-            </a:extLst>
-          </p:cNvPr>
-          <p:cNvSpPr>
-            <a:spLocks noGrp="1"/>
-          </p:cNvSpPr>
-          <p:nvPr>
-            <p:ph type="title"/>
-          </p:nvPr>
-        </p:nvSpPr>
-        <p:spPr/>
-        <p:txBody>
-          <a:bodyPr/>
-          <a:lstStyle/>
-          <a:p>
-            <a:r>
-              <a:rPr lang="en-SG" dirty="0"/>
-              <a:t>Motivation for using </a:t>
-            </a:r>
-            <a:r>
-              <a:rPr lang="en-SG" dirty="0" err="1"/>
-              <a:t>Plotly</a:t>
-            </a:r>
-            <a:r>
-              <a:rPr lang="en-SG" dirty="0"/>
-              <a:t> and </a:t>
-            </a:r>
-            <a:r>
-              <a:rPr lang="en-SG" dirty="0" err="1"/>
-              <a:t>Trelliscopejs</a:t>
-            </a:r>
-            <a:r>
-              <a:rPr lang="en-SG" dirty="0"/>
-              <a:t> </a:t>
-            </a:r>
-          </a:p>
-        </p:txBody>
-      </p:sp>
-      <p:sp>
-        <p:nvSpPr>
-          <p:cNvPr id="3" name="Content Placeholder 2">
-            <a:extLst>
-              <a:ext uri="{FF2B5EF4-FFF2-40B4-BE49-F238E27FC236}">
-                <a16:creationId xmlns:a16="http://schemas.microsoft.com/office/drawing/2014/main" id="{98A5F317-8348-4089-A804-EFCC3B15361D}"/>
-              </a:ext>
-            </a:extLst>
-          </p:cNvPr>
-          <p:cNvSpPr>
-            <a:spLocks noGrp="1"/>
-          </p:cNvSpPr>
-          <p:nvPr>
-            <p:ph idx="1"/>
-          </p:nvPr>
-        </p:nvSpPr>
-        <p:spPr>
-          <a:xfrm>
-            <a:off x="838200" y="1388533"/>
-            <a:ext cx="10515600" cy="970845"/>
-          </a:xfrm>
-        </p:spPr>
-        <p:txBody>
-          <a:bodyPr>
-            <a:normAutofit lnSpcReduction="10000"/>
-          </a:bodyPr>
-          <a:lstStyle/>
-          <a:p>
-            <a:r>
-              <a:rPr lang="en-SG" dirty="0"/>
-              <a:t>New QC sample types, leading to different plot type</a:t>
-            </a:r>
-          </a:p>
-          <a:p>
-            <a:r>
-              <a:rPr lang="en-SG" dirty="0"/>
-              <a:t>Leading to </a:t>
-            </a:r>
-            <a:r>
-              <a:rPr lang="en-SG" dirty="0">
-                <a:solidFill>
-                  <a:srgbClr val="FF0000"/>
-                </a:solidFill>
-              </a:rPr>
-              <a:t>multiple</a:t>
-            </a:r>
-            <a:r>
-              <a:rPr lang="en-SG" dirty="0"/>
-              <a:t> &gt; 500-pages pdf file</a:t>
-            </a:r>
-            <a:r>
-              <a:rPr lang="en-SG" dirty="0">
-                <a:solidFill>
-                  <a:srgbClr val="FF0000"/>
-                </a:solidFill>
-              </a:rPr>
-              <a:t>s</a:t>
-            </a:r>
-            <a:r>
-              <a:rPr lang="en-SG" dirty="0"/>
-              <a:t> full of plots.</a:t>
-            </a:r>
-          </a:p>
-        </p:txBody>
-      </p:sp>
-      <p:grpSp>
-        <p:nvGrpSpPr>
-          <p:cNvPr id="12" name="Group 11">
-            <a:extLst>
-              <a:ext uri="{FF2B5EF4-FFF2-40B4-BE49-F238E27FC236}">
-                <a16:creationId xmlns:a16="http://schemas.microsoft.com/office/drawing/2014/main" id="{623FC676-9A22-44A4-816D-7F57D75016CA}"/>
-              </a:ext>
-            </a:extLst>
-          </p:cNvPr>
-          <p:cNvGrpSpPr/>
-          <p:nvPr/>
-        </p:nvGrpSpPr>
-        <p:grpSpPr>
-          <a:xfrm>
-            <a:off x="3216860" y="4564448"/>
-            <a:ext cx="2525094" cy="1890880"/>
-            <a:chOff x="1504774" y="2839347"/>
-            <a:chExt cx="3778426" cy="3076030"/>
-          </a:xfrm>
-        </p:grpSpPr>
-        <p:grpSp>
-          <p:nvGrpSpPr>
-            <p:cNvPr id="5" name="Group 4">
-              <a:extLst>
-                <a:ext uri="{FF2B5EF4-FFF2-40B4-BE49-F238E27FC236}">
-                  <a16:creationId xmlns:a16="http://schemas.microsoft.com/office/drawing/2014/main" id="{2C4492DF-A518-4F1B-8F64-346B9039C6D1}"/>
-                </a:ext>
-              </a:extLst>
-            </p:cNvPr>
-            <p:cNvGrpSpPr/>
-            <p:nvPr/>
-          </p:nvGrpSpPr>
-          <p:grpSpPr>
-            <a:xfrm>
-              <a:off x="1504774" y="2839347"/>
-              <a:ext cx="3778426" cy="3076030"/>
-              <a:chOff x="7334249" y="40433"/>
-              <a:chExt cx="3963353" cy="2911047"/>
-            </a:xfrm>
-          </p:grpSpPr>
-          <p:pic>
-            <p:nvPicPr>
-              <p:cNvPr id="6" name="Picture 5">
-                <a:extLst>
-                  <a:ext uri="{FF2B5EF4-FFF2-40B4-BE49-F238E27FC236}">
-                    <a16:creationId xmlns:a16="http://schemas.microsoft.com/office/drawing/2014/main" id="{2ADA06C1-F0AE-4D32-A7ED-FC1C62D016E6}"/>
-                  </a:ext>
-                </a:extLst>
-              </p:cNvPr>
-              <p:cNvPicPr>
-                <a:picLocks noChangeAspect="1"/>
-              </p:cNvPicPr>
-              <p:nvPr/>
-            </p:nvPicPr>
-            <p:blipFill>
-              <a:blip r:embed="rId2"/>
-              <a:stretch>
-                <a:fillRect/>
-              </a:stretch>
-            </p:blipFill>
-            <p:spPr>
-              <a:xfrm>
-                <a:off x="7334249" y="309245"/>
-                <a:ext cx="3963353" cy="2642235"/>
-              </a:xfrm>
-              <a:prstGeom prst="rect">
-                <a:avLst/>
-              </a:prstGeom>
-            </p:spPr>
-          </p:pic>
-          <p:pic>
-            <p:nvPicPr>
-              <p:cNvPr id="7" name="Picture 6">
-                <a:extLst>
-                  <a:ext uri="{FF2B5EF4-FFF2-40B4-BE49-F238E27FC236}">
-                    <a16:creationId xmlns:a16="http://schemas.microsoft.com/office/drawing/2014/main" id="{FA5D2B3F-B6D8-4A23-A776-8E8198978919}"/>
-                  </a:ext>
-                </a:extLst>
-              </p:cNvPr>
-              <p:cNvPicPr>
-                <a:picLocks noChangeAspect="1"/>
-              </p:cNvPicPr>
-              <p:nvPr/>
-            </p:nvPicPr>
-            <p:blipFill>
-              <a:blip r:embed="rId3"/>
-              <a:stretch>
-                <a:fillRect/>
-              </a:stretch>
-            </p:blipFill>
-            <p:spPr>
-              <a:xfrm>
-                <a:off x="9006840" y="227186"/>
-                <a:ext cx="1348740" cy="164117"/>
-              </a:xfrm>
-              <a:prstGeom prst="rect">
-                <a:avLst/>
-              </a:prstGeom>
-            </p:spPr>
-          </p:pic>
-          <p:pic>
-            <p:nvPicPr>
-              <p:cNvPr id="8" name="Picture 7">
-                <a:extLst>
-                  <a:ext uri="{FF2B5EF4-FFF2-40B4-BE49-F238E27FC236}">
-                    <a16:creationId xmlns:a16="http://schemas.microsoft.com/office/drawing/2014/main" id="{330F1451-A7C3-4C4B-A276-702A54902BB7}"/>
-                  </a:ext>
-                </a:extLst>
-              </p:cNvPr>
-              <p:cNvPicPr>
-                <a:picLocks noChangeAspect="1"/>
-              </p:cNvPicPr>
-              <p:nvPr/>
-            </p:nvPicPr>
-            <p:blipFill>
-              <a:blip r:embed="rId4"/>
-              <a:stretch>
-                <a:fillRect/>
-              </a:stretch>
-            </p:blipFill>
-            <p:spPr>
-              <a:xfrm>
-                <a:off x="7619999" y="40433"/>
-                <a:ext cx="2000251" cy="159800"/>
-              </a:xfrm>
-              <a:prstGeom prst="rect">
-                <a:avLst/>
-              </a:prstGeom>
-            </p:spPr>
-          </p:pic>
-        </p:grpSp>
-        <p:pic>
-          <p:nvPicPr>
-            <p:cNvPr id="9" name="Picture 8">
-              <a:extLst>
-                <a:ext uri="{FF2B5EF4-FFF2-40B4-BE49-F238E27FC236}">
-                  <a16:creationId xmlns:a16="http://schemas.microsoft.com/office/drawing/2014/main" id="{730BE2F2-D677-404C-BE72-740985D15BBC}"/>
-                </a:ext>
-              </a:extLst>
-            </p:cNvPr>
-            <p:cNvPicPr>
-              <a:picLocks noChangeAspect="1"/>
-            </p:cNvPicPr>
-            <p:nvPr/>
-          </p:nvPicPr>
-          <p:blipFill>
-            <a:blip r:embed="rId5"/>
-            <a:stretch>
-              <a:fillRect/>
-            </a:stretch>
-          </p:blipFill>
-          <p:spPr>
-            <a:xfrm>
-              <a:off x="2070623" y="3426785"/>
-              <a:ext cx="2057400" cy="379379"/>
-            </a:xfrm>
-            <a:prstGeom prst="rect">
-              <a:avLst/>
-            </a:prstGeom>
-          </p:spPr>
-        </p:pic>
-      </p:grpSp>
-      <p:pic>
-        <p:nvPicPr>
-          <p:cNvPr id="15" name="Picture 14">
-            <a:extLst>
-              <a:ext uri="{FF2B5EF4-FFF2-40B4-BE49-F238E27FC236}">
-                <a16:creationId xmlns:a16="http://schemas.microsoft.com/office/drawing/2014/main" id="{D969F8F6-088E-498C-8D6F-E0957C261DB3}"/>
-              </a:ext>
-            </a:extLst>
-          </p:cNvPr>
-          <p:cNvPicPr>
-            <a:picLocks noChangeAspect="1"/>
-          </p:cNvPicPr>
-          <p:nvPr/>
-        </p:nvPicPr>
-        <p:blipFill>
-          <a:blip r:embed="rId6"/>
-          <a:stretch>
-            <a:fillRect/>
-          </a:stretch>
-        </p:blipFill>
-        <p:spPr>
-          <a:xfrm>
-            <a:off x="1106869" y="2373811"/>
-            <a:ext cx="4635085" cy="1996077"/>
-          </a:xfrm>
-          <a:prstGeom prst="rect">
-            <a:avLst/>
-          </a:prstGeom>
-        </p:spPr>
-      </p:pic>
-      <p:grpSp>
-        <p:nvGrpSpPr>
-          <p:cNvPr id="20" name="Group 19">
-            <a:extLst>
-              <a:ext uri="{FF2B5EF4-FFF2-40B4-BE49-F238E27FC236}">
-                <a16:creationId xmlns:a16="http://schemas.microsoft.com/office/drawing/2014/main" id="{8E672380-B2D9-4153-A2D2-2EF0C5B6CD6E}"/>
-              </a:ext>
-            </a:extLst>
-          </p:cNvPr>
-          <p:cNvGrpSpPr/>
-          <p:nvPr/>
-        </p:nvGrpSpPr>
-        <p:grpSpPr>
-          <a:xfrm>
-            <a:off x="984448" y="4516823"/>
-            <a:ext cx="2135657" cy="1948030"/>
-            <a:chOff x="679648" y="4669223"/>
-            <a:chExt cx="2135657" cy="1948030"/>
-          </a:xfrm>
-        </p:grpSpPr>
-        <p:grpSp>
-          <p:nvGrpSpPr>
-            <p:cNvPr id="18" name="Group 17">
-              <a:extLst>
-                <a:ext uri="{FF2B5EF4-FFF2-40B4-BE49-F238E27FC236}">
-                  <a16:creationId xmlns:a16="http://schemas.microsoft.com/office/drawing/2014/main" id="{D2DE6C4C-DA2B-42E2-8B69-D94FED6F4432}"/>
-                </a:ext>
-              </a:extLst>
-            </p:cNvPr>
-            <p:cNvGrpSpPr/>
-            <p:nvPr/>
-          </p:nvGrpSpPr>
-          <p:grpSpPr>
-            <a:xfrm>
-              <a:off x="752475" y="4669223"/>
-              <a:ext cx="2062830" cy="1948030"/>
-              <a:chOff x="6862762" y="1096855"/>
-              <a:chExt cx="5692096" cy="6086476"/>
-            </a:xfrm>
-          </p:grpSpPr>
-          <p:pic>
-            <p:nvPicPr>
-              <p:cNvPr id="16" name="Picture 15">
-                <a:extLst>
-                  <a:ext uri="{FF2B5EF4-FFF2-40B4-BE49-F238E27FC236}">
-                    <a16:creationId xmlns:a16="http://schemas.microsoft.com/office/drawing/2014/main" id="{6A485E26-9A32-4B4E-9913-9DA2FBE93C57}"/>
-                  </a:ext>
-                </a:extLst>
-              </p:cNvPr>
-              <p:cNvPicPr>
-                <a:picLocks noChangeAspect="1"/>
-              </p:cNvPicPr>
-              <p:nvPr/>
-            </p:nvPicPr>
-            <p:blipFill rotWithShape="1">
-              <a:blip r:embed="rId7"/>
-              <a:srcRect t="4014" r="8947"/>
-              <a:stretch/>
-            </p:blipFill>
-            <p:spPr>
-              <a:xfrm>
-                <a:off x="6862762" y="1096855"/>
-                <a:ext cx="823913" cy="5467350"/>
-              </a:xfrm>
-              <a:prstGeom prst="rect">
-                <a:avLst/>
-              </a:prstGeom>
-            </p:spPr>
-          </p:pic>
-          <p:pic>
-            <p:nvPicPr>
-              <p:cNvPr id="17" name="Picture 16">
-                <a:extLst>
-                  <a:ext uri="{FF2B5EF4-FFF2-40B4-BE49-F238E27FC236}">
-                    <a16:creationId xmlns:a16="http://schemas.microsoft.com/office/drawing/2014/main" id="{37AFBD7A-CD44-44C5-AF32-9C6E969F6DCB}"/>
-                  </a:ext>
-                </a:extLst>
-              </p:cNvPr>
-              <p:cNvPicPr>
-                <a:picLocks noChangeAspect="1"/>
-              </p:cNvPicPr>
-              <p:nvPr/>
-            </p:nvPicPr>
-            <p:blipFill rotWithShape="1">
-              <a:blip r:embed="rId8"/>
-              <a:srcRect l="2013" t="3626" r="1735"/>
-              <a:stretch/>
-            </p:blipFill>
-            <p:spPr>
-              <a:xfrm>
-                <a:off x="7686676" y="1106381"/>
-                <a:ext cx="4868182" cy="6076950"/>
-              </a:xfrm>
-              <a:prstGeom prst="rect">
-                <a:avLst/>
-              </a:prstGeom>
-            </p:spPr>
-          </p:pic>
-        </p:grpSp>
-        <p:pic>
-          <p:nvPicPr>
-            <p:cNvPr id="19" name="Picture 18">
-              <a:extLst>
-                <a:ext uri="{FF2B5EF4-FFF2-40B4-BE49-F238E27FC236}">
-                  <a16:creationId xmlns:a16="http://schemas.microsoft.com/office/drawing/2014/main" id="{74BF9513-E52C-471E-9024-9FB016AB72CD}"/>
-                </a:ext>
-              </a:extLst>
-            </p:cNvPr>
-            <p:cNvPicPr>
-              <a:picLocks noChangeAspect="1"/>
-            </p:cNvPicPr>
-            <p:nvPr/>
-          </p:nvPicPr>
-          <p:blipFill>
-            <a:blip r:embed="rId9"/>
-            <a:stretch>
-              <a:fillRect/>
-            </a:stretch>
-          </p:blipFill>
-          <p:spPr>
-            <a:xfrm rot="16200000">
-              <a:off x="639680" y="5398455"/>
-              <a:ext cx="170774" cy="90837"/>
-            </a:xfrm>
-            <a:prstGeom prst="rect">
-              <a:avLst/>
-            </a:prstGeom>
-          </p:spPr>
-        </p:pic>
-      </p:grpSp>
-      <p:pic>
-        <p:nvPicPr>
-          <p:cNvPr id="26" name="Picture 25">
-            <a:extLst>
-              <a:ext uri="{FF2B5EF4-FFF2-40B4-BE49-F238E27FC236}">
-                <a16:creationId xmlns:a16="http://schemas.microsoft.com/office/drawing/2014/main" id="{4E54B397-090B-4814-81C4-8D1C3E3A9A7C}"/>
-              </a:ext>
-            </a:extLst>
-          </p:cNvPr>
-          <p:cNvPicPr>
-            <a:picLocks noChangeAspect="1"/>
-          </p:cNvPicPr>
-          <p:nvPr/>
-        </p:nvPicPr>
-        <p:blipFill>
-          <a:blip r:embed="rId10">
-            <a:extLst>
-              <a:ext uri="{28A0092B-C50C-407E-A947-70E740481C1C}">
-                <a14:useLocalDpi xmlns:a14="http://schemas.microsoft.com/office/drawing/2010/main" val="0"/>
-              </a:ext>
-            </a:extLst>
-          </a:blip>
-          <a:stretch>
-            <a:fillRect/>
-          </a:stretch>
-        </p:blipFill>
-        <p:spPr>
-          <a:xfrm>
-            <a:off x="6304161" y="2530151"/>
-            <a:ext cx="4599341" cy="3679473"/>
-          </a:xfrm>
-          <a:prstGeom prst="rect">
-            <a:avLst/>
-          </a:prstGeom>
-        </p:spPr>
-      </p:pic>
-    </p:spTree>
-    <p:extLst>
-      <p:ext uri="{BB962C8B-B14F-4D97-AF65-F5344CB8AC3E}">
-        <p14:creationId xmlns:p14="http://schemas.microsoft.com/office/powerpoint/2010/main" val="1756626776"/>
-      </p:ext>
-    </p:extLst>
-  </p:cSld>
-  <p:clrMapOvr>
-    <a:masterClrMapping/>
-  </p:clrMapOvr>
-</p:sld>
-</file>
-
-<file path=ppt/slides/slide9.xml><?xml version="1.0" encoding="utf-8"?>
-<p:sld xmlns:a="http://schemas.openxmlformats.org/drawingml/2006/main" xmlns:r="http://schemas.openxmlformats.org/officeDocument/2006/relationships" xmlns:p="http://schemas.openxmlformats.org/presentationml/2006/main">
-  <p:cSld>
-    <p:spTree>
-      <p:nvGrpSpPr>
-        <p:cNvPr id="1" name=""/>
-        <p:cNvGrpSpPr/>
-        <p:nvPr/>
-      </p:nvGrpSpPr>
-      <p:grpSpPr>
-        <a:xfrm>
-          <a:off x="0" y="0"/>
-          <a:ext cx="0" cy="0"/>
-          <a:chOff x="0" y="0"/>
-          <a:chExt cx="0" cy="0"/>
-        </a:xfrm>
-      </p:grpSpPr>
-      <p:sp>
-        <p:nvSpPr>
-          <p:cNvPr id="2" name="Title 1">
-            <a:extLst>
-              <a:ext uri="{FF2B5EF4-FFF2-40B4-BE49-F238E27FC236}">
-                <a16:creationId xmlns:a16="http://schemas.microsoft.com/office/drawing/2014/main" id="{FE839F3C-1493-4CF8-97F3-F2BED1A85040}"/>
-              </a:ext>
-            </a:extLst>
-          </p:cNvPr>
-          <p:cNvSpPr>
-            <a:spLocks noGrp="1"/>
-          </p:cNvSpPr>
-          <p:nvPr>
-            <p:ph type="title"/>
-          </p:nvPr>
-        </p:nvSpPr>
-        <p:spPr>
-          <a:xfrm>
-            <a:off x="838200" y="365125"/>
-            <a:ext cx="10515600" cy="1325563"/>
-          </a:xfrm>
-        </p:spPr>
-        <p:txBody>
-          <a:bodyPr/>
-          <a:lstStyle/>
-          <a:p>
-            <a:r>
-              <a:rPr lang="en-SG" dirty="0"/>
-              <a:t>Motivation for using </a:t>
-            </a:r>
-            <a:r>
-              <a:rPr lang="en-SG" dirty="0" err="1"/>
-              <a:t>Plotly</a:t>
-            </a:r>
-            <a:r>
-              <a:rPr lang="en-SG" dirty="0"/>
-              <a:t> and </a:t>
-            </a:r>
-            <a:r>
-              <a:rPr lang="en-SG" dirty="0" err="1"/>
-              <a:t>Trelliscopejs</a:t>
-            </a:r>
-            <a:r>
-              <a:rPr lang="en-SG" dirty="0"/>
-              <a:t> </a:t>
-            </a:r>
-          </a:p>
-        </p:txBody>
-      </p:sp>
-      <p:pic>
-        <p:nvPicPr>
-          <p:cNvPr id="6" name="Picture 5">
-            <a:extLst>
-              <a:ext uri="{FF2B5EF4-FFF2-40B4-BE49-F238E27FC236}">
-                <a16:creationId xmlns:a16="http://schemas.microsoft.com/office/drawing/2014/main" id="{C3A5A9DA-9F89-4395-8AC1-AA0889484D5E}"/>
-              </a:ext>
-            </a:extLst>
-          </p:cNvPr>
-          <p:cNvPicPr>
-            <a:picLocks noChangeAspect="1"/>
-          </p:cNvPicPr>
-          <p:nvPr/>
-        </p:nvPicPr>
-        <p:blipFill>
-          <a:blip r:embed="rId2"/>
-          <a:stretch>
-            <a:fillRect/>
-          </a:stretch>
-        </p:blipFill>
-        <p:spPr>
-          <a:xfrm>
-            <a:off x="6096000" y="3805032"/>
-            <a:ext cx="4771619" cy="1071659"/>
-          </a:xfrm>
-          <a:prstGeom prst="rect">
-            <a:avLst/>
-          </a:prstGeom>
-        </p:spPr>
-      </p:pic>
-      <p:pic>
-        <p:nvPicPr>
-          <p:cNvPr id="7" name="Picture 6">
-            <a:extLst>
-              <a:ext uri="{FF2B5EF4-FFF2-40B4-BE49-F238E27FC236}">
-                <a16:creationId xmlns:a16="http://schemas.microsoft.com/office/drawing/2014/main" id="{1E7BA09E-3CAD-4812-865C-6CAC515BF3CE}"/>
-              </a:ext>
-            </a:extLst>
-          </p:cNvPr>
-          <p:cNvPicPr>
-            <a:picLocks noChangeAspect="1"/>
-          </p:cNvPicPr>
-          <p:nvPr/>
-        </p:nvPicPr>
-        <p:blipFill rotWithShape="1">
-          <a:blip r:embed="rId3"/>
-          <a:srcRect t="13773"/>
-          <a:stretch/>
-        </p:blipFill>
-        <p:spPr>
-          <a:xfrm>
-            <a:off x="6139296" y="6114177"/>
-            <a:ext cx="4728323" cy="183469"/>
-          </a:xfrm>
-          <a:prstGeom prst="rect">
-            <a:avLst/>
-          </a:prstGeom>
-        </p:spPr>
-      </p:pic>
-      <p:pic>
-        <p:nvPicPr>
-          <p:cNvPr id="1026" name="Picture 2" descr="https://hafen.github.io/trelliscopejs/reference/figures/logo.png">
-            <a:extLst>
-              <a:ext uri="{FF2B5EF4-FFF2-40B4-BE49-F238E27FC236}">
-                <a16:creationId xmlns:a16="http://schemas.microsoft.com/office/drawing/2014/main" id="{FAB45369-F847-4D88-8638-67597D69B804}"/>
-              </a:ext>
-            </a:extLst>
-          </p:cNvPr>
-          <p:cNvPicPr>
-            <a:picLocks noChangeAspect="1" noChangeArrowheads="1"/>
-          </p:cNvPicPr>
-          <p:nvPr/>
-        </p:nvPicPr>
-        <p:blipFill>
-          <a:blip r:embed="rId4">
-            <a:extLst>
-              <a:ext uri="{28A0092B-C50C-407E-A947-70E740481C1C}">
-                <a14:useLocalDpi xmlns:a14="http://schemas.microsoft.com/office/drawing/2010/main" val="0"/>
-              </a:ext>
-            </a:extLst>
-          </a:blip>
-          <a:srcRect/>
-          <a:stretch>
-            <a:fillRect/>
-          </a:stretch>
-        </p:blipFill>
-        <p:spPr bwMode="auto">
-          <a:xfrm>
-            <a:off x="9275906" y="1562378"/>
-            <a:ext cx="889687" cy="1034095"/>
-          </a:xfrm>
-          <a:prstGeom prst="rect">
-            <a:avLst/>
-          </a:prstGeom>
-          <a:noFill/>
-          <a:extLst>
-            <a:ext uri="{909E8E84-426E-40DD-AFC4-6F175D3DCCD1}">
-              <a14:hiddenFill xmlns:a14="http://schemas.microsoft.com/office/drawing/2010/main">
-                <a:solidFill>
-                  <a:srgbClr val="FFFFFF"/>
-                </a:solidFill>
-              </a14:hiddenFill>
-            </a:ext>
-          </a:extLst>
-        </p:spPr>
-      </p:pic>
-      <p:pic>
-        <p:nvPicPr>
-          <p:cNvPr id="1028" name="Picture 4" descr="File:Plotly logo for digital final (6).png">
-            <a:extLst>
-              <a:ext uri="{FF2B5EF4-FFF2-40B4-BE49-F238E27FC236}">
-                <a16:creationId xmlns:a16="http://schemas.microsoft.com/office/drawing/2014/main" id="{DB95B450-861C-480E-B6CB-3F3DF3E7A71A}"/>
-              </a:ext>
-            </a:extLst>
-          </p:cNvPr>
-          <p:cNvPicPr>
-            <a:picLocks noChangeAspect="1" noChangeArrowheads="1"/>
-          </p:cNvPicPr>
-          <p:nvPr/>
-        </p:nvPicPr>
-        <p:blipFill rotWithShape="1">
-          <a:blip r:embed="rId5">
-            <a:extLst>
-              <a:ext uri="{28A0092B-C50C-407E-A947-70E740481C1C}">
-                <a14:useLocalDpi xmlns:a14="http://schemas.microsoft.com/office/drawing/2010/main" val="0"/>
-              </a:ext>
-            </a:extLst>
-          </a:blip>
-          <a:srcRect l="5532" t="28940" r="5911" b="27095"/>
-          <a:stretch/>
-        </p:blipFill>
-        <p:spPr bwMode="auto">
-          <a:xfrm>
-            <a:off x="6390474" y="1562378"/>
-            <a:ext cx="2586914" cy="963233"/>
-          </a:xfrm>
-          <a:prstGeom prst="rect">
-            <a:avLst/>
-          </a:prstGeom>
-          <a:noFill/>
-          <a:extLst>
-            <a:ext uri="{909E8E84-426E-40DD-AFC4-6F175D3DCCD1}">
-              <a14:hiddenFill xmlns:a14="http://schemas.microsoft.com/office/drawing/2010/main">
-                <a:solidFill>
-                  <a:srgbClr val="FFFFFF"/>
-                </a:solidFill>
-              </a14:hiddenFill>
-            </a:ext>
-          </a:extLst>
-        </p:spPr>
-      </p:pic>
-      <p:sp>
-        <p:nvSpPr>
-          <p:cNvPr id="10" name="Arrow: Right 9">
-            <a:extLst>
-              <a:ext uri="{FF2B5EF4-FFF2-40B4-BE49-F238E27FC236}">
-                <a16:creationId xmlns:a16="http://schemas.microsoft.com/office/drawing/2014/main" id="{3338BCA3-70EE-44CD-B10A-543B7D39CA40}"/>
-              </a:ext>
-            </a:extLst>
-          </p:cNvPr>
-          <p:cNvSpPr/>
-          <p:nvPr/>
-        </p:nvSpPr>
-        <p:spPr>
-          <a:xfrm rot="5400000">
-            <a:off x="8013050" y="5382155"/>
-            <a:ext cx="1015481" cy="194220"/>
-          </a:xfrm>
-          <a:prstGeom prst="rightArrow">
-            <a:avLst/>
-          </a:prstGeom>
-        </p:spPr>
-        <p:style>
-          <a:lnRef idx="2">
-            <a:schemeClr val="dk1">
-              <a:shade val="50000"/>
-            </a:schemeClr>
-          </a:lnRef>
-          <a:fillRef idx="1">
-            <a:schemeClr val="dk1"/>
-          </a:fillRef>
-          <a:effectRef idx="0">
-            <a:schemeClr val="dk1"/>
-          </a:effectRef>
-          <a:fontRef idx="minor">
-            <a:schemeClr val="lt1"/>
-          </a:fontRef>
-        </p:style>
-        <p:txBody>
-          <a:bodyPr rtlCol="0" anchor="ctr"/>
-          <a:lstStyle/>
-          <a:p>
-            <a:pPr algn="ctr"/>
-            <a:endParaRPr lang="en-SG"/>
-          </a:p>
-        </p:txBody>
-      </p:sp>
-      <p:sp>
-        <p:nvSpPr>
-          <p:cNvPr id="14" name="Arrow: Right 13">
-            <a:extLst>
-              <a:ext uri="{FF2B5EF4-FFF2-40B4-BE49-F238E27FC236}">
-                <a16:creationId xmlns:a16="http://schemas.microsoft.com/office/drawing/2014/main" id="{34953C13-8F7D-4DD6-9741-0C188D22A33E}"/>
-              </a:ext>
-            </a:extLst>
-          </p:cNvPr>
-          <p:cNvSpPr/>
-          <p:nvPr/>
-        </p:nvSpPr>
-        <p:spPr>
-          <a:xfrm rot="5400000">
-            <a:off x="8003525" y="3044674"/>
-            <a:ext cx="1015481" cy="194220"/>
-          </a:xfrm>
-          <a:prstGeom prst="rightArrow">
-            <a:avLst/>
-          </a:prstGeom>
-        </p:spPr>
-        <p:style>
-          <a:lnRef idx="2">
-            <a:schemeClr val="dk1">
-              <a:shade val="50000"/>
-            </a:schemeClr>
-          </a:lnRef>
-          <a:fillRef idx="1">
-            <a:schemeClr val="dk1"/>
-          </a:fillRef>
-          <a:effectRef idx="0">
-            <a:schemeClr val="dk1"/>
-          </a:effectRef>
-          <a:fontRef idx="minor">
-            <a:schemeClr val="lt1"/>
-          </a:fontRef>
-        </p:style>
-        <p:txBody>
-          <a:bodyPr rtlCol="0" anchor="ctr"/>
-          <a:lstStyle/>
-          <a:p>
-            <a:pPr algn="ctr"/>
-            <a:endParaRPr lang="en-SG"/>
-          </a:p>
-        </p:txBody>
-      </p:sp>
-    </p:spTree>
-    <p:extLst>
-      <p:ext uri="{BB962C8B-B14F-4D97-AF65-F5344CB8AC3E}">
-        <p14:creationId xmlns:p14="http://schemas.microsoft.com/office/powerpoint/2010/main" val="1553705019"/>
-      </p:ext>
-    </p:extLst>
-  </p:cSld>
-  <p:clrMapOvr>
-    <a:masterClrMapping/>
-  </p:clrMapOvr>
-</p:sld>
-</file>
-
 <file path=ppt/theme/theme1.xml><?xml version="1.0" encoding="utf-8"?>
 <a:theme xmlns:a="http://schemas.openxmlformats.org/drawingml/2006/main" name="Office Theme">
   <a:themeElements>

--- a/images/Image_In_ppt.pptx
+++ b/images/Image_In_ppt.pptx
@@ -23,7 +23,8 @@
     <p:sldId id="271" r:id="rId17"/>
     <p:sldId id="272" r:id="rId18"/>
     <p:sldId id="276" r:id="rId19"/>
-    <p:sldId id="259" r:id="rId20"/>
+    <p:sldId id="256" r:id="rId20"/>
+    <p:sldId id="259" r:id="rId21"/>
   </p:sldIdLst>
   <p:sldSz cx="12192000" cy="6858000"/>
   <p:notesSz cx="6858000" cy="9144000"/>
@@ -5398,10 +5399,10 @@
       </p:grpSpPr>
       <p:grpSp>
         <p:nvGrpSpPr>
-          <p:cNvPr id="60" name="Group 59">
-            <a:extLst>
-              <a:ext uri="{FF2B5EF4-FFF2-40B4-BE49-F238E27FC236}">
-                <a16:creationId xmlns:a16="http://schemas.microsoft.com/office/drawing/2014/main" id="{93408590-3326-44BD-8A28-617570F407AD}"/>
+          <p:cNvPr id="57" name="Group 56">
+            <a:extLst>
+              <a:ext uri="{FF2B5EF4-FFF2-40B4-BE49-F238E27FC236}">
+                <a16:creationId xmlns:a16="http://schemas.microsoft.com/office/drawing/2014/main" id="{CBB4894E-14D5-4F52-883C-3FB5AD497EC9}"/>
               </a:ext>
             </a:extLst>
           </p:cNvPr>
@@ -5410,18 +5411,274 @@
         </p:nvGrpSpPr>
         <p:grpSpPr>
           <a:xfrm>
-            <a:off x="895201" y="531975"/>
-            <a:ext cx="9908288" cy="5761545"/>
-            <a:chOff x="895201" y="531975"/>
-            <a:chExt cx="9908288" cy="5761545"/>
+            <a:off x="895201" y="2334879"/>
+            <a:ext cx="5810250" cy="1304925"/>
+            <a:chOff x="895201" y="2334879"/>
+            <a:chExt cx="5810250" cy="1304925"/>
+          </a:xfrm>
+        </p:grpSpPr>
+        <p:pic>
+          <p:nvPicPr>
+            <p:cNvPr id="5" name="Picture 4">
+              <a:extLst>
+                <a:ext uri="{FF2B5EF4-FFF2-40B4-BE49-F238E27FC236}">
+                  <a16:creationId xmlns:a16="http://schemas.microsoft.com/office/drawing/2014/main" id="{AEE233D7-2A5B-4820-B278-65CF1F4E110A}"/>
+                </a:ext>
+              </a:extLst>
+            </p:cNvPr>
+            <p:cNvPicPr>
+              <a:picLocks noChangeAspect="1"/>
+            </p:cNvPicPr>
+            <p:nvPr/>
+          </p:nvPicPr>
+          <p:blipFill>
+            <a:blip r:embed="rId2"/>
+            <a:stretch>
+              <a:fillRect/>
+            </a:stretch>
+          </p:blipFill>
+          <p:spPr>
+            <a:xfrm>
+              <a:off x="895201" y="2334879"/>
+              <a:ext cx="5810250" cy="1304925"/>
+            </a:xfrm>
+            <a:prstGeom prst="rect">
+              <a:avLst/>
+            </a:prstGeom>
+          </p:spPr>
+        </p:pic>
+        <p:sp>
+          <p:nvSpPr>
+            <p:cNvPr id="13" name="Rectangle 12">
+              <a:extLst>
+                <a:ext uri="{FF2B5EF4-FFF2-40B4-BE49-F238E27FC236}">
+                  <a16:creationId xmlns:a16="http://schemas.microsoft.com/office/drawing/2014/main" id="{1CD16C63-D104-4C90-9683-E7E4657029C4}"/>
+                </a:ext>
+              </a:extLst>
+            </p:cNvPr>
+            <p:cNvSpPr/>
+            <p:nvPr/>
+          </p:nvSpPr>
+          <p:spPr>
+            <a:xfrm>
+              <a:off x="3416712" y="2393581"/>
+              <a:ext cx="1219200" cy="190543"/>
+            </a:xfrm>
+            <a:prstGeom prst="rect">
+              <a:avLst/>
+            </a:prstGeom>
+            <a:noFill/>
+            <a:ln w="19050">
+              <a:solidFill>
+                <a:schemeClr val="accent1"/>
+              </a:solidFill>
+            </a:ln>
+          </p:spPr>
+          <p:style>
+            <a:lnRef idx="2">
+              <a:schemeClr val="accent1">
+                <a:shade val="50000"/>
+              </a:schemeClr>
+            </a:lnRef>
+            <a:fillRef idx="1">
+              <a:schemeClr val="accent1"/>
+            </a:fillRef>
+            <a:effectRef idx="0">
+              <a:schemeClr val="accent1"/>
+            </a:effectRef>
+            <a:fontRef idx="minor">
+              <a:schemeClr val="lt1"/>
+            </a:fontRef>
+          </p:style>
+          <p:txBody>
+            <a:bodyPr rtlCol="0" anchor="ctr"/>
+            <a:lstStyle/>
+            <a:p>
+              <a:pPr algn="ctr"/>
+              <a:endParaRPr lang="en-SG"/>
+            </a:p>
+          </p:txBody>
+        </p:sp>
+        <p:sp>
+          <p:nvSpPr>
+            <p:cNvPr id="16" name="Rectangle 15">
+              <a:extLst>
+                <a:ext uri="{FF2B5EF4-FFF2-40B4-BE49-F238E27FC236}">
+                  <a16:creationId xmlns:a16="http://schemas.microsoft.com/office/drawing/2014/main" id="{918862A3-7BE1-4679-9714-EE259F78089F}"/>
+                </a:ext>
+              </a:extLst>
+            </p:cNvPr>
+            <p:cNvSpPr/>
+            <p:nvPr/>
+          </p:nvSpPr>
+          <p:spPr>
+            <a:xfrm>
+              <a:off x="942826" y="2387346"/>
+              <a:ext cx="2376990" cy="190543"/>
+            </a:xfrm>
+            <a:prstGeom prst="rect">
+              <a:avLst/>
+            </a:prstGeom>
+            <a:noFill/>
+            <a:ln w="19050">
+              <a:solidFill>
+                <a:schemeClr val="accent1"/>
+              </a:solidFill>
+            </a:ln>
+          </p:spPr>
+          <p:style>
+            <a:lnRef idx="2">
+              <a:schemeClr val="accent1">
+                <a:shade val="50000"/>
+              </a:schemeClr>
+            </a:lnRef>
+            <a:fillRef idx="1">
+              <a:schemeClr val="accent1"/>
+            </a:fillRef>
+            <a:effectRef idx="0">
+              <a:schemeClr val="accent1"/>
+            </a:effectRef>
+            <a:fontRef idx="minor">
+              <a:schemeClr val="lt1"/>
+            </a:fontRef>
+          </p:style>
+          <p:txBody>
+            <a:bodyPr rtlCol="0" anchor="ctr"/>
+            <a:lstStyle/>
+            <a:p>
+              <a:pPr algn="ctr"/>
+              <a:endParaRPr lang="en-SG"/>
+            </a:p>
+          </p:txBody>
+        </p:sp>
+        <p:sp>
+          <p:nvSpPr>
+            <p:cNvPr id="40" name="Right Brace 39">
+              <a:extLst>
+                <a:ext uri="{FF2B5EF4-FFF2-40B4-BE49-F238E27FC236}">
+                  <a16:creationId xmlns:a16="http://schemas.microsoft.com/office/drawing/2014/main" id="{16C66EB9-AE45-48F2-8912-1F929635A613}"/>
+                </a:ext>
+              </a:extLst>
+            </p:cNvPr>
+            <p:cNvSpPr/>
+            <p:nvPr/>
+          </p:nvSpPr>
+          <p:spPr>
+            <a:xfrm>
+              <a:off x="1814995" y="2968291"/>
+              <a:ext cx="185255" cy="652463"/>
+            </a:xfrm>
+            <a:prstGeom prst="rightBrace">
+              <a:avLst/>
+            </a:prstGeom>
+            <a:ln w="19050">
+              <a:solidFill>
+                <a:schemeClr val="tx1"/>
+              </a:solidFill>
+            </a:ln>
+          </p:spPr>
+          <p:style>
+            <a:lnRef idx="1">
+              <a:schemeClr val="accent1"/>
+            </a:lnRef>
+            <a:fillRef idx="0">
+              <a:schemeClr val="accent1"/>
+            </a:fillRef>
+            <a:effectRef idx="0">
+              <a:schemeClr val="accent1"/>
+            </a:effectRef>
+            <a:fontRef idx="minor">
+              <a:schemeClr val="tx1"/>
+            </a:fontRef>
+          </p:style>
+          <p:txBody>
+            <a:bodyPr rtlCol="0" anchor="ctr"/>
+            <a:lstStyle/>
+            <a:p>
+              <a:pPr algn="ctr"/>
+              <a:endParaRPr lang="en-SG"/>
+            </a:p>
+          </p:txBody>
+        </p:sp>
+        <p:sp>
+          <p:nvSpPr>
+            <p:cNvPr id="55" name="Rectangle 54">
+              <a:extLst>
+                <a:ext uri="{FF2B5EF4-FFF2-40B4-BE49-F238E27FC236}">
+                  <a16:creationId xmlns:a16="http://schemas.microsoft.com/office/drawing/2014/main" id="{5F897656-D9A6-4386-A7C8-43EB8739D17F}"/>
+                </a:ext>
+              </a:extLst>
+            </p:cNvPr>
+            <p:cNvSpPr/>
+            <p:nvPr/>
+          </p:nvSpPr>
+          <p:spPr>
+            <a:xfrm>
+              <a:off x="985106" y="3388541"/>
+              <a:ext cx="848939" cy="190543"/>
+            </a:xfrm>
+            <a:prstGeom prst="rect">
+              <a:avLst/>
+            </a:prstGeom>
+            <a:noFill/>
+            <a:ln w="19050">
+              <a:solidFill>
+                <a:schemeClr val="accent1"/>
+              </a:solidFill>
+            </a:ln>
+          </p:spPr>
+          <p:style>
+            <a:lnRef idx="2">
+              <a:schemeClr val="accent1">
+                <a:shade val="50000"/>
+              </a:schemeClr>
+            </a:lnRef>
+            <a:fillRef idx="1">
+              <a:schemeClr val="accent1"/>
+            </a:fillRef>
+            <a:effectRef idx="0">
+              <a:schemeClr val="accent1"/>
+            </a:effectRef>
+            <a:fontRef idx="minor">
+              <a:schemeClr val="lt1"/>
+            </a:fontRef>
+          </p:style>
+          <p:txBody>
+            <a:bodyPr rtlCol="0" anchor="ctr"/>
+            <a:lstStyle/>
+            <a:p>
+              <a:pPr algn="ctr"/>
+              <a:endParaRPr lang="en-SG"/>
+            </a:p>
+          </p:txBody>
+        </p:sp>
+      </p:grpSp>
+      <p:grpSp>
+        <p:nvGrpSpPr>
+          <p:cNvPr id="52" name="Group 51">
+            <a:extLst>
+              <a:ext uri="{FF2B5EF4-FFF2-40B4-BE49-F238E27FC236}">
+                <a16:creationId xmlns:a16="http://schemas.microsoft.com/office/drawing/2014/main" id="{9105D429-153F-48F1-A8CA-FEEF23922C4B}"/>
+              </a:ext>
+            </a:extLst>
+          </p:cNvPr>
+          <p:cNvGrpSpPr/>
+          <p:nvPr/>
+        </p:nvGrpSpPr>
+        <p:grpSpPr>
+          <a:xfrm>
+            <a:off x="7256257" y="563897"/>
+            <a:ext cx="3511273" cy="4129991"/>
+            <a:chOff x="7056232" y="1297322"/>
+            <a:chExt cx="3511273" cy="4129991"/>
           </a:xfrm>
         </p:grpSpPr>
         <p:grpSp>
           <p:nvGrpSpPr>
-            <p:cNvPr id="57" name="Group 56">
+            <p:cNvPr id="45" name="Group 44">
               <a:extLst>
                 <a:ext uri="{FF2B5EF4-FFF2-40B4-BE49-F238E27FC236}">
-                  <a16:creationId xmlns:a16="http://schemas.microsoft.com/office/drawing/2014/main" id="{CBB4894E-14D5-4F52-883C-3FB5AD497EC9}"/>
+                  <a16:creationId xmlns:a16="http://schemas.microsoft.com/office/drawing/2014/main" id="{4A96A121-3555-41B1-B2FE-FF0DB0C7B8DF}"/>
                 </a:ext>
               </a:extLst>
             </p:cNvPr>
@@ -5430,18 +5687,18 @@
           </p:nvGrpSpPr>
           <p:grpSpPr>
             <a:xfrm>
-              <a:off x="895201" y="2334879"/>
-              <a:ext cx="5810250" cy="1304925"/>
-              <a:chOff x="895201" y="2334879"/>
-              <a:chExt cx="5810250" cy="1304925"/>
+              <a:off x="7186130" y="1722088"/>
+              <a:ext cx="3381375" cy="3705225"/>
+              <a:chOff x="7186130" y="1722088"/>
+              <a:chExt cx="3381375" cy="3705225"/>
             </a:xfrm>
           </p:grpSpPr>
           <p:pic>
             <p:nvPicPr>
-              <p:cNvPr id="5" name="Picture 4">
+              <p:cNvPr id="10" name="Picture 9">
                 <a:extLst>
                   <a:ext uri="{FF2B5EF4-FFF2-40B4-BE49-F238E27FC236}">
-                    <a16:creationId xmlns:a16="http://schemas.microsoft.com/office/drawing/2014/main" id="{AEE233D7-2A5B-4820-B278-65CF1F4E110A}"/>
+                    <a16:creationId xmlns:a16="http://schemas.microsoft.com/office/drawing/2014/main" id="{C43BF051-CEE0-40E2-BACB-853404B5EF4A}"/>
                   </a:ext>
                 </a:extLst>
               </p:cNvPr>
@@ -5451,15 +5708,15 @@
               <p:nvPr/>
             </p:nvPicPr>
             <p:blipFill>
-              <a:blip r:embed="rId2"/>
+              <a:blip r:embed="rId3"/>
               <a:stretch>
                 <a:fillRect/>
               </a:stretch>
             </p:blipFill>
             <p:spPr>
               <a:xfrm>
-                <a:off x="895201" y="2334879"/>
-                <a:ext cx="5810250" cy="1304925"/>
+                <a:off x="7186130" y="1722088"/>
+                <a:ext cx="3381375" cy="3705225"/>
               </a:xfrm>
               <a:prstGeom prst="rect">
                 <a:avLst/>
@@ -5468,10 +5725,10 @@
           </p:pic>
           <p:sp>
             <p:nvSpPr>
-              <p:cNvPr id="13" name="Rectangle 12">
+              <p:cNvPr id="19" name="Rectangle 18">
                 <a:extLst>
                   <a:ext uri="{FF2B5EF4-FFF2-40B4-BE49-F238E27FC236}">
-                    <a16:creationId xmlns:a16="http://schemas.microsoft.com/office/drawing/2014/main" id="{1CD16C63-D104-4C90-9683-E7E4657029C4}"/>
+                    <a16:creationId xmlns:a16="http://schemas.microsoft.com/office/drawing/2014/main" id="{ABCFC8D8-082B-4D1A-8DE0-67B61CA7D409}"/>
                   </a:ext>
                 </a:extLst>
               </p:cNvPr>
@@ -5480,8 +5737,8 @@
             </p:nvSpPr>
             <p:spPr>
               <a:xfrm>
-                <a:off x="3416712" y="2393581"/>
-                <a:ext cx="1219200" cy="190543"/>
+                <a:off x="7535938" y="3077829"/>
+                <a:ext cx="2514600" cy="292085"/>
               </a:xfrm>
               <a:prstGeom prst="rect">
                 <a:avLst/>
@@ -5520,10 +5777,10 @@
           </p:sp>
           <p:sp>
             <p:nvSpPr>
-              <p:cNvPr id="16" name="Rectangle 15">
+              <p:cNvPr id="43" name="Rectangle 42">
                 <a:extLst>
                   <a:ext uri="{FF2B5EF4-FFF2-40B4-BE49-F238E27FC236}">
-                    <a16:creationId xmlns:a16="http://schemas.microsoft.com/office/drawing/2014/main" id="{918862A3-7BE1-4679-9714-EE259F78089F}"/>
+                    <a16:creationId xmlns:a16="http://schemas.microsoft.com/office/drawing/2014/main" id="{41BEA0A1-BC12-44CF-B214-2A669FA93629}"/>
                   </a:ext>
                 </a:extLst>
               </p:cNvPr>
@@ -5532,109 +5789,8 @@
             </p:nvSpPr>
             <p:spPr>
               <a:xfrm>
-                <a:off x="942826" y="2387346"/>
-                <a:ext cx="2376990" cy="190543"/>
-              </a:xfrm>
-              <a:prstGeom prst="rect">
-                <a:avLst/>
-              </a:prstGeom>
-              <a:noFill/>
-              <a:ln w="19050">
-                <a:solidFill>
-                  <a:schemeClr val="accent1"/>
-                </a:solidFill>
-              </a:ln>
-            </p:spPr>
-            <p:style>
-              <a:lnRef idx="2">
-                <a:schemeClr val="accent1">
-                  <a:shade val="50000"/>
-                </a:schemeClr>
-              </a:lnRef>
-              <a:fillRef idx="1">
-                <a:schemeClr val="accent1"/>
-              </a:fillRef>
-              <a:effectRef idx="0">
-                <a:schemeClr val="accent1"/>
-              </a:effectRef>
-              <a:fontRef idx="minor">
-                <a:schemeClr val="lt1"/>
-              </a:fontRef>
-            </p:style>
-            <p:txBody>
-              <a:bodyPr rtlCol="0" anchor="ctr"/>
-              <a:lstStyle/>
-              <a:p>
-                <a:pPr algn="ctr"/>
-                <a:endParaRPr lang="en-SG"/>
-              </a:p>
-            </p:txBody>
-          </p:sp>
-          <p:sp>
-            <p:nvSpPr>
-              <p:cNvPr id="40" name="Right Brace 39">
-                <a:extLst>
-                  <a:ext uri="{FF2B5EF4-FFF2-40B4-BE49-F238E27FC236}">
-                    <a16:creationId xmlns:a16="http://schemas.microsoft.com/office/drawing/2014/main" id="{16C66EB9-AE45-48F2-8912-1F929635A613}"/>
-                  </a:ext>
-                </a:extLst>
-              </p:cNvPr>
-              <p:cNvSpPr/>
-              <p:nvPr/>
-            </p:nvSpPr>
-            <p:spPr>
-              <a:xfrm>
-                <a:off x="1814995" y="2968291"/>
-                <a:ext cx="185255" cy="652463"/>
-              </a:xfrm>
-              <a:prstGeom prst="rightBrace">
-                <a:avLst/>
-              </a:prstGeom>
-              <a:ln w="19050">
-                <a:solidFill>
-                  <a:schemeClr val="tx1"/>
-                </a:solidFill>
-              </a:ln>
-            </p:spPr>
-            <p:style>
-              <a:lnRef idx="1">
-                <a:schemeClr val="accent1"/>
-              </a:lnRef>
-              <a:fillRef idx="0">
-                <a:schemeClr val="accent1"/>
-              </a:fillRef>
-              <a:effectRef idx="0">
-                <a:schemeClr val="accent1"/>
-              </a:effectRef>
-              <a:fontRef idx="minor">
-                <a:schemeClr val="tx1"/>
-              </a:fontRef>
-            </p:style>
-            <p:txBody>
-              <a:bodyPr rtlCol="0" anchor="ctr"/>
-              <a:lstStyle/>
-              <a:p>
-                <a:pPr algn="ctr"/>
-                <a:endParaRPr lang="en-SG"/>
-              </a:p>
-            </p:txBody>
-          </p:sp>
-          <p:sp>
-            <p:nvSpPr>
-              <p:cNvPr id="55" name="Rectangle 54">
-                <a:extLst>
-                  <a:ext uri="{FF2B5EF4-FFF2-40B4-BE49-F238E27FC236}">
-                    <a16:creationId xmlns:a16="http://schemas.microsoft.com/office/drawing/2014/main" id="{5F897656-D9A6-4386-A7C8-43EB8739D17F}"/>
-                  </a:ext>
-                </a:extLst>
-              </p:cNvPr>
-              <p:cNvSpPr/>
-              <p:nvPr/>
-            </p:nvSpPr>
-            <p:spPr>
-              <a:xfrm>
-                <a:off x="985106" y="3388541"/>
-                <a:ext cx="848939" cy="190543"/>
+                <a:off x="7533792" y="4431977"/>
+                <a:ext cx="1981683" cy="292085"/>
               </a:xfrm>
               <a:prstGeom prst="rect">
                 <a:avLst/>
@@ -5672,478 +5828,12 @@
             </p:txBody>
           </p:sp>
         </p:grpSp>
-        <p:grpSp>
-          <p:nvGrpSpPr>
-            <p:cNvPr id="52" name="Group 51">
+        <p:sp>
+          <p:nvSpPr>
+            <p:cNvPr id="51" name="TextBox 50">
               <a:extLst>
                 <a:ext uri="{FF2B5EF4-FFF2-40B4-BE49-F238E27FC236}">
-                  <a16:creationId xmlns:a16="http://schemas.microsoft.com/office/drawing/2014/main" id="{9105D429-153F-48F1-A8CA-FEEF23922C4B}"/>
-                </a:ext>
-              </a:extLst>
-            </p:cNvPr>
-            <p:cNvGrpSpPr/>
-            <p:nvPr/>
-          </p:nvGrpSpPr>
-          <p:grpSpPr>
-            <a:xfrm>
-              <a:off x="7256257" y="563897"/>
-              <a:ext cx="3511273" cy="4129991"/>
-              <a:chOff x="7056232" y="1297322"/>
-              <a:chExt cx="3511273" cy="4129991"/>
-            </a:xfrm>
-          </p:grpSpPr>
-          <p:grpSp>
-            <p:nvGrpSpPr>
-              <p:cNvPr id="45" name="Group 44">
-                <a:extLst>
-                  <a:ext uri="{FF2B5EF4-FFF2-40B4-BE49-F238E27FC236}">
-                    <a16:creationId xmlns:a16="http://schemas.microsoft.com/office/drawing/2014/main" id="{4A96A121-3555-41B1-B2FE-FF0DB0C7B8DF}"/>
-                  </a:ext>
-                </a:extLst>
-              </p:cNvPr>
-              <p:cNvGrpSpPr/>
-              <p:nvPr/>
-            </p:nvGrpSpPr>
-            <p:grpSpPr>
-              <a:xfrm>
-                <a:off x="7186130" y="1722088"/>
-                <a:ext cx="3381375" cy="3705225"/>
-                <a:chOff x="7186130" y="1722088"/>
-                <a:chExt cx="3381375" cy="3705225"/>
-              </a:xfrm>
-            </p:grpSpPr>
-            <p:pic>
-              <p:nvPicPr>
-                <p:cNvPr id="10" name="Picture 9">
-                  <a:extLst>
-                    <a:ext uri="{FF2B5EF4-FFF2-40B4-BE49-F238E27FC236}">
-                      <a16:creationId xmlns:a16="http://schemas.microsoft.com/office/drawing/2014/main" id="{C43BF051-CEE0-40E2-BACB-853404B5EF4A}"/>
-                    </a:ext>
-                  </a:extLst>
-                </p:cNvPr>
-                <p:cNvPicPr>
-                  <a:picLocks noChangeAspect="1"/>
-                </p:cNvPicPr>
-                <p:nvPr/>
-              </p:nvPicPr>
-              <p:blipFill>
-                <a:blip r:embed="rId3"/>
-                <a:stretch>
-                  <a:fillRect/>
-                </a:stretch>
-              </p:blipFill>
-              <p:spPr>
-                <a:xfrm>
-                  <a:off x="7186130" y="1722088"/>
-                  <a:ext cx="3381375" cy="3705225"/>
-                </a:xfrm>
-                <a:prstGeom prst="rect">
-                  <a:avLst/>
-                </a:prstGeom>
-              </p:spPr>
-            </p:pic>
-            <p:sp>
-              <p:nvSpPr>
-                <p:cNvPr id="19" name="Rectangle 18">
-                  <a:extLst>
-                    <a:ext uri="{FF2B5EF4-FFF2-40B4-BE49-F238E27FC236}">
-                      <a16:creationId xmlns:a16="http://schemas.microsoft.com/office/drawing/2014/main" id="{ABCFC8D8-082B-4D1A-8DE0-67B61CA7D409}"/>
-                    </a:ext>
-                  </a:extLst>
-                </p:cNvPr>
-                <p:cNvSpPr/>
-                <p:nvPr/>
-              </p:nvSpPr>
-              <p:spPr>
-                <a:xfrm>
-                  <a:off x="7535938" y="3077829"/>
-                  <a:ext cx="2514600" cy="292085"/>
-                </a:xfrm>
-                <a:prstGeom prst="rect">
-                  <a:avLst/>
-                </a:prstGeom>
-                <a:noFill/>
-                <a:ln w="19050">
-                  <a:solidFill>
-                    <a:schemeClr val="accent1"/>
-                  </a:solidFill>
-                </a:ln>
-              </p:spPr>
-              <p:style>
-                <a:lnRef idx="2">
-                  <a:schemeClr val="accent1">
-                    <a:shade val="50000"/>
-                  </a:schemeClr>
-                </a:lnRef>
-                <a:fillRef idx="1">
-                  <a:schemeClr val="accent1"/>
-                </a:fillRef>
-                <a:effectRef idx="0">
-                  <a:schemeClr val="accent1"/>
-                </a:effectRef>
-                <a:fontRef idx="minor">
-                  <a:schemeClr val="lt1"/>
-                </a:fontRef>
-              </p:style>
-              <p:txBody>
-                <a:bodyPr rtlCol="0" anchor="ctr"/>
-                <a:lstStyle/>
-                <a:p>
-                  <a:pPr algn="ctr"/>
-                  <a:endParaRPr lang="en-SG"/>
-                </a:p>
-              </p:txBody>
-            </p:sp>
-            <p:sp>
-              <p:nvSpPr>
-                <p:cNvPr id="43" name="Rectangle 42">
-                  <a:extLst>
-                    <a:ext uri="{FF2B5EF4-FFF2-40B4-BE49-F238E27FC236}">
-                      <a16:creationId xmlns:a16="http://schemas.microsoft.com/office/drawing/2014/main" id="{41BEA0A1-BC12-44CF-B214-2A669FA93629}"/>
-                    </a:ext>
-                  </a:extLst>
-                </p:cNvPr>
-                <p:cNvSpPr/>
-                <p:nvPr/>
-              </p:nvSpPr>
-              <p:spPr>
-                <a:xfrm>
-                  <a:off x="7533792" y="4431977"/>
-                  <a:ext cx="1981683" cy="292085"/>
-                </a:xfrm>
-                <a:prstGeom prst="rect">
-                  <a:avLst/>
-                </a:prstGeom>
-                <a:noFill/>
-                <a:ln w="19050">
-                  <a:solidFill>
-                    <a:schemeClr val="accent1"/>
-                  </a:solidFill>
-                </a:ln>
-              </p:spPr>
-              <p:style>
-                <a:lnRef idx="2">
-                  <a:schemeClr val="accent1">
-                    <a:shade val="50000"/>
-                  </a:schemeClr>
-                </a:lnRef>
-                <a:fillRef idx="1">
-                  <a:schemeClr val="accent1"/>
-                </a:fillRef>
-                <a:effectRef idx="0">
-                  <a:schemeClr val="accent1"/>
-                </a:effectRef>
-                <a:fontRef idx="minor">
-                  <a:schemeClr val="lt1"/>
-                </a:fontRef>
-              </p:style>
-              <p:txBody>
-                <a:bodyPr rtlCol="0" anchor="ctr"/>
-                <a:lstStyle/>
-                <a:p>
-                  <a:pPr algn="ctr"/>
-                  <a:endParaRPr lang="en-SG"/>
-                </a:p>
-              </p:txBody>
-            </p:sp>
-          </p:grpSp>
-          <p:sp>
-            <p:nvSpPr>
-              <p:cNvPr id="51" name="TextBox 50">
-                <a:extLst>
-                  <a:ext uri="{FF2B5EF4-FFF2-40B4-BE49-F238E27FC236}">
-                    <a16:creationId xmlns:a16="http://schemas.microsoft.com/office/drawing/2014/main" id="{64F614D8-7F05-443E-B96A-89E2735D52A5}"/>
-                  </a:ext>
-                </a:extLst>
-              </p:cNvPr>
-              <p:cNvSpPr txBox="1"/>
-              <p:nvPr/>
-            </p:nvSpPr>
-            <p:spPr>
-              <a:xfrm>
-                <a:off x="7056232" y="1297322"/>
-                <a:ext cx="3501748" cy="369332"/>
-              </a:xfrm>
-              <a:prstGeom prst="rect">
-                <a:avLst/>
-              </a:prstGeom>
-              <a:noFill/>
-            </p:spPr>
-            <p:txBody>
-              <a:bodyPr wrap="square" rtlCol="0">
-                <a:spAutoFit/>
-              </a:bodyPr>
-              <a:lstStyle/>
-              <a:p>
-                <a:pPr algn="ctr"/>
-                <a:r>
-                  <a:rPr lang="en-SG" dirty="0"/>
-                  <a:t>Step 2. Call script in console</a:t>
-                </a:r>
-              </a:p>
-            </p:txBody>
-          </p:sp>
-        </p:grpSp>
-        <p:pic>
-          <p:nvPicPr>
-            <p:cNvPr id="11" name="Picture 10">
-              <a:extLst>
-                <a:ext uri="{FF2B5EF4-FFF2-40B4-BE49-F238E27FC236}">
-                  <a16:creationId xmlns:a16="http://schemas.microsoft.com/office/drawing/2014/main" id="{DAB1396F-0F10-41E8-9126-6C01B42B164A}"/>
-                </a:ext>
-              </a:extLst>
-            </p:cNvPr>
-            <p:cNvPicPr>
-              <a:picLocks noChangeAspect="1"/>
-            </p:cNvPicPr>
-            <p:nvPr/>
-          </p:nvPicPr>
-          <p:blipFill rotWithShape="1">
-            <a:blip r:embed="rId4"/>
-            <a:srcRect t="13773" r="39575" b="-18087"/>
-            <a:stretch/>
-          </p:blipFill>
-          <p:spPr>
-            <a:xfrm>
-              <a:off x="7350194" y="5453529"/>
-              <a:ext cx="3453295" cy="268272"/>
-            </a:xfrm>
-            <a:prstGeom prst="rect">
-              <a:avLst/>
-            </a:prstGeom>
-          </p:spPr>
-        </p:pic>
-        <p:cxnSp>
-          <p:nvCxnSpPr>
-            <p:cNvPr id="9" name="Straight Arrow Connector 8">
-              <a:extLst>
-                <a:ext uri="{FF2B5EF4-FFF2-40B4-BE49-F238E27FC236}">
-                  <a16:creationId xmlns:a16="http://schemas.microsoft.com/office/drawing/2014/main" id="{DACEDD70-68D5-4297-AB00-17CF5551C93B}"/>
-                </a:ext>
-              </a:extLst>
-            </p:cNvPr>
-            <p:cNvCxnSpPr>
-              <a:cxnSpLocks/>
-              <a:stCxn id="6" idx="2"/>
-              <a:endCxn id="16" idx="0"/>
-            </p:cNvCxnSpPr>
-            <p:nvPr/>
-          </p:nvCxnSpPr>
-          <p:spPr>
-            <a:xfrm flipH="1">
-              <a:off x="2131321" y="1657129"/>
-              <a:ext cx="1703321" cy="730217"/>
-            </a:xfrm>
-            <a:prstGeom prst="straightConnector1">
-              <a:avLst/>
-            </a:prstGeom>
-            <a:ln w="19050">
-              <a:solidFill>
-                <a:schemeClr val="accent1"/>
-              </a:solidFill>
-              <a:tailEnd type="triangle"/>
-            </a:ln>
-          </p:spPr>
-          <p:style>
-            <a:lnRef idx="1">
-              <a:schemeClr val="accent1"/>
-            </a:lnRef>
-            <a:fillRef idx="0">
-              <a:schemeClr val="accent1"/>
-            </a:fillRef>
-            <a:effectRef idx="0">
-              <a:schemeClr val="accent1"/>
-            </a:effectRef>
-            <a:fontRef idx="minor">
-              <a:schemeClr val="tx1"/>
-            </a:fontRef>
-          </p:style>
-        </p:cxnSp>
-        <p:cxnSp>
-          <p:nvCxnSpPr>
-            <p:cNvPr id="34" name="Straight Arrow Connector 33">
-              <a:extLst>
-                <a:ext uri="{FF2B5EF4-FFF2-40B4-BE49-F238E27FC236}">
-                  <a16:creationId xmlns:a16="http://schemas.microsoft.com/office/drawing/2014/main" id="{822BAE6C-4154-472B-B1CD-C4E87C228F5C}"/>
-                </a:ext>
-              </a:extLst>
-            </p:cNvPr>
-            <p:cNvCxnSpPr>
-              <a:cxnSpLocks/>
-              <a:stCxn id="19" idx="1"/>
-              <a:endCxn id="13" idx="3"/>
-            </p:cNvCxnSpPr>
-            <p:nvPr/>
-          </p:nvCxnSpPr>
-          <p:spPr>
-            <a:xfrm flipH="1" flipV="1">
-              <a:off x="4635912" y="2488853"/>
-              <a:ext cx="3100051" cy="1594"/>
-            </a:xfrm>
-            <a:prstGeom prst="straightConnector1">
-              <a:avLst/>
-            </a:prstGeom>
-            <a:ln w="19050">
-              <a:solidFill>
-                <a:schemeClr val="accent1"/>
-              </a:solidFill>
-              <a:tailEnd type="triangle"/>
-            </a:ln>
-          </p:spPr>
-          <p:style>
-            <a:lnRef idx="1">
-              <a:schemeClr val="accent1"/>
-            </a:lnRef>
-            <a:fillRef idx="0">
-              <a:schemeClr val="accent1"/>
-            </a:fillRef>
-            <a:effectRef idx="0">
-              <a:schemeClr val="accent1"/>
-            </a:effectRef>
-            <a:fontRef idx="minor">
-              <a:schemeClr val="tx1"/>
-            </a:fontRef>
-          </p:style>
-        </p:cxnSp>
-        <p:cxnSp>
-          <p:nvCxnSpPr>
-            <p:cNvPr id="41" name="Straight Arrow Connector 40">
-              <a:extLst>
-                <a:ext uri="{FF2B5EF4-FFF2-40B4-BE49-F238E27FC236}">
-                  <a16:creationId xmlns:a16="http://schemas.microsoft.com/office/drawing/2014/main" id="{ED1C7227-82CF-4999-9BD2-9F0DCF922E67}"/>
-                </a:ext>
-              </a:extLst>
-            </p:cNvPr>
-            <p:cNvCxnSpPr>
-              <a:cxnSpLocks/>
-              <a:stCxn id="43" idx="1"/>
-              <a:endCxn id="40" idx="1"/>
-            </p:cNvCxnSpPr>
-            <p:nvPr/>
-          </p:nvCxnSpPr>
-          <p:spPr>
-            <a:xfrm flipH="1" flipV="1">
-              <a:off x="2000250" y="3294523"/>
-              <a:ext cx="5733567" cy="550072"/>
-            </a:xfrm>
-            <a:prstGeom prst="straightConnector1">
-              <a:avLst/>
-            </a:prstGeom>
-            <a:ln w="19050">
-              <a:solidFill>
-                <a:schemeClr val="accent1"/>
-              </a:solidFill>
-              <a:tailEnd type="triangle"/>
-            </a:ln>
-          </p:spPr>
-          <p:style>
-            <a:lnRef idx="1">
-              <a:schemeClr val="accent1"/>
-            </a:lnRef>
-            <a:fillRef idx="0">
-              <a:schemeClr val="accent1"/>
-            </a:fillRef>
-            <a:effectRef idx="0">
-              <a:schemeClr val="accent1"/>
-            </a:effectRef>
-            <a:fontRef idx="minor">
-              <a:schemeClr val="tx1"/>
-            </a:fontRef>
-          </p:style>
-        </p:cxnSp>
-        <p:grpSp>
-          <p:nvGrpSpPr>
-            <p:cNvPr id="50" name="Group 49">
-              <a:extLst>
-                <a:ext uri="{FF2B5EF4-FFF2-40B4-BE49-F238E27FC236}">
-                  <a16:creationId xmlns:a16="http://schemas.microsoft.com/office/drawing/2014/main" id="{589CEB2B-B446-4046-8929-6B586ACD16D0}"/>
-                </a:ext>
-              </a:extLst>
-            </p:cNvPr>
-            <p:cNvGrpSpPr/>
-            <p:nvPr/>
-          </p:nvGrpSpPr>
-          <p:grpSpPr>
-            <a:xfrm>
-              <a:off x="2243967" y="531975"/>
-              <a:ext cx="3181350" cy="1125154"/>
-              <a:chOff x="2043942" y="1265400"/>
-              <a:chExt cx="3181350" cy="1125154"/>
-            </a:xfrm>
-          </p:grpSpPr>
-          <p:pic>
-            <p:nvPicPr>
-              <p:cNvPr id="6" name="Picture 5">
-                <a:extLst>
-                  <a:ext uri="{FF2B5EF4-FFF2-40B4-BE49-F238E27FC236}">
-                    <a16:creationId xmlns:a16="http://schemas.microsoft.com/office/drawing/2014/main" id="{4D87C9EF-EF35-448E-8017-B0BAAE1A8A0A}"/>
-                  </a:ext>
-                </a:extLst>
-              </p:cNvPr>
-              <p:cNvPicPr>
-                <a:picLocks noChangeAspect="1"/>
-              </p:cNvPicPr>
-              <p:nvPr/>
-            </p:nvPicPr>
-            <p:blipFill>
-              <a:blip r:embed="rId5"/>
-              <a:stretch>
-                <a:fillRect/>
-              </a:stretch>
-            </p:blipFill>
-            <p:spPr>
-              <a:xfrm>
-                <a:off x="2043942" y="1666654"/>
-                <a:ext cx="3181350" cy="723900"/>
-              </a:xfrm>
-              <a:prstGeom prst="rect">
-                <a:avLst/>
-              </a:prstGeom>
-            </p:spPr>
-          </p:pic>
-          <p:sp>
-            <p:nvSpPr>
-              <p:cNvPr id="46" name="TextBox 45">
-                <a:extLst>
-                  <a:ext uri="{FF2B5EF4-FFF2-40B4-BE49-F238E27FC236}">
-                    <a16:creationId xmlns:a16="http://schemas.microsoft.com/office/drawing/2014/main" id="{29EBE705-40E0-4520-BDCC-39010E3575CF}"/>
-                  </a:ext>
-                </a:extLst>
-              </p:cNvPr>
-              <p:cNvSpPr txBox="1"/>
-              <p:nvPr/>
-            </p:nvSpPr>
-            <p:spPr>
-              <a:xfrm>
-                <a:off x="2261382" y="1265400"/>
-                <a:ext cx="2864861" cy="369332"/>
-              </a:xfrm>
-              <a:prstGeom prst="rect">
-                <a:avLst/>
-              </a:prstGeom>
-              <a:noFill/>
-            </p:spPr>
-            <p:txBody>
-              <a:bodyPr wrap="square" rtlCol="0">
-                <a:spAutoFit/>
-              </a:bodyPr>
-              <a:lstStyle/>
-              <a:p>
-                <a:pPr algn="ctr"/>
-                <a:r>
-                  <a:rPr lang="en-SG" dirty="0"/>
-                  <a:t>Step 1. Set working directory</a:t>
-                </a:r>
-              </a:p>
-            </p:txBody>
-          </p:sp>
-        </p:grpSp>
-        <p:sp>
-          <p:nvSpPr>
-            <p:cNvPr id="53" name="TextBox 52">
-              <a:extLst>
-                <a:ext uri="{FF2B5EF4-FFF2-40B4-BE49-F238E27FC236}">
-                  <a16:creationId xmlns:a16="http://schemas.microsoft.com/office/drawing/2014/main" id="{03F64BF8-D070-4F79-B7D4-C6B6CAE65E24}"/>
+                  <a16:creationId xmlns:a16="http://schemas.microsoft.com/office/drawing/2014/main" id="{64F614D8-7F05-443E-B96A-89E2735D52A5}"/>
                 </a:ext>
               </a:extLst>
             </p:cNvPr>
@@ -6152,8 +5842,8 @@
           </p:nvSpPr>
           <p:spPr>
             <a:xfrm>
-              <a:off x="7805254" y="4962760"/>
-              <a:ext cx="2771775" cy="369332"/>
+              <a:off x="7056232" y="1297322"/>
+              <a:ext cx="3501748" cy="369332"/>
             </a:xfrm>
             <a:prstGeom prst="rect">
               <a:avLst/>
@@ -6166,19 +5856,208 @@
             </a:bodyPr>
             <a:lstStyle/>
             <a:p>
+              <a:pPr algn="ctr"/>
               <a:r>
                 <a:rPr lang="en-SG" dirty="0"/>
-                <a:t>Step 3. Compress Folder</a:t>
+                <a:t>Step 2. Call script in console</a:t>
               </a:r>
             </a:p>
           </p:txBody>
         </p:sp>
+      </p:grpSp>
+      <p:pic>
+        <p:nvPicPr>
+          <p:cNvPr id="11" name="Picture 10">
+            <a:extLst>
+              <a:ext uri="{FF2B5EF4-FFF2-40B4-BE49-F238E27FC236}">
+                <a16:creationId xmlns:a16="http://schemas.microsoft.com/office/drawing/2014/main" id="{DAB1396F-0F10-41E8-9126-6C01B42B164A}"/>
+              </a:ext>
+            </a:extLst>
+          </p:cNvPr>
+          <p:cNvPicPr>
+            <a:picLocks noChangeAspect="1"/>
+          </p:cNvPicPr>
+          <p:nvPr/>
+        </p:nvPicPr>
+        <p:blipFill rotWithShape="1">
+          <a:blip r:embed="rId4"/>
+          <a:srcRect t="13773" r="39575" b="-18087"/>
+          <a:stretch/>
+        </p:blipFill>
+        <p:spPr>
+          <a:xfrm>
+            <a:off x="7350194" y="5453529"/>
+            <a:ext cx="3453295" cy="268272"/>
+          </a:xfrm>
+          <a:prstGeom prst="rect">
+            <a:avLst/>
+          </a:prstGeom>
+        </p:spPr>
+      </p:pic>
+      <p:cxnSp>
+        <p:nvCxnSpPr>
+          <p:cNvPr id="9" name="Straight Arrow Connector 8">
+            <a:extLst>
+              <a:ext uri="{FF2B5EF4-FFF2-40B4-BE49-F238E27FC236}">
+                <a16:creationId xmlns:a16="http://schemas.microsoft.com/office/drawing/2014/main" id="{DACEDD70-68D5-4297-AB00-17CF5551C93B}"/>
+              </a:ext>
+            </a:extLst>
+          </p:cNvPr>
+          <p:cNvCxnSpPr>
+            <a:cxnSpLocks/>
+            <a:stCxn id="6" idx="2"/>
+            <a:endCxn id="16" idx="0"/>
+          </p:cNvCxnSpPr>
+          <p:nvPr/>
+        </p:nvCxnSpPr>
+        <p:spPr>
+          <a:xfrm flipH="1">
+            <a:off x="2131321" y="1657129"/>
+            <a:ext cx="1703321" cy="730217"/>
+          </a:xfrm>
+          <a:prstGeom prst="straightConnector1">
+            <a:avLst/>
+          </a:prstGeom>
+          <a:ln w="19050">
+            <a:solidFill>
+              <a:schemeClr val="accent1"/>
+            </a:solidFill>
+            <a:tailEnd type="triangle"/>
+          </a:ln>
+        </p:spPr>
+        <p:style>
+          <a:lnRef idx="1">
+            <a:schemeClr val="accent1"/>
+          </a:lnRef>
+          <a:fillRef idx="0">
+            <a:schemeClr val="accent1"/>
+          </a:fillRef>
+          <a:effectRef idx="0">
+            <a:schemeClr val="accent1"/>
+          </a:effectRef>
+          <a:fontRef idx="minor">
+            <a:schemeClr val="tx1"/>
+          </a:fontRef>
+        </p:style>
+      </p:cxnSp>
+      <p:cxnSp>
+        <p:nvCxnSpPr>
+          <p:cNvPr id="34" name="Straight Arrow Connector 33">
+            <a:extLst>
+              <a:ext uri="{FF2B5EF4-FFF2-40B4-BE49-F238E27FC236}">
+                <a16:creationId xmlns:a16="http://schemas.microsoft.com/office/drawing/2014/main" id="{822BAE6C-4154-472B-B1CD-C4E87C228F5C}"/>
+              </a:ext>
+            </a:extLst>
+          </p:cNvPr>
+          <p:cNvCxnSpPr>
+            <a:cxnSpLocks/>
+            <a:stCxn id="19" idx="1"/>
+            <a:endCxn id="13" idx="3"/>
+          </p:cNvCxnSpPr>
+          <p:nvPr/>
+        </p:nvCxnSpPr>
+        <p:spPr>
+          <a:xfrm flipH="1" flipV="1">
+            <a:off x="4635912" y="2488853"/>
+            <a:ext cx="3100051" cy="1594"/>
+          </a:xfrm>
+          <a:prstGeom prst="straightConnector1">
+            <a:avLst/>
+          </a:prstGeom>
+          <a:ln w="19050">
+            <a:solidFill>
+              <a:schemeClr val="accent1"/>
+            </a:solidFill>
+            <a:tailEnd type="triangle"/>
+          </a:ln>
+        </p:spPr>
+        <p:style>
+          <a:lnRef idx="1">
+            <a:schemeClr val="accent1"/>
+          </a:lnRef>
+          <a:fillRef idx="0">
+            <a:schemeClr val="accent1"/>
+          </a:fillRef>
+          <a:effectRef idx="0">
+            <a:schemeClr val="accent1"/>
+          </a:effectRef>
+          <a:fontRef idx="minor">
+            <a:schemeClr val="tx1"/>
+          </a:fontRef>
+        </p:style>
+      </p:cxnSp>
+      <p:cxnSp>
+        <p:nvCxnSpPr>
+          <p:cNvPr id="41" name="Straight Arrow Connector 40">
+            <a:extLst>
+              <a:ext uri="{FF2B5EF4-FFF2-40B4-BE49-F238E27FC236}">
+                <a16:creationId xmlns:a16="http://schemas.microsoft.com/office/drawing/2014/main" id="{ED1C7227-82CF-4999-9BD2-9F0DCF922E67}"/>
+              </a:ext>
+            </a:extLst>
+          </p:cNvPr>
+          <p:cNvCxnSpPr>
+            <a:cxnSpLocks/>
+            <a:stCxn id="43" idx="1"/>
+            <a:endCxn id="40" idx="1"/>
+          </p:cNvCxnSpPr>
+          <p:nvPr/>
+        </p:nvCxnSpPr>
+        <p:spPr>
+          <a:xfrm flipH="1" flipV="1">
+            <a:off x="2000250" y="3294523"/>
+            <a:ext cx="5733567" cy="550072"/>
+          </a:xfrm>
+          <a:prstGeom prst="straightConnector1">
+            <a:avLst/>
+          </a:prstGeom>
+          <a:ln w="19050">
+            <a:solidFill>
+              <a:schemeClr val="accent1"/>
+            </a:solidFill>
+            <a:tailEnd type="triangle"/>
+          </a:ln>
+        </p:spPr>
+        <p:style>
+          <a:lnRef idx="1">
+            <a:schemeClr val="accent1"/>
+          </a:lnRef>
+          <a:fillRef idx="0">
+            <a:schemeClr val="accent1"/>
+          </a:fillRef>
+          <a:effectRef idx="0">
+            <a:schemeClr val="accent1"/>
+          </a:effectRef>
+          <a:fontRef idx="minor">
+            <a:schemeClr val="tx1"/>
+          </a:fontRef>
+        </p:style>
+      </p:cxnSp>
+      <p:grpSp>
+        <p:nvGrpSpPr>
+          <p:cNvPr id="50" name="Group 49">
+            <a:extLst>
+              <a:ext uri="{FF2B5EF4-FFF2-40B4-BE49-F238E27FC236}">
+                <a16:creationId xmlns:a16="http://schemas.microsoft.com/office/drawing/2014/main" id="{589CEB2B-B446-4046-8929-6B586ACD16D0}"/>
+              </a:ext>
+            </a:extLst>
+          </p:cNvPr>
+          <p:cNvGrpSpPr/>
+          <p:nvPr/>
+        </p:nvGrpSpPr>
+        <p:grpSpPr>
+          <a:xfrm>
+            <a:off x="2243967" y="531975"/>
+            <a:ext cx="3181350" cy="1125154"/>
+            <a:chOff x="2043942" y="1265400"/>
+            <a:chExt cx="3181350" cy="1125154"/>
+          </a:xfrm>
+        </p:grpSpPr>
         <p:pic>
           <p:nvPicPr>
-            <p:cNvPr id="54" name="Picture 53">
+            <p:cNvPr id="6" name="Picture 5">
               <a:extLst>
                 <a:ext uri="{FF2B5EF4-FFF2-40B4-BE49-F238E27FC236}">
-                  <a16:creationId xmlns:a16="http://schemas.microsoft.com/office/drawing/2014/main" id="{B1FF594E-2B4E-42C6-B511-1311545E9B7D}"/>
+                  <a16:creationId xmlns:a16="http://schemas.microsoft.com/office/drawing/2014/main" id="{4D87C9EF-EF35-448E-8017-B0BAAE1A8A0A}"/>
                 </a:ext>
               </a:extLst>
             </p:cNvPr>
@@ -6188,64 +6067,165 @@
             <p:nvPr/>
           </p:nvPicPr>
           <p:blipFill>
-            <a:blip r:embed="rId6"/>
+            <a:blip r:embed="rId5"/>
             <a:stretch>
               <a:fillRect/>
             </a:stretch>
           </p:blipFill>
           <p:spPr>
             <a:xfrm>
-              <a:off x="2831393" y="3887536"/>
-              <a:ext cx="3855003" cy="2405984"/>
+              <a:off x="2043942" y="1666654"/>
+              <a:ext cx="3181350" cy="723900"/>
             </a:xfrm>
             <a:prstGeom prst="rect">
               <a:avLst/>
             </a:prstGeom>
           </p:spPr>
         </p:pic>
-        <p:cxnSp>
-          <p:nvCxnSpPr>
-            <p:cNvPr id="59" name="Connector: Elbow 58">
+        <p:sp>
+          <p:nvSpPr>
+            <p:cNvPr id="46" name="TextBox 45">
               <a:extLst>
                 <a:ext uri="{FF2B5EF4-FFF2-40B4-BE49-F238E27FC236}">
-                  <a16:creationId xmlns:a16="http://schemas.microsoft.com/office/drawing/2014/main" id="{9C6287AB-CE49-430F-9142-B77B1E1455E7}"/>
+                  <a16:creationId xmlns:a16="http://schemas.microsoft.com/office/drawing/2014/main" id="{29EBE705-40E0-4520-BDCC-39010E3575CF}"/>
                 </a:ext>
               </a:extLst>
             </p:cNvPr>
-            <p:cNvCxnSpPr>
-              <a:stCxn id="55" idx="2"/>
-              <a:endCxn id="54" idx="1"/>
-            </p:cNvCxnSpPr>
+            <p:cNvSpPr txBox="1"/>
             <p:nvPr/>
-          </p:nvCxnSpPr>
+          </p:nvSpPr>
           <p:spPr>
-            <a:xfrm rot="16200000" flipH="1">
-              <a:off x="1364762" y="3623897"/>
-              <a:ext cx="1511444" cy="1421817"/>
+            <a:xfrm>
+              <a:off x="2261382" y="1265400"/>
+              <a:ext cx="2864861" cy="369332"/>
             </a:xfrm>
-            <a:prstGeom prst="bentConnector2">
+            <a:prstGeom prst="rect">
               <a:avLst/>
             </a:prstGeom>
-            <a:ln w="19050">
-              <a:tailEnd type="triangle"/>
-            </a:ln>
+            <a:noFill/>
           </p:spPr>
-          <p:style>
-            <a:lnRef idx="1">
-              <a:schemeClr val="accent1"/>
-            </a:lnRef>
-            <a:fillRef idx="0">
-              <a:schemeClr val="accent1"/>
-            </a:fillRef>
-            <a:effectRef idx="0">
-              <a:schemeClr val="accent1"/>
-            </a:effectRef>
-            <a:fontRef idx="minor">
-              <a:schemeClr val="tx1"/>
-            </a:fontRef>
-          </p:style>
-        </p:cxnSp>
+          <p:txBody>
+            <a:bodyPr wrap="square" rtlCol="0">
+              <a:spAutoFit/>
+            </a:bodyPr>
+            <a:lstStyle/>
+            <a:p>
+              <a:pPr algn="ctr"/>
+              <a:r>
+                <a:rPr lang="en-SG" dirty="0"/>
+                <a:t>Step 1. Set working directory</a:t>
+              </a:r>
+            </a:p>
+          </p:txBody>
+        </p:sp>
       </p:grpSp>
+      <p:sp>
+        <p:nvSpPr>
+          <p:cNvPr id="53" name="TextBox 52">
+            <a:extLst>
+              <a:ext uri="{FF2B5EF4-FFF2-40B4-BE49-F238E27FC236}">
+                <a16:creationId xmlns:a16="http://schemas.microsoft.com/office/drawing/2014/main" id="{03F64BF8-D070-4F79-B7D4-C6B6CAE65E24}"/>
+              </a:ext>
+            </a:extLst>
+          </p:cNvPr>
+          <p:cNvSpPr txBox="1"/>
+          <p:nvPr/>
+        </p:nvSpPr>
+        <p:spPr>
+          <a:xfrm>
+            <a:off x="7805254" y="4962760"/>
+            <a:ext cx="2771775" cy="369332"/>
+          </a:xfrm>
+          <a:prstGeom prst="rect">
+            <a:avLst/>
+          </a:prstGeom>
+          <a:noFill/>
+        </p:spPr>
+        <p:txBody>
+          <a:bodyPr wrap="square" rtlCol="0">
+            <a:spAutoFit/>
+          </a:bodyPr>
+          <a:lstStyle/>
+          <a:p>
+            <a:r>
+              <a:rPr lang="en-SG" dirty="0"/>
+              <a:t>Step 3. Compress Folder</a:t>
+            </a:r>
+          </a:p>
+        </p:txBody>
+      </p:sp>
+      <p:pic>
+        <p:nvPicPr>
+          <p:cNvPr id="54" name="Picture 53">
+            <a:extLst>
+              <a:ext uri="{FF2B5EF4-FFF2-40B4-BE49-F238E27FC236}">
+                <a16:creationId xmlns:a16="http://schemas.microsoft.com/office/drawing/2014/main" id="{B1FF594E-2B4E-42C6-B511-1311545E9B7D}"/>
+              </a:ext>
+            </a:extLst>
+          </p:cNvPr>
+          <p:cNvPicPr>
+            <a:picLocks noChangeAspect="1"/>
+          </p:cNvPicPr>
+          <p:nvPr/>
+        </p:nvPicPr>
+        <p:blipFill>
+          <a:blip r:embed="rId6"/>
+          <a:stretch>
+            <a:fillRect/>
+          </a:stretch>
+        </p:blipFill>
+        <p:spPr>
+          <a:xfrm>
+            <a:off x="2831393" y="3887536"/>
+            <a:ext cx="3855003" cy="2405984"/>
+          </a:xfrm>
+          <a:prstGeom prst="rect">
+            <a:avLst/>
+          </a:prstGeom>
+        </p:spPr>
+      </p:pic>
+      <p:cxnSp>
+        <p:nvCxnSpPr>
+          <p:cNvPr id="59" name="Connector: Elbow 58">
+            <a:extLst>
+              <a:ext uri="{FF2B5EF4-FFF2-40B4-BE49-F238E27FC236}">
+                <a16:creationId xmlns:a16="http://schemas.microsoft.com/office/drawing/2014/main" id="{9C6287AB-CE49-430F-9142-B77B1E1455E7}"/>
+              </a:ext>
+            </a:extLst>
+          </p:cNvPr>
+          <p:cNvCxnSpPr>
+            <a:stCxn id="55" idx="2"/>
+            <a:endCxn id="54" idx="1"/>
+          </p:cNvCxnSpPr>
+          <p:nvPr/>
+        </p:nvCxnSpPr>
+        <p:spPr>
+          <a:xfrm rot="16200000" flipH="1">
+            <a:off x="1364762" y="3623897"/>
+            <a:ext cx="1511444" cy="1421817"/>
+          </a:xfrm>
+          <a:prstGeom prst="bentConnector2">
+            <a:avLst/>
+          </a:prstGeom>
+          <a:ln w="19050">
+            <a:tailEnd type="triangle"/>
+          </a:ln>
+        </p:spPr>
+        <p:style>
+          <a:lnRef idx="1">
+            <a:schemeClr val="accent1"/>
+          </a:lnRef>
+          <a:fillRef idx="0">
+            <a:schemeClr val="accent1"/>
+          </a:fillRef>
+          <a:effectRef idx="0">
+            <a:schemeClr val="accent1"/>
+          </a:effectRef>
+          <a:fontRef idx="minor">
+            <a:schemeClr val="tx1"/>
+          </a:fontRef>
+        </p:style>
+      </p:cxnSp>
     </p:spTree>
     <p:extLst>
       <p:ext uri="{BB962C8B-B14F-4D97-AF65-F5344CB8AC3E}">
@@ -7475,6 +7455,264 @@
           <a:chExt cx="0" cy="0"/>
         </a:xfrm>
       </p:grpSpPr>
+      <p:grpSp>
+        <p:nvGrpSpPr>
+          <p:cNvPr id="8" name="Group 7">
+            <a:extLst>
+              <a:ext uri="{FF2B5EF4-FFF2-40B4-BE49-F238E27FC236}">
+                <a16:creationId xmlns:a16="http://schemas.microsoft.com/office/drawing/2014/main" id="{6521A941-1C94-4B55-B2A4-093D13842394}"/>
+              </a:ext>
+            </a:extLst>
+          </p:cNvPr>
+          <p:cNvGrpSpPr/>
+          <p:nvPr/>
+        </p:nvGrpSpPr>
+        <p:grpSpPr>
+          <a:xfrm>
+            <a:off x="-125146" y="12602"/>
+            <a:ext cx="12418373" cy="6832796"/>
+            <a:chOff x="-125146" y="12602"/>
+            <a:chExt cx="12418373" cy="6832796"/>
+          </a:xfrm>
+        </p:grpSpPr>
+        <p:pic>
+          <p:nvPicPr>
+            <p:cNvPr id="1047" name="Picture 23" descr="https://lh5.googleusercontent.com/gqiC-Gs6uqfOXXB2Cl0WY93uiP-TgDyxtHjB8fi1v8R7bd7BrTlSpfJ3y6VmC8wMjlJjlcwny-kB2h2Xzw5HpR1bjBxJemkrVvnghIGENDp8-FFsaDQzEsoyY100CBqudVRXvXQIkbn-f2644Ru_OCLtarZ4oxl8nGzfJgX7t2QVbzbnDg21UQ">
+              <a:extLst>
+                <a:ext uri="{FF2B5EF4-FFF2-40B4-BE49-F238E27FC236}">
+                  <a16:creationId xmlns:a16="http://schemas.microsoft.com/office/drawing/2014/main" id="{A6B4C7AB-E54D-491E-A625-F5433019047A}"/>
+                </a:ext>
+              </a:extLst>
+            </p:cNvPr>
+            <p:cNvPicPr>
+              <a:picLocks noChangeAspect="1" noChangeArrowheads="1"/>
+            </p:cNvPicPr>
+            <p:nvPr/>
+          </p:nvPicPr>
+          <p:blipFill>
+            <a:blip r:embed="rId2">
+              <a:extLst>
+                <a:ext uri="{28A0092B-C50C-407E-A947-70E740481C1C}">
+                  <a14:useLocalDpi xmlns:a14="http://schemas.microsoft.com/office/drawing/2010/main" val="0"/>
+                </a:ext>
+              </a:extLst>
+            </a:blip>
+            <a:srcRect/>
+            <a:stretch>
+              <a:fillRect/>
+            </a:stretch>
+          </p:blipFill>
+          <p:spPr bwMode="auto">
+            <a:xfrm>
+              <a:off x="0" y="5457629"/>
+              <a:ext cx="12293227" cy="1387769"/>
+            </a:xfrm>
+            <a:prstGeom prst="rect">
+              <a:avLst/>
+            </a:prstGeom>
+            <a:noFill/>
+            <a:extLst>
+              <a:ext uri="{909E8E84-426E-40DD-AFC4-6F175D3DCCD1}">
+                <a14:hiddenFill xmlns:a14="http://schemas.microsoft.com/office/drawing/2010/main">
+                  <a:solidFill>
+                    <a:srgbClr val="FFFFFF"/>
+                  </a:solidFill>
+                </a14:hiddenFill>
+              </a:ext>
+            </a:extLst>
+          </p:spPr>
+        </p:pic>
+        <p:pic>
+          <p:nvPicPr>
+            <p:cNvPr id="1049" name="Picture 25" descr="https://lh5.googleusercontent.com/R4ulxtpn2cV_ozjWSGfyDquICHUg2U_57EdD_lAIkDhh0_WfjzwxhckoGc6wTfgd__WltNgbOKeFWrCs4mbo_i0SBWyjBa-7VxSlVkoUoxtec7K-Z6OMhtwa_h2Xos_gm9i9UVTHy4hq9HsYqhKlejUAuW5IjbtHcYjlIt9Vc928hJaZy0C1Jw">
+              <a:extLst>
+                <a:ext uri="{FF2B5EF4-FFF2-40B4-BE49-F238E27FC236}">
+                  <a16:creationId xmlns:a16="http://schemas.microsoft.com/office/drawing/2014/main" id="{DA749F8E-A2FB-49EC-B117-5A9DD72A3E03}"/>
+                </a:ext>
+              </a:extLst>
+            </p:cNvPr>
+            <p:cNvPicPr>
+              <a:picLocks noChangeAspect="1" noChangeArrowheads="1"/>
+            </p:cNvPicPr>
+            <p:nvPr/>
+          </p:nvPicPr>
+          <p:blipFill>
+            <a:blip r:embed="rId3">
+              <a:extLst>
+                <a:ext uri="{28A0092B-C50C-407E-A947-70E740481C1C}">
+                  <a14:useLocalDpi xmlns:a14="http://schemas.microsoft.com/office/drawing/2010/main" val="0"/>
+                </a:ext>
+              </a:extLst>
+            </a:blip>
+            <a:srcRect/>
+            <a:stretch>
+              <a:fillRect/>
+            </a:stretch>
+          </p:blipFill>
+          <p:spPr bwMode="auto">
+            <a:xfrm>
+              <a:off x="8511093" y="6155202"/>
+              <a:ext cx="2974319" cy="608985"/>
+            </a:xfrm>
+            <a:prstGeom prst="rect">
+              <a:avLst/>
+            </a:prstGeom>
+            <a:noFill/>
+            <a:extLst>
+              <a:ext uri="{909E8E84-426E-40DD-AFC4-6F175D3DCCD1}">
+                <a14:hiddenFill xmlns:a14="http://schemas.microsoft.com/office/drawing/2010/main">
+                  <a:solidFill>
+                    <a:srgbClr val="FFFFFF"/>
+                  </a:solidFill>
+                </a14:hiddenFill>
+              </a:ext>
+            </a:extLst>
+          </p:spPr>
+        </p:pic>
+        <p:pic>
+          <p:nvPicPr>
+            <p:cNvPr id="32" name="Picture 23" descr="https://lh5.googleusercontent.com/gqiC-Gs6uqfOXXB2Cl0WY93uiP-TgDyxtHjB8fi1v8R7bd7BrTlSpfJ3y6VmC8wMjlJjlcwny-kB2h2Xzw5HpR1bjBxJemkrVvnghIGENDp8-FFsaDQzEsoyY100CBqudVRXvXQIkbn-f2644Ru_OCLtarZ4oxl8nGzfJgX7t2QVbzbnDg21UQ">
+              <a:extLst>
+                <a:ext uri="{FF2B5EF4-FFF2-40B4-BE49-F238E27FC236}">
+                  <a16:creationId xmlns:a16="http://schemas.microsoft.com/office/drawing/2014/main" id="{B4CA5873-F7EF-457A-960C-DAFDAE5BBD6F}"/>
+                </a:ext>
+              </a:extLst>
+            </p:cNvPr>
+            <p:cNvPicPr>
+              <a:picLocks noChangeAspect="1" noChangeArrowheads="1"/>
+            </p:cNvPicPr>
+            <p:nvPr/>
+          </p:nvPicPr>
+          <p:blipFill>
+            <a:blip r:embed="rId2">
+              <a:extLst>
+                <a:ext uri="{28A0092B-C50C-407E-A947-70E740481C1C}">
+                  <a14:useLocalDpi xmlns:a14="http://schemas.microsoft.com/office/drawing/2010/main" val="0"/>
+                </a:ext>
+              </a:extLst>
+            </a:blip>
+            <a:srcRect/>
+            <a:stretch>
+              <a:fillRect/>
+            </a:stretch>
+          </p:blipFill>
+          <p:spPr bwMode="auto">
+            <a:xfrm rot="10800000">
+              <a:off x="-125146" y="12602"/>
+              <a:ext cx="12227873" cy="1380391"/>
+            </a:xfrm>
+            <a:prstGeom prst="rect">
+              <a:avLst/>
+            </a:prstGeom>
+            <a:noFill/>
+            <a:extLst>
+              <a:ext uri="{909E8E84-426E-40DD-AFC4-6F175D3DCCD1}">
+                <a14:hiddenFill xmlns:a14="http://schemas.microsoft.com/office/drawing/2010/main">
+                  <a:solidFill>
+                    <a:srgbClr val="FFFFFF"/>
+                  </a:solidFill>
+                </a14:hiddenFill>
+              </a:ext>
+            </a:extLst>
+          </p:spPr>
+        </p:pic>
+      </p:grpSp>
+    </p:spTree>
+    <p:extLst>
+      <p:ext uri="{BB962C8B-B14F-4D97-AF65-F5344CB8AC3E}">
+        <p14:creationId xmlns:p14="http://schemas.microsoft.com/office/powerpoint/2010/main" val="3848179678"/>
+      </p:ext>
+    </p:extLst>
+  </p:cSld>
+  <p:clrMapOvr>
+    <a:masterClrMapping/>
+  </p:clrMapOvr>
+</p:sld>
+</file>
+
+<file path=ppt/slides/slide2.xml><?xml version="1.0" encoding="utf-8"?>
+<p:sld xmlns:a="http://schemas.openxmlformats.org/drawingml/2006/main" xmlns:r="http://schemas.openxmlformats.org/officeDocument/2006/relationships" xmlns:p="http://schemas.openxmlformats.org/presentationml/2006/main">
+  <p:cSld>
+    <p:spTree>
+      <p:nvGrpSpPr>
+        <p:cNvPr id="1" name=""/>
+        <p:cNvGrpSpPr/>
+        <p:nvPr/>
+      </p:nvGrpSpPr>
+      <p:grpSpPr>
+        <a:xfrm>
+          <a:off x="0" y="0"/>
+          <a:ext cx="0" cy="0"/>
+          <a:chOff x="0" y="0"/>
+          <a:chExt cx="0" cy="0"/>
+        </a:xfrm>
+      </p:grpSpPr>
+      <p:pic>
+        <p:nvPicPr>
+          <p:cNvPr id="4" name="Picture 3">
+            <a:extLst>
+              <a:ext uri="{FF2B5EF4-FFF2-40B4-BE49-F238E27FC236}">
+                <a16:creationId xmlns:a16="http://schemas.microsoft.com/office/drawing/2014/main" id="{C17BAD7B-C9C0-4980-90E8-32AB9AF3874A}"/>
+              </a:ext>
+            </a:extLst>
+          </p:cNvPr>
+          <p:cNvPicPr>
+            <a:picLocks noChangeAspect="1"/>
+          </p:cNvPicPr>
+          <p:nvPr/>
+        </p:nvPicPr>
+        <p:blipFill>
+          <a:blip r:embed="rId2">
+            <a:extLst>
+              <a:ext uri="{28A0092B-C50C-407E-A947-70E740481C1C}">
+                <a14:useLocalDpi xmlns:a14="http://schemas.microsoft.com/office/drawing/2010/main" val="0"/>
+              </a:ext>
+            </a:extLst>
+          </a:blip>
+          <a:stretch>
+            <a:fillRect/>
+          </a:stretch>
+        </p:blipFill>
+        <p:spPr>
+          <a:xfrm>
+            <a:off x="3645989" y="1131179"/>
+            <a:ext cx="3887575" cy="3898364"/>
+          </a:xfrm>
+          <a:prstGeom prst="rect">
+            <a:avLst/>
+          </a:prstGeom>
+        </p:spPr>
+      </p:pic>
+    </p:spTree>
+    <p:extLst>
+      <p:ext uri="{BB962C8B-B14F-4D97-AF65-F5344CB8AC3E}">
+        <p14:creationId xmlns:p14="http://schemas.microsoft.com/office/powerpoint/2010/main" val="2423353379"/>
+      </p:ext>
+    </p:extLst>
+  </p:cSld>
+  <p:clrMapOvr>
+    <a:masterClrMapping/>
+  </p:clrMapOvr>
+</p:sld>
+</file>
+
+<file path=ppt/slides/slide20.xml><?xml version="1.0" encoding="utf-8"?>
+<p:sld xmlns:a="http://schemas.openxmlformats.org/drawingml/2006/main" xmlns:r="http://schemas.openxmlformats.org/officeDocument/2006/relationships" xmlns:p="http://schemas.openxmlformats.org/presentationml/2006/main">
+  <p:cSld>
+    <p:spTree>
+      <p:nvGrpSpPr>
+        <p:cNvPr id="1" name=""/>
+        <p:cNvGrpSpPr/>
+        <p:nvPr/>
+      </p:nvGrpSpPr>
+      <p:grpSpPr>
+        <a:xfrm>
+          <a:off x="0" y="0"/>
+          <a:ext cx="0" cy="0"/>
+          <a:chOff x="0" y="0"/>
+          <a:chExt cx="0" cy="0"/>
+        </a:xfrm>
+      </p:grpSpPr>
       <p:pic>
         <p:nvPicPr>
           <p:cNvPr id="10" name="Picture 2" descr="Related image">
@@ -7579,72 +7817,6 @@
     <p:extLst>
       <p:ext uri="{BB962C8B-B14F-4D97-AF65-F5344CB8AC3E}">
         <p14:creationId xmlns:p14="http://schemas.microsoft.com/office/powerpoint/2010/main" val="3427638432"/>
-      </p:ext>
-    </p:extLst>
-  </p:cSld>
-  <p:clrMapOvr>
-    <a:masterClrMapping/>
-  </p:clrMapOvr>
-</p:sld>
-</file>
-
-<file path=ppt/slides/slide2.xml><?xml version="1.0" encoding="utf-8"?>
-<p:sld xmlns:a="http://schemas.openxmlformats.org/drawingml/2006/main" xmlns:r="http://schemas.openxmlformats.org/officeDocument/2006/relationships" xmlns:p="http://schemas.openxmlformats.org/presentationml/2006/main">
-  <p:cSld>
-    <p:spTree>
-      <p:nvGrpSpPr>
-        <p:cNvPr id="1" name=""/>
-        <p:cNvGrpSpPr/>
-        <p:nvPr/>
-      </p:nvGrpSpPr>
-      <p:grpSpPr>
-        <a:xfrm>
-          <a:off x="0" y="0"/>
-          <a:ext cx="0" cy="0"/>
-          <a:chOff x="0" y="0"/>
-          <a:chExt cx="0" cy="0"/>
-        </a:xfrm>
-      </p:grpSpPr>
-      <p:pic>
-        <p:nvPicPr>
-          <p:cNvPr id="4" name="Picture 3">
-            <a:extLst>
-              <a:ext uri="{FF2B5EF4-FFF2-40B4-BE49-F238E27FC236}">
-                <a16:creationId xmlns:a16="http://schemas.microsoft.com/office/drawing/2014/main" id="{C17BAD7B-C9C0-4980-90E8-32AB9AF3874A}"/>
-              </a:ext>
-            </a:extLst>
-          </p:cNvPr>
-          <p:cNvPicPr>
-            <a:picLocks noChangeAspect="1"/>
-          </p:cNvPicPr>
-          <p:nvPr/>
-        </p:nvPicPr>
-        <p:blipFill>
-          <a:blip r:embed="rId2">
-            <a:extLst>
-              <a:ext uri="{28A0092B-C50C-407E-A947-70E740481C1C}">
-                <a14:useLocalDpi xmlns:a14="http://schemas.microsoft.com/office/drawing/2010/main" val="0"/>
-              </a:ext>
-            </a:extLst>
-          </a:blip>
-          <a:stretch>
-            <a:fillRect/>
-          </a:stretch>
-        </p:blipFill>
-        <p:spPr>
-          <a:xfrm>
-            <a:off x="3645989" y="1131179"/>
-            <a:ext cx="3887575" cy="3898364"/>
-          </a:xfrm>
-          <a:prstGeom prst="rect">
-            <a:avLst/>
-          </a:prstGeom>
-        </p:spPr>
-      </p:pic>
-    </p:spTree>
-    <p:extLst>
-      <p:ext uri="{BB962C8B-B14F-4D97-AF65-F5344CB8AC3E}">
-        <p14:creationId xmlns:p14="http://schemas.microsoft.com/office/powerpoint/2010/main" val="2423353379"/>
       </p:ext>
     </p:extLst>
   </p:cSld>

--- a/images/Image_In_ppt.pptx
+++ b/images/Image_In_ppt.pptx
@@ -280,7 +280,7 @@
           <a:p>
             <a:fld id="{6AD9268C-4043-4F47-9E5A-AF01BC7E8A5E}" type="datetimeFigureOut">
               <a:rPr lang="en-SG" smtClean="0"/>
-              <a:t>28/10/2022</a:t>
+              <a:t>2/11/2022</a:t>
             </a:fld>
             <a:endParaRPr lang="en-SG"/>
           </a:p>
@@ -480,7 +480,7 @@
           <a:p>
             <a:fld id="{6AD9268C-4043-4F47-9E5A-AF01BC7E8A5E}" type="datetimeFigureOut">
               <a:rPr lang="en-SG" smtClean="0"/>
-              <a:t>28/10/2022</a:t>
+              <a:t>2/11/2022</a:t>
             </a:fld>
             <a:endParaRPr lang="en-SG"/>
           </a:p>
@@ -690,7 +690,7 @@
           <a:p>
             <a:fld id="{6AD9268C-4043-4F47-9E5A-AF01BC7E8A5E}" type="datetimeFigureOut">
               <a:rPr lang="en-SG" smtClean="0"/>
-              <a:t>28/10/2022</a:t>
+              <a:t>2/11/2022</a:t>
             </a:fld>
             <a:endParaRPr lang="en-SG"/>
           </a:p>
@@ -890,7 +890,7 @@
           <a:p>
             <a:fld id="{6AD9268C-4043-4F47-9E5A-AF01BC7E8A5E}" type="datetimeFigureOut">
               <a:rPr lang="en-SG" smtClean="0"/>
-              <a:t>28/10/2022</a:t>
+              <a:t>2/11/2022</a:t>
             </a:fld>
             <a:endParaRPr lang="en-SG"/>
           </a:p>
@@ -1166,7 +1166,7 @@
           <a:p>
             <a:fld id="{6AD9268C-4043-4F47-9E5A-AF01BC7E8A5E}" type="datetimeFigureOut">
               <a:rPr lang="en-SG" smtClean="0"/>
-              <a:t>28/10/2022</a:t>
+              <a:t>2/11/2022</a:t>
             </a:fld>
             <a:endParaRPr lang="en-SG"/>
           </a:p>
@@ -1434,7 +1434,7 @@
           <a:p>
             <a:fld id="{6AD9268C-4043-4F47-9E5A-AF01BC7E8A5E}" type="datetimeFigureOut">
               <a:rPr lang="en-SG" smtClean="0"/>
-              <a:t>28/10/2022</a:t>
+              <a:t>2/11/2022</a:t>
             </a:fld>
             <a:endParaRPr lang="en-SG"/>
           </a:p>
@@ -1849,7 +1849,7 @@
           <a:p>
             <a:fld id="{6AD9268C-4043-4F47-9E5A-AF01BC7E8A5E}" type="datetimeFigureOut">
               <a:rPr lang="en-SG" smtClean="0"/>
-              <a:t>28/10/2022</a:t>
+              <a:t>2/11/2022</a:t>
             </a:fld>
             <a:endParaRPr lang="en-SG"/>
           </a:p>
@@ -1991,7 +1991,7 @@
           <a:p>
             <a:fld id="{6AD9268C-4043-4F47-9E5A-AF01BC7E8A5E}" type="datetimeFigureOut">
               <a:rPr lang="en-SG" smtClean="0"/>
-              <a:t>28/10/2022</a:t>
+              <a:t>2/11/2022</a:t>
             </a:fld>
             <a:endParaRPr lang="en-SG"/>
           </a:p>
@@ -2104,7 +2104,7 @@
           <a:p>
             <a:fld id="{6AD9268C-4043-4F47-9E5A-AF01BC7E8A5E}" type="datetimeFigureOut">
               <a:rPr lang="en-SG" smtClean="0"/>
-              <a:t>28/10/2022</a:t>
+              <a:t>2/11/2022</a:t>
             </a:fld>
             <a:endParaRPr lang="en-SG"/>
           </a:p>
@@ -2417,7 +2417,7 @@
           <a:p>
             <a:fld id="{6AD9268C-4043-4F47-9E5A-AF01BC7E8A5E}" type="datetimeFigureOut">
               <a:rPr lang="en-SG" smtClean="0"/>
-              <a:t>28/10/2022</a:t>
+              <a:t>2/11/2022</a:t>
             </a:fld>
             <a:endParaRPr lang="en-SG"/>
           </a:p>
@@ -2706,7 +2706,7 @@
           <a:p>
             <a:fld id="{6AD9268C-4043-4F47-9E5A-AF01BC7E8A5E}" type="datetimeFigureOut">
               <a:rPr lang="en-SG" smtClean="0"/>
-              <a:t>28/10/2022</a:t>
+              <a:t>2/11/2022</a:t>
             </a:fld>
             <a:endParaRPr lang="en-SG"/>
           </a:p>
@@ -2949,7 +2949,7 @@
           <a:p>
             <a:fld id="{6AD9268C-4043-4F47-9E5A-AF01BC7E8A5E}" type="datetimeFigureOut">
               <a:rPr lang="en-SG" smtClean="0"/>
-              <a:t>28/10/2022</a:t>
+              <a:t>2/11/2022</a:t>
             </a:fld>
             <a:endParaRPr lang="en-SG"/>
           </a:p>
@@ -7457,10 +7457,10 @@
       </p:grpSpPr>
       <p:grpSp>
         <p:nvGrpSpPr>
-          <p:cNvPr id="8" name="Group 7">
-            <a:extLst>
-              <a:ext uri="{FF2B5EF4-FFF2-40B4-BE49-F238E27FC236}">
-                <a16:creationId xmlns:a16="http://schemas.microsoft.com/office/drawing/2014/main" id="{6521A941-1C94-4B55-B2A4-093D13842394}"/>
+          <p:cNvPr id="2" name="Group 1">
+            <a:extLst>
+              <a:ext uri="{FF2B5EF4-FFF2-40B4-BE49-F238E27FC236}">
+                <a16:creationId xmlns:a16="http://schemas.microsoft.com/office/drawing/2014/main" id="{E2476B1D-5D5B-489A-AFBC-D9C12AC2AA26}"/>
               </a:ext>
             </a:extLst>
           </p:cNvPr>
@@ -7506,53 +7506,6 @@
             <a:xfrm>
               <a:off x="0" y="5457629"/>
               <a:ext cx="12293227" cy="1387769"/>
-            </a:xfrm>
-            <a:prstGeom prst="rect">
-              <a:avLst/>
-            </a:prstGeom>
-            <a:noFill/>
-            <a:extLst>
-              <a:ext uri="{909E8E84-426E-40DD-AFC4-6F175D3DCCD1}">
-                <a14:hiddenFill xmlns:a14="http://schemas.microsoft.com/office/drawing/2010/main">
-                  <a:solidFill>
-                    <a:srgbClr val="FFFFFF"/>
-                  </a:solidFill>
-                </a14:hiddenFill>
-              </a:ext>
-            </a:extLst>
-          </p:spPr>
-        </p:pic>
-        <p:pic>
-          <p:nvPicPr>
-            <p:cNvPr id="1049" name="Picture 25" descr="https://lh5.googleusercontent.com/R4ulxtpn2cV_ozjWSGfyDquICHUg2U_57EdD_lAIkDhh0_WfjzwxhckoGc6wTfgd__WltNgbOKeFWrCs4mbo_i0SBWyjBa-7VxSlVkoUoxtec7K-Z6OMhtwa_h2Xos_gm9i9UVTHy4hq9HsYqhKlejUAuW5IjbtHcYjlIt9Vc928hJaZy0C1Jw">
-              <a:extLst>
-                <a:ext uri="{FF2B5EF4-FFF2-40B4-BE49-F238E27FC236}">
-                  <a16:creationId xmlns:a16="http://schemas.microsoft.com/office/drawing/2014/main" id="{DA749F8E-A2FB-49EC-B117-5A9DD72A3E03}"/>
-                </a:ext>
-              </a:extLst>
-            </p:cNvPr>
-            <p:cNvPicPr>
-              <a:picLocks noChangeAspect="1" noChangeArrowheads="1"/>
-            </p:cNvPicPr>
-            <p:nvPr/>
-          </p:nvPicPr>
-          <p:blipFill>
-            <a:blip r:embed="rId3">
-              <a:extLst>
-                <a:ext uri="{28A0092B-C50C-407E-A947-70E740481C1C}">
-                  <a14:useLocalDpi xmlns:a14="http://schemas.microsoft.com/office/drawing/2010/main" val="0"/>
-                </a:ext>
-              </a:extLst>
-            </a:blip>
-            <a:srcRect/>
-            <a:stretch>
-              <a:fillRect/>
-            </a:stretch>
-          </p:blipFill>
-          <p:spPr bwMode="auto">
-            <a:xfrm>
-              <a:off x="8511093" y="6155202"/>
-              <a:ext cx="2974319" cy="608985"/>
             </a:xfrm>
             <a:prstGeom prst="rect">
               <a:avLst/>
